--- a/云电脑平台架构.pptx
+++ b/云电脑平台架构.pptx
@@ -7891,7 +7891,7 @@
         </p:nvSpPr>
         <p:spPr>
           <a:xfrm>
-            <a:off x="504966" y="559559"/>
+            <a:off x="1900450" y="409337"/>
             <a:ext cx="3507475" cy="2033516"/>
           </a:xfrm>
           <a:prstGeom prst="rect">
@@ -7931,7 +7931,7 @@
         </p:nvSpPr>
         <p:spPr>
           <a:xfrm>
-            <a:off x="1269241" y="2142699"/>
+            <a:off x="2511187" y="2067637"/>
             <a:ext cx="1978926" cy="368489"/>
           </a:xfrm>
           <a:prstGeom prst="rect">
@@ -7975,7 +7975,7 @@
         </p:nvSpPr>
         <p:spPr>
           <a:xfrm>
-            <a:off x="566382" y="812042"/>
+            <a:off x="2111991" y="716505"/>
             <a:ext cx="1480782" cy="286603"/>
           </a:xfrm>
           <a:prstGeom prst="roundRect">
@@ -8027,7 +8027,7 @@
         </p:nvSpPr>
         <p:spPr>
           <a:xfrm>
-            <a:off x="566382" y="1289714"/>
+            <a:off x="2111991" y="1204366"/>
             <a:ext cx="1480782" cy="286603"/>
           </a:xfrm>
           <a:prstGeom prst="roundRect">
@@ -8071,7 +8071,7 @@
         </p:nvSpPr>
         <p:spPr>
           <a:xfrm>
-            <a:off x="566382" y="1770797"/>
+            <a:off x="2111991" y="1637166"/>
             <a:ext cx="1480782" cy="286603"/>
           </a:xfrm>
           <a:prstGeom prst="roundRect">
@@ -8115,7 +8115,7 @@
         </p:nvSpPr>
         <p:spPr>
           <a:xfrm>
-            <a:off x="2289411" y="812044"/>
+            <a:off x="3695853" y="716506"/>
             <a:ext cx="1480782" cy="286603"/>
           </a:xfrm>
           <a:prstGeom prst="roundRect">
@@ -8159,7 +8159,7 @@
         </p:nvSpPr>
         <p:spPr>
           <a:xfrm>
-            <a:off x="2258704" y="1289714"/>
+            <a:off x="3695853" y="1207825"/>
             <a:ext cx="1480782" cy="286603"/>
           </a:xfrm>
           <a:prstGeom prst="roundRect">
@@ -8203,7 +8203,7 @@
         </p:nvSpPr>
         <p:spPr>
           <a:xfrm>
-            <a:off x="2258704" y="1767386"/>
+            <a:off x="3695853" y="1669465"/>
             <a:ext cx="1480782" cy="286603"/>
           </a:xfrm>
           <a:prstGeom prst="roundRect">
@@ -8247,7 +8247,7 @@
         </p:nvSpPr>
         <p:spPr>
           <a:xfrm>
-            <a:off x="6257498" y="641444"/>
+            <a:off x="6991787" y="498143"/>
             <a:ext cx="3254991" cy="1869744"/>
           </a:xfrm>
           <a:prstGeom prst="rect">
@@ -8287,7 +8287,7 @@
         </p:nvSpPr>
         <p:spPr>
           <a:xfrm>
-            <a:off x="7107070" y="2033518"/>
+            <a:off x="7841361" y="1917925"/>
             <a:ext cx="1555845" cy="341193"/>
           </a:xfrm>
           <a:prstGeom prst="rect">
@@ -8331,7 +8331,7 @@
         </p:nvSpPr>
         <p:spPr>
           <a:xfrm>
-            <a:off x="6544101" y="812042"/>
+            <a:off x="7319334" y="786456"/>
             <a:ext cx="1044054" cy="286603"/>
           </a:xfrm>
           <a:prstGeom prst="rect">
@@ -8378,7 +8378,7 @@
         </p:nvSpPr>
         <p:spPr>
           <a:xfrm>
-            <a:off x="8028295" y="812042"/>
+            <a:off x="8811077" y="795242"/>
             <a:ext cx="1044054" cy="286603"/>
           </a:xfrm>
           <a:prstGeom prst="rect">
@@ -8425,7 +8425,7 @@
         </p:nvSpPr>
         <p:spPr>
           <a:xfrm>
-            <a:off x="6585043" y="1375012"/>
+            <a:off x="7310544" y="1332374"/>
             <a:ext cx="1044054" cy="286603"/>
           </a:xfrm>
           <a:prstGeom prst="rect">
@@ -8472,7 +8472,7 @@
         </p:nvSpPr>
         <p:spPr>
           <a:xfrm>
-            <a:off x="7956642" y="1375011"/>
+            <a:off x="8811077" y="1298034"/>
             <a:ext cx="1044054" cy="286603"/>
           </a:xfrm>
           <a:prstGeom prst="rect">

--- a/云电脑平台架构.pptx
+++ b/云电脑平台架构.pptx
@@ -5,8 +5,8 @@
     <p:sldMasterId id="2147483648" r:id="rId1"/>
   </p:sldMasterIdLst>
   <p:sldIdLst>
-    <p:sldId id="256" r:id="rId2"/>
-    <p:sldId id="257" r:id="rId3"/>
+    <p:sldId id="257" r:id="rId2"/>
+    <p:sldId id="256" r:id="rId3"/>
     <p:sldId id="258" r:id="rId4"/>
     <p:sldId id="259" r:id="rId5"/>
     <p:sldId id="260" r:id="rId6"/>
@@ -2957,288 +2957,357 @@
       </p:grpSpPr>
       <p:sp>
         <p:nvSpPr>
-          <p:cNvPr id="2" name="Title 1"/>
-          <p:cNvSpPr>
-            <a:spLocks noGrp="1"/>
-          </p:cNvSpPr>
-          <p:nvPr>
-            <p:ph type="ctrTitle"/>
-          </p:nvPr>
-        </p:nvSpPr>
-        <p:spPr>
-          <a:xfrm>
-            <a:off x="273685" y="140335"/>
-            <a:ext cx="3883660" cy="441325"/>
-          </a:xfrm>
-        </p:spPr>
-        <p:txBody>
-          <a:bodyPr>
-            <a:normAutofit fontScale="90000"/>
-          </a:bodyPr>
-          <a:lstStyle/>
-          <a:p>
-            <a:pPr algn="ctr"/>
-            <a:r>
-              <a:rPr lang="zh-HK" altLang="en-US" sz="3555" dirty="0">
-                <a:solidFill>
-                  <a:schemeClr val="accent5">
-                    <a:lumMod val="75000"/>
-                  </a:schemeClr>
-                </a:solidFill>
-              </a:rPr>
-              <a:t>云电脑平台架构</a:t>
-            </a:r>
-          </a:p>
-        </p:txBody>
-      </p:sp>
-      <p:sp>
-        <p:nvSpPr>
-          <p:cNvPr id="4" name="圓角矩形 3"/>
-          <p:cNvSpPr/>
-          <p:nvPr/>
-        </p:nvSpPr>
-        <p:spPr>
-          <a:xfrm>
-            <a:off x="224790" y="553720"/>
-            <a:ext cx="4863465" cy="745490"/>
+          <p:cNvPr id="4" name="矩形 3"/>
+          <p:cNvSpPr/>
+          <p:nvPr/>
+        </p:nvSpPr>
+        <p:spPr>
+          <a:xfrm>
+            <a:off x="1900450" y="409337"/>
+            <a:ext cx="3507475" cy="2033516"/>
+          </a:xfrm>
+          <a:prstGeom prst="rect">
+            <a:avLst/>
+          </a:prstGeom>
+        </p:spPr>
+        <p:style>
+          <a:lnRef idx="2">
+            <a:schemeClr val="accent1">
+              <a:shade val="50000"/>
+            </a:schemeClr>
+          </a:lnRef>
+          <a:fillRef idx="1">
+            <a:schemeClr val="accent1"/>
+          </a:fillRef>
+          <a:effectRef idx="0">
+            <a:schemeClr val="accent1"/>
+          </a:effectRef>
+          <a:fontRef idx="minor">
+            <a:schemeClr val="lt1"/>
+          </a:fontRef>
+        </p:style>
+        <p:txBody>
+          <a:bodyPr rtlCol="0" anchor="ctr"/>
+          <a:lstStyle/>
+          <a:p>
+            <a:pPr lvl="1" algn="ctr"/>
+            <a:endParaRPr lang="zh-CN" altLang="en-US" sz="1200" dirty="0"/>
+          </a:p>
+        </p:txBody>
+      </p:sp>
+      <p:sp>
+        <p:nvSpPr>
+          <p:cNvPr id="5" name="矩形 4"/>
+          <p:cNvSpPr/>
+          <p:nvPr/>
+        </p:nvSpPr>
+        <p:spPr>
+          <a:xfrm>
+            <a:off x="2511187" y="2067637"/>
+            <a:ext cx="1978926" cy="368489"/>
+          </a:xfrm>
+          <a:prstGeom prst="rect">
+            <a:avLst/>
+          </a:prstGeom>
+        </p:spPr>
+        <p:style>
+          <a:lnRef idx="2">
+            <a:schemeClr val="accent1">
+              <a:shade val="50000"/>
+            </a:schemeClr>
+          </a:lnRef>
+          <a:fillRef idx="1">
+            <a:schemeClr val="accent1"/>
+          </a:fillRef>
+          <a:effectRef idx="0">
+            <a:schemeClr val="accent1"/>
+          </a:effectRef>
+          <a:fontRef idx="minor">
+            <a:schemeClr val="lt1"/>
+          </a:fontRef>
+        </p:style>
+        <p:txBody>
+          <a:bodyPr rtlCol="0" anchor="ctr"/>
+          <a:lstStyle/>
+          <a:p>
+            <a:pPr algn="ctr"/>
+            <a:r>
+              <a:rPr lang="zh-CN" altLang="en-US" dirty="0" smtClean="0"/>
+              <a:t>自营云电脑平台</a:t>
+            </a:r>
+            <a:endParaRPr lang="zh-CN" altLang="en-US" dirty="0"/>
+          </a:p>
+        </p:txBody>
+      </p:sp>
+      <p:sp>
+        <p:nvSpPr>
+          <p:cNvPr id="6" name="圆角矩形 5"/>
+          <p:cNvSpPr/>
+          <p:nvPr/>
+        </p:nvSpPr>
+        <p:spPr>
+          <a:xfrm>
+            <a:off x="2111991" y="716505"/>
+            <a:ext cx="1480782" cy="286603"/>
           </a:xfrm>
           <a:prstGeom prst="roundRect">
             <a:avLst/>
           </a:prstGeom>
-          <a:solidFill>
-            <a:schemeClr val="accent1">
-              <a:lumMod val="75000"/>
-            </a:schemeClr>
-          </a:solidFill>
-        </p:spPr>
-        <p:style>
-          <a:lnRef idx="0">
-            <a:srgbClr val="FFFFFF"/>
-          </a:lnRef>
-          <a:fillRef idx="1">
-            <a:schemeClr val="accent1"/>
-          </a:fillRef>
-          <a:effectRef idx="0">
-            <a:srgbClr val="FFFFFF"/>
-          </a:effectRef>
-          <a:fontRef idx="minor">
-            <a:schemeClr val="lt1"/>
-          </a:fontRef>
-        </p:style>
-        <p:txBody>
-          <a:bodyPr rtlCol="0" anchor="ctr"/>
-          <a:lstStyle/>
-          <a:p>
-            <a:pPr algn="ctr">
-              <a:lnSpc>
-                <a:spcPct val="0"/>
-              </a:lnSpc>
-            </a:pPr>
-            <a:r>
-              <a:rPr lang="zh-CN" altLang="zh-HK" dirty="0" smtClean="0"/>
-              <a:t>接口层</a:t>
-            </a:r>
-            <a:endParaRPr lang="zh-CN" altLang="zh-HK" dirty="0"/>
-          </a:p>
-        </p:txBody>
-      </p:sp>
-      <p:sp>
-        <p:nvSpPr>
-          <p:cNvPr id="5" name="矩形 4"/>
-          <p:cNvSpPr/>
-          <p:nvPr>
-            <p:custDataLst>
-              <p:tags r:id="rId1"/>
-            </p:custDataLst>
-          </p:nvPr>
-        </p:nvSpPr>
-        <p:spPr>
-          <a:xfrm>
-            <a:off x="248603" y="835196"/>
-            <a:ext cx="1188720" cy="454660"/>
-          </a:xfrm>
-          <a:prstGeom prst="rect">
-            <a:avLst/>
-          </a:prstGeom>
-          <a:solidFill>
-            <a:schemeClr val="accent1"/>
-          </a:solidFill>
-        </p:spPr>
-        <p:style>
-          <a:lnRef idx="2">
-            <a:schemeClr val="accent1">
-              <a:shade val="50000"/>
-            </a:schemeClr>
-          </a:lnRef>
-          <a:fillRef idx="1">
-            <a:schemeClr val="accent1"/>
-          </a:fillRef>
-          <a:effectRef idx="0">
-            <a:schemeClr val="accent1"/>
-          </a:effectRef>
-          <a:fontRef idx="minor">
-            <a:schemeClr val="lt1"/>
-          </a:fontRef>
-        </p:style>
-        <p:txBody>
-          <a:bodyPr rtlCol="0" anchor="ctr"/>
-          <a:lstStyle/>
-          <a:p>
-            <a:pPr algn="ctr"/>
-            <a:r>
-              <a:rPr lang="zh-CN" altLang="en-US" sz="1200" dirty="0"/>
-              <a:t>客户主服务</a:t>
-            </a:r>
-          </a:p>
-        </p:txBody>
-      </p:sp>
-      <p:sp>
-        <p:nvSpPr>
-          <p:cNvPr id="6" name="矩形 5"/>
-          <p:cNvSpPr/>
-          <p:nvPr>
-            <p:custDataLst>
-              <p:tags r:id="rId2"/>
-            </p:custDataLst>
-          </p:nvPr>
-        </p:nvSpPr>
-        <p:spPr>
-          <a:xfrm>
-            <a:off x="3512185" y="789940"/>
-            <a:ext cx="1377315" cy="454660"/>
-          </a:xfrm>
-          <a:prstGeom prst="rect">
-            <a:avLst/>
-          </a:prstGeom>
-          <a:solidFill>
-            <a:schemeClr val="accent1"/>
-          </a:solidFill>
-        </p:spPr>
-        <p:style>
-          <a:lnRef idx="2">
-            <a:schemeClr val="accent1">
-              <a:shade val="50000"/>
-            </a:schemeClr>
-          </a:lnRef>
-          <a:fillRef idx="1">
-            <a:schemeClr val="accent1"/>
-          </a:fillRef>
-          <a:effectRef idx="0">
-            <a:schemeClr val="accent1"/>
-          </a:effectRef>
-          <a:fontRef idx="minor">
-            <a:schemeClr val="lt1"/>
-          </a:fontRef>
-        </p:style>
-        <p:txBody>
-          <a:bodyPr rtlCol="0" anchor="ctr"/>
-          <a:lstStyle/>
-          <a:p>
-            <a:pPr algn="ctr"/>
-            <a:r>
-              <a:rPr lang="en-US" altLang="zh-CN" sz="1200" dirty="0"/>
-              <a:t>SDK</a:t>
-            </a:r>
-          </a:p>
-        </p:txBody>
-      </p:sp>
-      <p:sp>
-        <p:nvSpPr>
-          <p:cNvPr id="7" name="矩形 6"/>
-          <p:cNvSpPr/>
-          <p:nvPr>
-            <p:custDataLst>
-              <p:tags r:id="rId3"/>
-            </p:custDataLst>
-          </p:nvPr>
-        </p:nvSpPr>
-        <p:spPr>
-          <a:xfrm>
-            <a:off x="1707989" y="844550"/>
-            <a:ext cx="1494790" cy="454660"/>
-          </a:xfrm>
-          <a:prstGeom prst="rect">
-            <a:avLst/>
-          </a:prstGeom>
-          <a:solidFill>
-            <a:schemeClr val="accent1"/>
-          </a:solidFill>
-        </p:spPr>
-        <p:style>
-          <a:lnRef idx="2">
-            <a:schemeClr val="accent1">
-              <a:shade val="50000"/>
-            </a:schemeClr>
-          </a:lnRef>
-          <a:fillRef idx="1">
-            <a:schemeClr val="accent1"/>
-          </a:fillRef>
-          <a:effectRef idx="0">
-            <a:schemeClr val="accent1"/>
-          </a:effectRef>
-          <a:fontRef idx="minor">
-            <a:schemeClr val="lt1"/>
-          </a:fontRef>
-        </p:style>
-        <p:txBody>
-          <a:bodyPr rtlCol="0" anchor="ctr"/>
-          <a:lstStyle/>
-          <a:p>
-            <a:pPr algn="ctr"/>
-            <a:r>
-              <a:rPr lang="en-US" altLang="zh-CN" sz="1200" dirty="0"/>
-              <a:t>API</a:t>
-            </a:r>
-          </a:p>
-        </p:txBody>
-      </p:sp>
-      <p:sp>
-        <p:nvSpPr>
-          <p:cNvPr id="11" name="圓角矩形 10"/>
-          <p:cNvSpPr/>
-          <p:nvPr/>
-        </p:nvSpPr>
-        <p:spPr>
-          <a:xfrm>
-            <a:off x="5269865" y="553720"/>
-            <a:ext cx="5068570" cy="748030"/>
+        </p:spPr>
+        <p:style>
+          <a:lnRef idx="2">
+            <a:schemeClr val="accent6">
+              <a:shade val="50000"/>
+            </a:schemeClr>
+          </a:lnRef>
+          <a:fillRef idx="1">
+            <a:schemeClr val="accent6"/>
+          </a:fillRef>
+          <a:effectRef idx="0">
+            <a:schemeClr val="accent6"/>
+          </a:effectRef>
+          <a:fontRef idx="minor">
+            <a:schemeClr val="lt1"/>
+          </a:fontRef>
+        </p:style>
+        <p:txBody>
+          <a:bodyPr rtlCol="0" anchor="ctr"/>
+          <a:lstStyle/>
+          <a:p>
+            <a:pPr algn="ctr"/>
+            <a:r>
+              <a:rPr lang="zh-CN" altLang="en-US" dirty="0" smtClean="0"/>
+              <a:t>登录</a:t>
+            </a:r>
+            <a:r>
+              <a:rPr lang="en-US" altLang="zh-CN" dirty="0" smtClean="0"/>
+              <a:t>/</a:t>
+            </a:r>
+            <a:r>
+              <a:rPr lang="zh-CN" altLang="en-US" dirty="0" smtClean="0"/>
+              <a:t>注册</a:t>
+            </a:r>
+            <a:endParaRPr lang="zh-CN" altLang="en-US" dirty="0"/>
+          </a:p>
+        </p:txBody>
+      </p:sp>
+      <p:sp>
+        <p:nvSpPr>
+          <p:cNvPr id="7" name="圆角矩形 6"/>
+          <p:cNvSpPr/>
+          <p:nvPr/>
+        </p:nvSpPr>
+        <p:spPr>
+          <a:xfrm>
+            <a:off x="2111991" y="1204366"/>
+            <a:ext cx="1480782" cy="286603"/>
           </a:xfrm>
           <a:prstGeom prst="roundRect">
             <a:avLst/>
           </a:prstGeom>
-          <a:solidFill>
-            <a:schemeClr val="accent1">
-              <a:lumMod val="75000"/>
-            </a:schemeClr>
-          </a:solidFill>
-        </p:spPr>
-        <p:style>
-          <a:lnRef idx="0">
-            <a:srgbClr val="FFFFFF"/>
-          </a:lnRef>
-          <a:fillRef idx="1">
-            <a:schemeClr val="accent1"/>
-          </a:fillRef>
-          <a:effectRef idx="0">
-            <a:srgbClr val="FFFFFF"/>
-          </a:effectRef>
-          <a:fontRef idx="minor">
-            <a:schemeClr val="lt1"/>
-          </a:fontRef>
-        </p:style>
-        <p:txBody>
-          <a:bodyPr rtlCol="0" anchor="ctr"/>
-          <a:lstStyle/>
-          <a:p>
-            <a:pPr algn="ctr">
-              <a:lnSpc>
-                <a:spcPct val="0"/>
-              </a:lnSpc>
-            </a:pPr>
-            <a:r>
-              <a:rPr lang="zh-CN" altLang="zh-HK"/>
-              <a:t>管理层</a:t>
-            </a:r>
+        </p:spPr>
+        <p:style>
+          <a:lnRef idx="2">
+            <a:schemeClr val="accent6">
+              <a:shade val="50000"/>
+            </a:schemeClr>
+          </a:lnRef>
+          <a:fillRef idx="1">
+            <a:schemeClr val="accent6"/>
+          </a:fillRef>
+          <a:effectRef idx="0">
+            <a:schemeClr val="accent6"/>
+          </a:effectRef>
+          <a:fontRef idx="minor">
+            <a:schemeClr val="lt1"/>
+          </a:fontRef>
+        </p:style>
+        <p:txBody>
+          <a:bodyPr rtlCol="0" anchor="ctr"/>
+          <a:lstStyle/>
+          <a:p>
+            <a:pPr algn="ctr"/>
+            <a:r>
+              <a:rPr lang="zh-CN" altLang="en-US" dirty="0" smtClean="0"/>
+              <a:t>订单管理</a:t>
+            </a:r>
+            <a:endParaRPr lang="zh-CN" altLang="en-US" dirty="0"/>
+          </a:p>
+        </p:txBody>
+      </p:sp>
+      <p:sp>
+        <p:nvSpPr>
+          <p:cNvPr id="8" name="圆角矩形 7"/>
+          <p:cNvSpPr/>
+          <p:nvPr/>
+        </p:nvSpPr>
+        <p:spPr>
+          <a:xfrm>
+            <a:off x="2111991" y="1637166"/>
+            <a:ext cx="1480782" cy="286603"/>
+          </a:xfrm>
+          <a:prstGeom prst="roundRect">
+            <a:avLst/>
+          </a:prstGeom>
+        </p:spPr>
+        <p:style>
+          <a:lnRef idx="2">
+            <a:schemeClr val="accent6">
+              <a:shade val="50000"/>
+            </a:schemeClr>
+          </a:lnRef>
+          <a:fillRef idx="1">
+            <a:schemeClr val="accent6"/>
+          </a:fillRef>
+          <a:effectRef idx="0">
+            <a:schemeClr val="accent6"/>
+          </a:effectRef>
+          <a:fontRef idx="minor">
+            <a:schemeClr val="lt1"/>
+          </a:fontRef>
+        </p:style>
+        <p:txBody>
+          <a:bodyPr rtlCol="0" anchor="ctr"/>
+          <a:lstStyle/>
+          <a:p>
+            <a:pPr algn="ctr"/>
+            <a:r>
+              <a:rPr lang="zh-CN" altLang="en-US" dirty="0" smtClean="0"/>
+              <a:t>充值管理</a:t>
+            </a:r>
+            <a:endParaRPr lang="zh-CN" altLang="en-US" dirty="0"/>
+          </a:p>
+        </p:txBody>
+      </p:sp>
+      <p:sp>
+        <p:nvSpPr>
+          <p:cNvPr id="9" name="圆角矩形 8"/>
+          <p:cNvSpPr/>
+          <p:nvPr/>
+        </p:nvSpPr>
+        <p:spPr>
+          <a:xfrm>
+            <a:off x="3695853" y="716506"/>
+            <a:ext cx="1480782" cy="286603"/>
+          </a:xfrm>
+          <a:prstGeom prst="roundRect">
+            <a:avLst/>
+          </a:prstGeom>
+        </p:spPr>
+        <p:style>
+          <a:lnRef idx="2">
+            <a:schemeClr val="accent6">
+              <a:shade val="50000"/>
+            </a:schemeClr>
+          </a:lnRef>
+          <a:fillRef idx="1">
+            <a:schemeClr val="accent6"/>
+          </a:fillRef>
+          <a:effectRef idx="0">
+            <a:schemeClr val="accent6"/>
+          </a:effectRef>
+          <a:fontRef idx="minor">
+            <a:schemeClr val="lt1"/>
+          </a:fontRef>
+        </p:style>
+        <p:txBody>
+          <a:bodyPr rtlCol="0" anchor="ctr"/>
+          <a:lstStyle/>
+          <a:p>
+            <a:pPr algn="ctr"/>
+            <a:r>
+              <a:rPr lang="zh-CN" altLang="en-US" dirty="0" smtClean="0"/>
+              <a:t>用户管理</a:t>
+            </a:r>
+            <a:endParaRPr lang="zh-CN" altLang="en-US" dirty="0"/>
+          </a:p>
+        </p:txBody>
+      </p:sp>
+      <p:sp>
+        <p:nvSpPr>
+          <p:cNvPr id="10" name="圆角矩形 9"/>
+          <p:cNvSpPr/>
+          <p:nvPr/>
+        </p:nvSpPr>
+        <p:spPr>
+          <a:xfrm>
+            <a:off x="3695853" y="1207825"/>
+            <a:ext cx="1480782" cy="286603"/>
+          </a:xfrm>
+          <a:prstGeom prst="roundRect">
+            <a:avLst/>
+          </a:prstGeom>
+        </p:spPr>
+        <p:style>
+          <a:lnRef idx="2">
+            <a:schemeClr val="accent6">
+              <a:shade val="50000"/>
+            </a:schemeClr>
+          </a:lnRef>
+          <a:fillRef idx="1">
+            <a:schemeClr val="accent6"/>
+          </a:fillRef>
+          <a:effectRef idx="0">
+            <a:schemeClr val="accent6"/>
+          </a:effectRef>
+          <a:fontRef idx="minor">
+            <a:schemeClr val="lt1"/>
+          </a:fontRef>
+        </p:style>
+        <p:txBody>
+          <a:bodyPr rtlCol="0" anchor="ctr"/>
+          <a:lstStyle/>
+          <a:p>
+            <a:pPr algn="ctr"/>
+            <a:r>
+              <a:rPr lang="zh-CN" altLang="en-US" dirty="0" smtClean="0"/>
+              <a:t>营销活动</a:t>
+            </a:r>
+            <a:endParaRPr lang="zh-CN" altLang="en-US" dirty="0"/>
+          </a:p>
+        </p:txBody>
+      </p:sp>
+      <p:sp>
+        <p:nvSpPr>
+          <p:cNvPr id="11" name="圆角矩形 10"/>
+          <p:cNvSpPr/>
+          <p:nvPr/>
+        </p:nvSpPr>
+        <p:spPr>
+          <a:xfrm>
+            <a:off x="3695853" y="1669465"/>
+            <a:ext cx="1480782" cy="286603"/>
+          </a:xfrm>
+          <a:prstGeom prst="roundRect">
+            <a:avLst/>
+          </a:prstGeom>
+        </p:spPr>
+        <p:style>
+          <a:lnRef idx="2">
+            <a:schemeClr val="accent6">
+              <a:shade val="50000"/>
+            </a:schemeClr>
+          </a:lnRef>
+          <a:fillRef idx="1">
+            <a:schemeClr val="accent6"/>
+          </a:fillRef>
+          <a:effectRef idx="0">
+            <a:schemeClr val="accent6"/>
+          </a:effectRef>
+          <a:fontRef idx="minor">
+            <a:schemeClr val="lt1"/>
+          </a:fontRef>
+        </p:style>
+        <p:txBody>
+          <a:bodyPr rtlCol="0" anchor="ctr"/>
+          <a:lstStyle/>
+          <a:p>
+            <a:pPr algn="ctr"/>
+            <a:r>
+              <a:rPr lang="zh-CN" altLang="en-US" dirty="0" smtClean="0"/>
+              <a:t>包时卡</a:t>
+            </a:r>
+            <a:endParaRPr lang="zh-CN" altLang="en-US" dirty="0"/>
           </a:p>
         </p:txBody>
       </p:sp>
@@ -3246,49 +3315,39 @@
         <p:nvSpPr>
           <p:cNvPr id="12" name="矩形 11"/>
           <p:cNvSpPr/>
-          <p:nvPr>
-            <p:custDataLst>
-              <p:tags r:id="rId4"/>
-            </p:custDataLst>
-          </p:nvPr>
-        </p:nvSpPr>
-        <p:spPr>
-          <a:xfrm>
-            <a:off x="5302885" y="847090"/>
-            <a:ext cx="848995" cy="454660"/>
-          </a:xfrm>
-          <a:prstGeom prst="rect">
-            <a:avLst/>
-          </a:prstGeom>
-          <a:solidFill>
-            <a:schemeClr val="accent1"/>
-          </a:solidFill>
-        </p:spPr>
-        <p:style>
-          <a:lnRef idx="2">
-            <a:schemeClr val="accent1">
-              <a:shade val="50000"/>
-            </a:schemeClr>
-          </a:lnRef>
-          <a:fillRef idx="1">
-            <a:schemeClr val="accent1"/>
-          </a:fillRef>
-          <a:effectRef idx="0">
-            <a:schemeClr val="accent1"/>
-          </a:effectRef>
-          <a:fontRef idx="minor">
-            <a:schemeClr val="lt1"/>
-          </a:fontRef>
-        </p:style>
-        <p:txBody>
-          <a:bodyPr rtlCol="0" anchor="ctr"/>
-          <a:lstStyle/>
-          <a:p>
-            <a:pPr algn="ctr"/>
-            <a:r>
-              <a:rPr lang="zh-CN" altLang="en-US" sz="1200" dirty="0"/>
-              <a:t>租户管理</a:t>
-            </a:r>
+          <p:nvPr/>
+        </p:nvSpPr>
+        <p:spPr>
+          <a:xfrm>
+            <a:off x="6991787" y="498143"/>
+            <a:ext cx="3254991" cy="1869744"/>
+          </a:xfrm>
+          <a:prstGeom prst="rect">
+            <a:avLst/>
+          </a:prstGeom>
+        </p:spPr>
+        <p:style>
+          <a:lnRef idx="2">
+            <a:schemeClr val="accent1">
+              <a:shade val="50000"/>
+            </a:schemeClr>
+          </a:lnRef>
+          <a:fillRef idx="1">
+            <a:schemeClr val="accent1"/>
+          </a:fillRef>
+          <a:effectRef idx="0">
+            <a:schemeClr val="accent1"/>
+          </a:effectRef>
+          <a:fontRef idx="minor">
+            <a:schemeClr val="lt1"/>
+          </a:fontRef>
+        </p:style>
+        <p:txBody>
+          <a:bodyPr rtlCol="0" anchor="ctr"/>
+          <a:lstStyle/>
+          <a:p>
+            <a:pPr algn="ctr"/>
+            <a:endParaRPr lang="zh-CN" altLang="en-US"/>
           </a:p>
         </p:txBody>
       </p:sp>
@@ -3296,49 +3355,43 @@
         <p:nvSpPr>
           <p:cNvPr id="13" name="矩形 12"/>
           <p:cNvSpPr/>
-          <p:nvPr>
-            <p:custDataLst>
-              <p:tags r:id="rId5"/>
-            </p:custDataLst>
-          </p:nvPr>
-        </p:nvSpPr>
-        <p:spPr>
-          <a:xfrm>
-            <a:off x="6172835" y="847090"/>
-            <a:ext cx="893445" cy="454660"/>
-          </a:xfrm>
-          <a:prstGeom prst="rect">
-            <a:avLst/>
-          </a:prstGeom>
-          <a:solidFill>
-            <a:schemeClr val="accent1"/>
-          </a:solidFill>
-        </p:spPr>
-        <p:style>
-          <a:lnRef idx="2">
-            <a:schemeClr val="accent1">
-              <a:shade val="50000"/>
-            </a:schemeClr>
-          </a:lnRef>
-          <a:fillRef idx="1">
-            <a:schemeClr val="accent1"/>
-          </a:fillRef>
-          <a:effectRef idx="0">
-            <a:schemeClr val="accent1"/>
-          </a:effectRef>
-          <a:fontRef idx="minor">
-            <a:schemeClr val="lt1"/>
-          </a:fontRef>
-        </p:style>
-        <p:txBody>
-          <a:bodyPr rtlCol="0" anchor="ctr"/>
-          <a:lstStyle/>
-          <a:p>
-            <a:pPr algn="ctr"/>
-            <a:r>
-              <a:rPr lang="zh-CN" altLang="en-US" sz="1200" dirty="0"/>
-              <a:t>用户管理</a:t>
-            </a:r>
+          <p:nvPr/>
+        </p:nvSpPr>
+        <p:spPr>
+          <a:xfrm>
+            <a:off x="7841361" y="1917925"/>
+            <a:ext cx="1555845" cy="341193"/>
+          </a:xfrm>
+          <a:prstGeom prst="rect">
+            <a:avLst/>
+          </a:prstGeom>
+        </p:spPr>
+        <p:style>
+          <a:lnRef idx="2">
+            <a:schemeClr val="accent1">
+              <a:shade val="50000"/>
+            </a:schemeClr>
+          </a:lnRef>
+          <a:fillRef idx="1">
+            <a:schemeClr val="accent1"/>
+          </a:fillRef>
+          <a:effectRef idx="0">
+            <a:schemeClr val="accent1"/>
+          </a:effectRef>
+          <a:fontRef idx="minor">
+            <a:schemeClr val="lt1"/>
+          </a:fontRef>
+        </p:style>
+        <p:txBody>
+          <a:bodyPr rtlCol="0" anchor="ctr"/>
+          <a:lstStyle/>
+          <a:p>
+            <a:pPr algn="ctr"/>
+            <a:r>
+              <a:rPr lang="zh-CN" altLang="en-US" dirty="0" smtClean="0"/>
+              <a:t>三方流量入口</a:t>
+            </a:r>
+            <a:endParaRPr lang="zh-CN" altLang="en-US" dirty="0"/>
           </a:p>
         </p:txBody>
       </p:sp>
@@ -3346,673 +3399,12 @@
         <p:nvSpPr>
           <p:cNvPr id="14" name="矩形 13"/>
           <p:cNvSpPr/>
-          <p:nvPr>
-            <p:custDataLst>
-              <p:tags r:id="rId6"/>
-            </p:custDataLst>
-          </p:nvPr>
-        </p:nvSpPr>
-        <p:spPr>
-          <a:xfrm>
-            <a:off x="7105650" y="847090"/>
-            <a:ext cx="928370" cy="454660"/>
-          </a:xfrm>
-          <a:prstGeom prst="rect">
-            <a:avLst/>
-          </a:prstGeom>
-          <a:solidFill>
-            <a:schemeClr val="accent1"/>
-          </a:solidFill>
-        </p:spPr>
-        <p:style>
-          <a:lnRef idx="2">
-            <a:schemeClr val="accent1">
-              <a:shade val="50000"/>
-            </a:schemeClr>
-          </a:lnRef>
-          <a:fillRef idx="1">
-            <a:schemeClr val="accent1"/>
-          </a:fillRef>
-          <a:effectRef idx="0">
-            <a:schemeClr val="accent1"/>
-          </a:effectRef>
-          <a:fontRef idx="minor">
-            <a:schemeClr val="lt1"/>
-          </a:fontRef>
-        </p:style>
-        <p:txBody>
-          <a:bodyPr rtlCol="0" anchor="ctr"/>
-          <a:lstStyle/>
-          <a:p>
-            <a:pPr algn="ctr"/>
-            <a:r>
-              <a:rPr lang="zh-CN" altLang="en-US" sz="1200" dirty="0"/>
-              <a:t>计费管理</a:t>
-            </a:r>
-          </a:p>
-        </p:txBody>
-      </p:sp>
-      <p:sp>
-        <p:nvSpPr>
-          <p:cNvPr id="15" name="矩形 14"/>
-          <p:cNvSpPr/>
-          <p:nvPr>
-            <p:custDataLst>
-              <p:tags r:id="rId7"/>
-            </p:custDataLst>
-          </p:nvPr>
-        </p:nvSpPr>
-        <p:spPr>
-          <a:xfrm>
-            <a:off x="8075930" y="847090"/>
-            <a:ext cx="1097280" cy="454660"/>
-          </a:xfrm>
-          <a:prstGeom prst="rect">
-            <a:avLst/>
-          </a:prstGeom>
-          <a:solidFill>
-            <a:schemeClr val="accent1"/>
-          </a:solidFill>
-        </p:spPr>
-        <p:style>
-          <a:lnRef idx="2">
-            <a:schemeClr val="accent1">
-              <a:shade val="50000"/>
-            </a:schemeClr>
-          </a:lnRef>
-          <a:fillRef idx="1">
-            <a:schemeClr val="accent1"/>
-          </a:fillRef>
-          <a:effectRef idx="0">
-            <a:schemeClr val="accent1"/>
-          </a:effectRef>
-          <a:fontRef idx="minor">
-            <a:schemeClr val="lt1"/>
-          </a:fontRef>
-        </p:style>
-        <p:txBody>
-          <a:bodyPr rtlCol="0" anchor="ctr"/>
-          <a:lstStyle/>
-          <a:p>
-            <a:pPr algn="ctr"/>
-            <a:r>
-              <a:rPr lang="zh-CN" altLang="en-US" sz="1200" dirty="0"/>
-              <a:t>认证管理</a:t>
-            </a:r>
-          </a:p>
-        </p:txBody>
-      </p:sp>
-      <p:sp>
-        <p:nvSpPr>
-          <p:cNvPr id="16" name="圓角矩形 15"/>
-          <p:cNvSpPr/>
-          <p:nvPr/>
-        </p:nvSpPr>
-        <p:spPr>
-          <a:xfrm>
-            <a:off x="207010" y="1368425"/>
-            <a:ext cx="10284460" cy="1010285"/>
-          </a:xfrm>
-          <a:prstGeom prst="roundRect">
-            <a:avLst/>
-          </a:prstGeom>
-          <a:solidFill>
-            <a:schemeClr val="accent1">
-              <a:lumMod val="75000"/>
-            </a:schemeClr>
-          </a:solidFill>
-        </p:spPr>
-        <p:style>
-          <a:lnRef idx="0">
-            <a:srgbClr val="FFFFFF"/>
-          </a:lnRef>
-          <a:fillRef idx="1">
-            <a:schemeClr val="accent1"/>
-          </a:fillRef>
-          <a:effectRef idx="0">
-            <a:srgbClr val="FFFFFF"/>
-          </a:effectRef>
-          <a:fontRef idx="minor">
-            <a:schemeClr val="lt1"/>
-          </a:fontRef>
-        </p:style>
-        <p:txBody>
-          <a:bodyPr rtlCol="0" anchor="ctr"/>
-          <a:lstStyle/>
-          <a:p>
-            <a:pPr algn="ctr">
-              <a:lnSpc>
-                <a:spcPct val="0"/>
-              </a:lnSpc>
-            </a:pPr>
-            <a:r>
-              <a:rPr lang="zh-CN" altLang="zh-HK"/>
-              <a:t>微服务平台</a:t>
-            </a:r>
-          </a:p>
-          <a:p>
-            <a:pPr algn="ctr">
-              <a:lnSpc>
-                <a:spcPct val="0"/>
-              </a:lnSpc>
-            </a:pPr>
-            <a:endParaRPr lang="zh-CN" altLang="zh-HK"/>
-          </a:p>
-        </p:txBody>
-      </p:sp>
-      <p:sp>
-        <p:nvSpPr>
-          <p:cNvPr id="17" name="矩形 16"/>
-          <p:cNvSpPr/>
-          <p:nvPr>
-            <p:custDataLst>
-              <p:tags r:id="rId8"/>
-            </p:custDataLst>
-          </p:nvPr>
-        </p:nvSpPr>
-        <p:spPr>
-          <a:xfrm>
-            <a:off x="207010" y="1842135"/>
-            <a:ext cx="1370965" cy="454660"/>
-          </a:xfrm>
-          <a:prstGeom prst="rect">
-            <a:avLst/>
-          </a:prstGeom>
-        </p:spPr>
-        <p:style>
-          <a:lnRef idx="0">
-            <a:srgbClr val="FFFFFF"/>
-          </a:lnRef>
-          <a:fillRef idx="1">
-            <a:schemeClr val="accent1"/>
-          </a:fillRef>
-          <a:effectRef idx="0">
-            <a:srgbClr val="FFFFFF"/>
-          </a:effectRef>
-          <a:fontRef idx="minor">
-            <a:schemeClr val="lt1"/>
-          </a:fontRef>
-        </p:style>
-        <p:txBody>
-          <a:bodyPr rtlCol="0" anchor="ctr"/>
-          <a:lstStyle/>
-          <a:p>
-            <a:pPr algn="ctr"/>
-            <a:r>
-              <a:rPr lang="zh-CN" altLang="en-US" dirty="0"/>
-              <a:t>数据库集群</a:t>
-            </a:r>
-          </a:p>
-        </p:txBody>
-      </p:sp>
-      <p:sp>
-        <p:nvSpPr>
-          <p:cNvPr id="18" name="矩形 17"/>
-          <p:cNvSpPr/>
-          <p:nvPr>
-            <p:custDataLst>
-              <p:tags r:id="rId9"/>
-            </p:custDataLst>
-          </p:nvPr>
-        </p:nvSpPr>
-        <p:spPr>
-          <a:xfrm>
-            <a:off x="1536700" y="1842135"/>
-            <a:ext cx="1195070" cy="454660"/>
-          </a:xfrm>
-          <a:prstGeom prst="rect">
-            <a:avLst/>
-          </a:prstGeom>
-          <a:solidFill>
-            <a:schemeClr val="accent1"/>
-          </a:solidFill>
-        </p:spPr>
-        <p:style>
-          <a:lnRef idx="2">
-            <a:schemeClr val="accent1">
-              <a:shade val="50000"/>
-            </a:schemeClr>
-          </a:lnRef>
-          <a:fillRef idx="1">
-            <a:schemeClr val="accent1"/>
-          </a:fillRef>
-          <a:effectRef idx="0">
-            <a:schemeClr val="accent1"/>
-          </a:effectRef>
-          <a:fontRef idx="minor">
-            <a:schemeClr val="lt1"/>
-          </a:fontRef>
-        </p:style>
-        <p:txBody>
-          <a:bodyPr rtlCol="0" anchor="ctr"/>
-          <a:lstStyle/>
-          <a:p>
-            <a:pPr algn="ctr"/>
-            <a:r>
-              <a:rPr lang="zh-CN" altLang="en-US" dirty="0"/>
-              <a:t>消息中心</a:t>
-            </a:r>
-          </a:p>
-        </p:txBody>
-      </p:sp>
-      <p:sp>
-        <p:nvSpPr>
-          <p:cNvPr id="19" name="矩形 18"/>
-          <p:cNvSpPr/>
-          <p:nvPr>
-            <p:custDataLst>
-              <p:tags r:id="rId10"/>
-            </p:custDataLst>
-          </p:nvPr>
-        </p:nvSpPr>
-        <p:spPr>
-          <a:xfrm>
-            <a:off x="2728595" y="1842135"/>
-            <a:ext cx="1108075" cy="454660"/>
-          </a:xfrm>
-          <a:prstGeom prst="rect">
-            <a:avLst/>
-          </a:prstGeom>
-          <a:solidFill>
-            <a:schemeClr val="accent1"/>
-          </a:solidFill>
-        </p:spPr>
-        <p:style>
-          <a:lnRef idx="2">
-            <a:schemeClr val="accent1">
-              <a:shade val="50000"/>
-            </a:schemeClr>
-          </a:lnRef>
-          <a:fillRef idx="1">
-            <a:schemeClr val="accent1"/>
-          </a:fillRef>
-          <a:effectRef idx="0">
-            <a:schemeClr val="accent1"/>
-          </a:effectRef>
-          <a:fontRef idx="minor">
-            <a:schemeClr val="lt1"/>
-          </a:fontRef>
-        </p:style>
-        <p:txBody>
-          <a:bodyPr rtlCol="0" anchor="ctr"/>
-          <a:lstStyle/>
-          <a:p>
-            <a:pPr algn="ctr"/>
-            <a:r>
-              <a:rPr lang="zh-CN" altLang="en-US" dirty="0"/>
-              <a:t>路由调度</a:t>
-            </a:r>
-          </a:p>
-        </p:txBody>
-      </p:sp>
-      <p:sp>
-        <p:nvSpPr>
-          <p:cNvPr id="20" name="矩形 19"/>
-          <p:cNvSpPr/>
-          <p:nvPr>
-            <p:custDataLst>
-              <p:tags r:id="rId11"/>
-            </p:custDataLst>
-          </p:nvPr>
-        </p:nvSpPr>
-        <p:spPr>
-          <a:xfrm>
-            <a:off x="3789045" y="1842135"/>
-            <a:ext cx="1351280" cy="454660"/>
-          </a:xfrm>
-          <a:prstGeom prst="rect">
-            <a:avLst/>
-          </a:prstGeom>
-          <a:solidFill>
-            <a:schemeClr val="accent1"/>
-          </a:solidFill>
-        </p:spPr>
-        <p:style>
-          <a:lnRef idx="2">
-            <a:schemeClr val="accent1">
-              <a:shade val="50000"/>
-            </a:schemeClr>
-          </a:lnRef>
-          <a:fillRef idx="1">
-            <a:schemeClr val="accent1"/>
-          </a:fillRef>
-          <a:effectRef idx="0">
-            <a:schemeClr val="accent1"/>
-          </a:effectRef>
-          <a:fontRef idx="minor">
-            <a:schemeClr val="lt1"/>
-          </a:fontRef>
-        </p:style>
-        <p:txBody>
-          <a:bodyPr rtlCol="0" anchor="ctr"/>
-          <a:lstStyle/>
-          <a:p>
-            <a:pPr algn="ctr"/>
-            <a:r>
-              <a:rPr lang="zh-CN" altLang="en-US" dirty="0"/>
-              <a:t>微服务治理</a:t>
-            </a:r>
-          </a:p>
-        </p:txBody>
-      </p:sp>
-      <p:sp>
-        <p:nvSpPr>
-          <p:cNvPr id="21" name="矩形 20"/>
-          <p:cNvSpPr/>
-          <p:nvPr>
-            <p:custDataLst>
-              <p:tags r:id="rId12"/>
-            </p:custDataLst>
-          </p:nvPr>
-        </p:nvSpPr>
-        <p:spPr>
-          <a:xfrm>
-            <a:off x="5070475" y="1842135"/>
-            <a:ext cx="1140460" cy="454660"/>
-          </a:xfrm>
-          <a:prstGeom prst="rect">
-            <a:avLst/>
-          </a:prstGeom>
-          <a:solidFill>
-            <a:schemeClr val="accent1"/>
-          </a:solidFill>
-        </p:spPr>
-        <p:style>
-          <a:lnRef idx="2">
-            <a:schemeClr val="accent1">
-              <a:shade val="50000"/>
-            </a:schemeClr>
-          </a:lnRef>
-          <a:fillRef idx="1">
-            <a:schemeClr val="accent1"/>
-          </a:fillRef>
-          <a:effectRef idx="0">
-            <a:schemeClr val="accent1"/>
-          </a:effectRef>
-          <a:fontRef idx="minor">
-            <a:schemeClr val="lt1"/>
-          </a:fontRef>
-        </p:style>
-        <p:txBody>
-          <a:bodyPr rtlCol="0" anchor="ctr"/>
-          <a:lstStyle/>
-          <a:p>
-            <a:pPr algn="ctr"/>
-            <a:r>
-              <a:rPr lang="zh-CN" altLang="en-US" dirty="0"/>
-              <a:t>监控警告</a:t>
-            </a:r>
-          </a:p>
-        </p:txBody>
-      </p:sp>
-      <p:sp>
-        <p:nvSpPr>
-          <p:cNvPr id="22" name="矩形 21"/>
-          <p:cNvSpPr/>
-          <p:nvPr>
-            <p:custDataLst>
-              <p:tags r:id="rId13"/>
-            </p:custDataLst>
-          </p:nvPr>
-        </p:nvSpPr>
-        <p:spPr>
-          <a:xfrm>
-            <a:off x="6172835" y="1842135"/>
-            <a:ext cx="1148080" cy="454660"/>
-          </a:xfrm>
-          <a:prstGeom prst="rect">
-            <a:avLst/>
-          </a:prstGeom>
-          <a:solidFill>
-            <a:schemeClr val="accent1"/>
-          </a:solidFill>
-        </p:spPr>
-        <p:style>
-          <a:lnRef idx="2">
-            <a:schemeClr val="accent1">
-              <a:shade val="50000"/>
-            </a:schemeClr>
-          </a:lnRef>
-          <a:fillRef idx="1">
-            <a:schemeClr val="accent1"/>
-          </a:fillRef>
-          <a:effectRef idx="0">
-            <a:schemeClr val="accent1"/>
-          </a:effectRef>
-          <a:fontRef idx="minor">
-            <a:schemeClr val="lt1"/>
-          </a:fontRef>
-        </p:style>
-        <p:txBody>
-          <a:bodyPr rtlCol="0" anchor="ctr"/>
-          <a:lstStyle/>
-          <a:p>
-            <a:pPr algn="ctr"/>
-            <a:r>
-              <a:rPr lang="zh-CN" altLang="en-US" dirty="0"/>
-              <a:t>容灾备份</a:t>
-            </a:r>
-          </a:p>
-        </p:txBody>
-      </p:sp>
-      <p:sp>
-        <p:nvSpPr>
-          <p:cNvPr id="23" name="矩形 22"/>
-          <p:cNvSpPr/>
-          <p:nvPr>
-            <p:custDataLst>
-              <p:tags r:id="rId14"/>
-            </p:custDataLst>
-          </p:nvPr>
-        </p:nvSpPr>
-        <p:spPr>
-          <a:xfrm>
-            <a:off x="7320915" y="1842135"/>
-            <a:ext cx="1151255" cy="454660"/>
-          </a:xfrm>
-          <a:prstGeom prst="rect">
-            <a:avLst/>
-          </a:prstGeom>
-          <a:solidFill>
-            <a:schemeClr val="accent1"/>
-          </a:solidFill>
-        </p:spPr>
-        <p:style>
-          <a:lnRef idx="2">
-            <a:schemeClr val="accent1">
-              <a:shade val="50000"/>
-            </a:schemeClr>
-          </a:lnRef>
-          <a:fillRef idx="1">
-            <a:schemeClr val="accent1"/>
-          </a:fillRef>
-          <a:effectRef idx="0">
-            <a:schemeClr val="accent1"/>
-          </a:effectRef>
-          <a:fontRef idx="minor">
-            <a:schemeClr val="lt1"/>
-          </a:fontRef>
-        </p:style>
-        <p:txBody>
-          <a:bodyPr rtlCol="0" anchor="ctr"/>
-          <a:lstStyle/>
-          <a:p>
-            <a:pPr algn="ctr"/>
-            <a:r>
-              <a:rPr lang="zh-CN" altLang="en-US" dirty="0"/>
-              <a:t>配置中心</a:t>
-            </a:r>
-          </a:p>
-        </p:txBody>
-      </p:sp>
-      <p:sp>
-        <p:nvSpPr>
-          <p:cNvPr id="24" name="矩形 23"/>
-          <p:cNvSpPr/>
-          <p:nvPr>
-            <p:custDataLst>
-              <p:tags r:id="rId15"/>
-            </p:custDataLst>
-          </p:nvPr>
-        </p:nvSpPr>
-        <p:spPr>
-          <a:xfrm>
-            <a:off x="8472170" y="1842135"/>
-            <a:ext cx="891540" cy="454660"/>
-          </a:xfrm>
-          <a:prstGeom prst="rect">
-            <a:avLst/>
-          </a:prstGeom>
-          <a:solidFill>
-            <a:schemeClr val="accent1"/>
-          </a:solidFill>
-        </p:spPr>
-        <p:style>
-          <a:lnRef idx="2">
-            <a:schemeClr val="accent1">
-              <a:shade val="50000"/>
-            </a:schemeClr>
-          </a:lnRef>
-          <a:fillRef idx="1">
-            <a:schemeClr val="accent1"/>
-          </a:fillRef>
-          <a:effectRef idx="0">
-            <a:schemeClr val="accent1"/>
-          </a:effectRef>
-          <a:fontRef idx="minor">
-            <a:schemeClr val="lt1"/>
-          </a:fontRef>
-        </p:style>
-        <p:txBody>
-          <a:bodyPr rtlCol="0" anchor="ctr"/>
-          <a:lstStyle/>
-          <a:p>
-            <a:pPr algn="ctr"/>
-            <a:r>
-              <a:rPr lang="zh-CN" altLang="en-US" dirty="0"/>
-              <a:t>控制台</a:t>
-            </a:r>
-          </a:p>
-        </p:txBody>
-      </p:sp>
-      <p:sp>
-        <p:nvSpPr>
-          <p:cNvPr id="25" name="矩形 24"/>
-          <p:cNvSpPr/>
-          <p:nvPr>
-            <p:custDataLst>
-              <p:tags r:id="rId16"/>
-            </p:custDataLst>
-          </p:nvPr>
-        </p:nvSpPr>
-        <p:spPr>
-          <a:xfrm>
-            <a:off x="9345930" y="1842135"/>
-            <a:ext cx="1145540" cy="454660"/>
-          </a:xfrm>
-          <a:prstGeom prst="rect">
-            <a:avLst/>
-          </a:prstGeom>
-          <a:solidFill>
-            <a:schemeClr val="accent1"/>
-          </a:solidFill>
-        </p:spPr>
-        <p:style>
-          <a:lnRef idx="2">
-            <a:schemeClr val="accent1">
-              <a:shade val="50000"/>
-            </a:schemeClr>
-          </a:lnRef>
-          <a:fillRef idx="1">
-            <a:schemeClr val="accent1"/>
-          </a:fillRef>
-          <a:effectRef idx="0">
-            <a:schemeClr val="accent1"/>
-          </a:effectRef>
-          <a:fontRef idx="minor">
-            <a:schemeClr val="lt1"/>
-          </a:fontRef>
-        </p:style>
-        <p:txBody>
-          <a:bodyPr rtlCol="0" anchor="ctr"/>
-          <a:lstStyle/>
-          <a:p>
-            <a:pPr algn="ctr"/>
-            <a:r>
-              <a:rPr lang="zh-CN" altLang="en-US" dirty="0"/>
-              <a:t>负载均衡</a:t>
-            </a:r>
-          </a:p>
-        </p:txBody>
-      </p:sp>
-      <p:sp>
-        <p:nvSpPr>
-          <p:cNvPr id="26" name="圓角矩形 25"/>
-          <p:cNvSpPr/>
-          <p:nvPr/>
-        </p:nvSpPr>
-        <p:spPr>
-          <a:xfrm>
-            <a:off x="207010" y="2494280"/>
-            <a:ext cx="10600055" cy="2819400"/>
-          </a:xfrm>
-          <a:prstGeom prst="roundRect">
-            <a:avLst/>
-          </a:prstGeom>
-          <a:solidFill>
-            <a:schemeClr val="accent1">
-              <a:lumMod val="75000"/>
-            </a:schemeClr>
-          </a:solidFill>
-        </p:spPr>
-        <p:style>
-          <a:lnRef idx="0">
-            <a:srgbClr val="FFFFFF"/>
-          </a:lnRef>
-          <a:fillRef idx="1">
-            <a:schemeClr val="accent1"/>
-          </a:fillRef>
-          <a:effectRef idx="0">
-            <a:srgbClr val="FFFFFF"/>
-          </a:effectRef>
-          <a:fontRef idx="minor">
-            <a:schemeClr val="lt1"/>
-          </a:fontRef>
-        </p:style>
-        <p:txBody>
-          <a:bodyPr rtlCol="0" anchor="ctr"/>
-          <a:lstStyle/>
-          <a:p>
-            <a:pPr algn="l">
-              <a:lnSpc>
-                <a:spcPct val="0"/>
-              </a:lnSpc>
-            </a:pPr>
-            <a:r>
-              <a:rPr lang="zh-CN" altLang="zh-HK"/>
-              <a:t>系统层</a:t>
-            </a:r>
-          </a:p>
-          <a:p>
-            <a:pPr algn="ctr">
-              <a:lnSpc>
-                <a:spcPct val="0"/>
-              </a:lnSpc>
-            </a:pPr>
-            <a:endParaRPr lang="zh-CN" altLang="zh-HK"/>
-          </a:p>
-        </p:txBody>
-      </p:sp>
-      <p:sp>
-        <p:nvSpPr>
-          <p:cNvPr id="28" name="矩形 27"/>
-          <p:cNvSpPr/>
-          <p:nvPr/>
-        </p:nvSpPr>
-        <p:spPr>
-          <a:xfrm>
-            <a:off x="3705225" y="2609215"/>
-            <a:ext cx="3768725" cy="2590800"/>
+          <p:nvPr/>
+        </p:nvSpPr>
+        <p:spPr>
+          <a:xfrm>
+            <a:off x="7319334" y="786456"/>
+            <a:ext cx="1044054" cy="286603"/>
           </a:xfrm>
           <a:prstGeom prst="rect">
             <a:avLst/>
@@ -4024,1067 +3416,42 @@
         <p:style>
           <a:lnRef idx="2">
             <a:schemeClr val="accent1">
-              <a:lumMod val="75000"/>
-            </a:schemeClr>
-          </a:lnRef>
-          <a:fillRef idx="1">
-            <a:schemeClr val="accent1"/>
-          </a:fillRef>
-          <a:effectRef idx="0">
-            <a:srgbClr val="FFFFFF"/>
-          </a:effectRef>
-          <a:fontRef idx="minor">
-            <a:schemeClr val="lt1"/>
-          </a:fontRef>
-        </p:style>
-        <p:txBody>
-          <a:bodyPr rtlCol="0" anchor="ctr"/>
-          <a:lstStyle/>
-          <a:p>
-            <a:pPr algn="ctr">
-              <a:lnSpc>
-                <a:spcPct val="0"/>
-              </a:lnSpc>
-            </a:pPr>
-            <a:endParaRPr lang="en-US" altLang="zh-CN"/>
-          </a:p>
-        </p:txBody>
-      </p:sp>
-      <p:sp>
-        <p:nvSpPr>
-          <p:cNvPr id="29" name="圓角矩形 28"/>
-          <p:cNvSpPr/>
-          <p:nvPr/>
-        </p:nvSpPr>
-        <p:spPr>
-          <a:xfrm>
-            <a:off x="3928110" y="3361055"/>
-            <a:ext cx="961390" cy="357505"/>
-          </a:xfrm>
-          <a:prstGeom prst="roundRect">
-            <a:avLst/>
-          </a:prstGeom>
-        </p:spPr>
-        <p:style>
-          <a:lnRef idx="2">
-            <a:schemeClr val="accent1">
-              <a:lumMod val="75000"/>
-            </a:schemeClr>
-          </a:lnRef>
-          <a:fillRef idx="1">
-            <a:schemeClr val="accent1"/>
-          </a:fillRef>
-          <a:effectRef idx="0">
-            <a:srgbClr val="FFFFFF"/>
-          </a:effectRef>
-          <a:fontRef idx="minor">
-            <a:schemeClr val="lt1"/>
-          </a:fontRef>
-        </p:style>
-        <p:txBody>
-          <a:bodyPr rtlCol="0" anchor="ctr"/>
-          <a:lstStyle/>
-          <a:p>
-            <a:pPr algn="ctr"/>
-            <a:r>
-              <a:rPr lang="zh-CN" altLang="zh-HK" sz="1200"/>
-              <a:t>编码器</a:t>
-            </a:r>
-          </a:p>
-        </p:txBody>
-      </p:sp>
-      <p:sp>
-        <p:nvSpPr>
-          <p:cNvPr id="30" name="文字框 29"/>
-          <p:cNvSpPr txBox="1"/>
-          <p:nvPr/>
-        </p:nvSpPr>
-        <p:spPr>
-          <a:xfrm>
-            <a:off x="4060825" y="2757170"/>
-            <a:ext cx="2595880" cy="325755"/>
-          </a:xfrm>
-          <a:prstGeom prst="rect">
-            <a:avLst/>
-          </a:prstGeom>
-          <a:noFill/>
-        </p:spPr>
-        <p:txBody>
-          <a:bodyPr wrap="square" rtlCol="0">
-            <a:noAutofit/>
-          </a:bodyPr>
-          <a:lstStyle/>
-          <a:p>
-            <a:pPr algn="ctr"/>
-            <a:r>
-              <a:rPr lang="zh-CN" altLang="zh-HK">
-                <a:solidFill>
-                  <a:schemeClr val="bg1"/>
-                </a:solidFill>
-              </a:rPr>
-              <a:t>实时流媒体系统</a:t>
-            </a:r>
-            <a:r>
-              <a:rPr lang="en-US" altLang="zh-CN">
-                <a:solidFill>
-                  <a:schemeClr val="bg1"/>
-                </a:solidFill>
-              </a:rPr>
-              <a:t>CRTC</a:t>
-            </a:r>
-          </a:p>
-        </p:txBody>
-      </p:sp>
-      <p:sp>
-        <p:nvSpPr>
-          <p:cNvPr id="31" name="文字框 30"/>
-          <p:cNvSpPr txBox="1"/>
-          <p:nvPr/>
-        </p:nvSpPr>
-        <p:spPr>
-          <a:xfrm>
-            <a:off x="3928110" y="3043555"/>
-            <a:ext cx="1643380" cy="298450"/>
-          </a:xfrm>
-          <a:prstGeom prst="rect">
-            <a:avLst/>
-          </a:prstGeom>
-          <a:noFill/>
-        </p:spPr>
-        <p:txBody>
-          <a:bodyPr wrap="square" rtlCol="0">
-            <a:noAutofit/>
-          </a:bodyPr>
-          <a:lstStyle/>
-          <a:p>
-            <a:pPr algn="ctr"/>
-            <a:r>
-              <a:rPr lang="en-US" altLang="zh-HK" sz="1200">
-                <a:solidFill>
-                  <a:schemeClr val="tx1"/>
-                </a:solidFill>
-              </a:rPr>
-              <a:t>Audio/Video</a:t>
-            </a:r>
-          </a:p>
-        </p:txBody>
-      </p:sp>
-      <p:sp>
-        <p:nvSpPr>
-          <p:cNvPr id="33" name="圓角矩形 32"/>
-          <p:cNvSpPr/>
-          <p:nvPr/>
-        </p:nvSpPr>
-        <p:spPr>
-          <a:xfrm>
-            <a:off x="5029835" y="3361690"/>
-            <a:ext cx="1143000" cy="358140"/>
-          </a:xfrm>
-          <a:prstGeom prst="roundRect">
-            <a:avLst/>
-          </a:prstGeom>
-        </p:spPr>
-        <p:style>
-          <a:lnRef idx="2">
-            <a:schemeClr val="accent1">
-              <a:lumMod val="75000"/>
-            </a:schemeClr>
-          </a:lnRef>
-          <a:fillRef idx="1">
-            <a:schemeClr val="accent1"/>
-          </a:fillRef>
-          <a:effectRef idx="0">
-            <a:srgbClr val="FFFFFF"/>
-          </a:effectRef>
-          <a:fontRef idx="minor">
-            <a:schemeClr val="lt1"/>
-          </a:fontRef>
-        </p:style>
-        <p:txBody>
-          <a:bodyPr rtlCol="0" anchor="ctr"/>
-          <a:lstStyle/>
-          <a:p>
-            <a:pPr algn="ctr"/>
-            <a:r>
-              <a:rPr lang="zh-CN" altLang="zh-HK" sz="1200"/>
-              <a:t>图像增强</a:t>
-            </a:r>
-          </a:p>
-        </p:txBody>
-      </p:sp>
-      <p:sp>
-        <p:nvSpPr>
-          <p:cNvPr id="34" name="圓角矩形 33"/>
-          <p:cNvSpPr/>
-          <p:nvPr/>
-        </p:nvSpPr>
-        <p:spPr>
-          <a:xfrm>
-            <a:off x="3926840" y="3811270"/>
-            <a:ext cx="962660" cy="368300"/>
-          </a:xfrm>
-          <a:prstGeom prst="roundRect">
-            <a:avLst/>
-          </a:prstGeom>
-        </p:spPr>
-        <p:style>
-          <a:lnRef idx="2">
-            <a:schemeClr val="accent1">
-              <a:lumMod val="75000"/>
-            </a:schemeClr>
-          </a:lnRef>
-          <a:fillRef idx="1">
-            <a:schemeClr val="accent1"/>
-          </a:fillRef>
-          <a:effectRef idx="0">
-            <a:srgbClr val="FFFFFF"/>
-          </a:effectRef>
-          <a:fontRef idx="minor">
-            <a:schemeClr val="lt1"/>
-          </a:fontRef>
-        </p:style>
-        <p:txBody>
-          <a:bodyPr rtlCol="0" anchor="ctr"/>
-          <a:lstStyle/>
-          <a:p>
-            <a:pPr algn="ctr"/>
-            <a:r>
-              <a:rPr lang="zh-CN" altLang="zh-HK" sz="1200"/>
-              <a:t>抖动控制</a:t>
-            </a:r>
-          </a:p>
-        </p:txBody>
-      </p:sp>
-      <p:sp>
-        <p:nvSpPr>
-          <p:cNvPr id="35" name="圓角矩形 34"/>
-          <p:cNvSpPr/>
-          <p:nvPr/>
-        </p:nvSpPr>
-        <p:spPr>
-          <a:xfrm>
-            <a:off x="3926840" y="4294505"/>
-            <a:ext cx="962660" cy="357505"/>
-          </a:xfrm>
-          <a:prstGeom prst="roundRect">
-            <a:avLst/>
-          </a:prstGeom>
-        </p:spPr>
-        <p:style>
-          <a:lnRef idx="2">
-            <a:schemeClr val="accent1">
-              <a:lumMod val="75000"/>
-            </a:schemeClr>
-          </a:lnRef>
-          <a:fillRef idx="1">
-            <a:schemeClr val="accent1"/>
-          </a:fillRef>
-          <a:effectRef idx="0">
-            <a:srgbClr val="FFFFFF"/>
-          </a:effectRef>
-          <a:fontRef idx="minor">
-            <a:schemeClr val="lt1"/>
-          </a:fontRef>
-        </p:style>
-        <p:txBody>
-          <a:bodyPr rtlCol="0" anchor="ctr"/>
-          <a:lstStyle/>
-          <a:p>
-            <a:pPr algn="ctr"/>
-            <a:r>
-              <a:rPr lang="zh-CN" altLang="zh-HK" sz="1200"/>
-              <a:t>预处理</a:t>
-            </a:r>
-          </a:p>
-        </p:txBody>
-      </p:sp>
-      <p:sp>
-        <p:nvSpPr>
-          <p:cNvPr id="36" name="圓角矩形 35"/>
-          <p:cNvSpPr/>
-          <p:nvPr/>
-        </p:nvSpPr>
-        <p:spPr>
-          <a:xfrm>
-            <a:off x="5029835" y="3822065"/>
-            <a:ext cx="1143000" cy="357505"/>
-          </a:xfrm>
-          <a:prstGeom prst="roundRect">
-            <a:avLst/>
-          </a:prstGeom>
-        </p:spPr>
-        <p:style>
-          <a:lnRef idx="2">
-            <a:schemeClr val="accent1">
-              <a:lumMod val="75000"/>
-            </a:schemeClr>
-          </a:lnRef>
-          <a:fillRef idx="1">
-            <a:schemeClr val="accent1"/>
-          </a:fillRef>
-          <a:effectRef idx="0">
-            <a:srgbClr val="FFFFFF"/>
-          </a:effectRef>
-          <a:fontRef idx="minor">
-            <a:schemeClr val="lt1"/>
-          </a:fontRef>
-        </p:style>
-        <p:txBody>
-          <a:bodyPr rtlCol="0" anchor="ctr"/>
-          <a:lstStyle/>
-          <a:p>
-            <a:pPr algn="ctr"/>
-            <a:r>
-              <a:rPr lang="zh-CN" altLang="zh-HK" sz="1200"/>
-              <a:t>音视频同步</a:t>
-            </a:r>
-          </a:p>
-        </p:txBody>
-      </p:sp>
-      <p:sp>
-        <p:nvSpPr>
-          <p:cNvPr id="37" name="圓角矩形 36"/>
-          <p:cNvSpPr/>
-          <p:nvPr/>
-        </p:nvSpPr>
-        <p:spPr>
-          <a:xfrm>
-            <a:off x="3926840" y="4765675"/>
-            <a:ext cx="1009650" cy="357505"/>
-          </a:xfrm>
-          <a:prstGeom prst="roundRect">
-            <a:avLst/>
-          </a:prstGeom>
-        </p:spPr>
-        <p:style>
-          <a:lnRef idx="2">
-            <a:schemeClr val="accent1">
-              <a:lumMod val="75000"/>
-            </a:schemeClr>
-          </a:lnRef>
-          <a:fillRef idx="1">
-            <a:schemeClr val="accent1"/>
-          </a:fillRef>
-          <a:effectRef idx="0">
-            <a:srgbClr val="FFFFFF"/>
-          </a:effectRef>
-          <a:fontRef idx="minor">
-            <a:schemeClr val="lt1"/>
-          </a:fontRef>
-        </p:style>
-        <p:txBody>
-          <a:bodyPr rtlCol="0" anchor="ctr"/>
-          <a:lstStyle/>
-          <a:p>
-            <a:pPr algn="ctr"/>
-            <a:r>
-              <a:rPr lang="zh-CN" altLang="zh-HK" sz="1200"/>
-              <a:t>音视频采集</a:t>
-            </a:r>
-          </a:p>
-        </p:txBody>
-      </p:sp>
-      <p:sp>
-        <p:nvSpPr>
-          <p:cNvPr id="38" name="圓角矩形 37"/>
-          <p:cNvSpPr/>
-          <p:nvPr/>
-        </p:nvSpPr>
-        <p:spPr>
-          <a:xfrm>
-            <a:off x="5070475" y="4765675"/>
-            <a:ext cx="1009650" cy="357505"/>
-          </a:xfrm>
-          <a:prstGeom prst="roundRect">
-            <a:avLst/>
-          </a:prstGeom>
-        </p:spPr>
-        <p:style>
-          <a:lnRef idx="2">
-            <a:schemeClr val="accent1">
-              <a:lumMod val="75000"/>
-            </a:schemeClr>
-          </a:lnRef>
-          <a:fillRef idx="1">
-            <a:schemeClr val="accent1"/>
-          </a:fillRef>
-          <a:effectRef idx="0">
-            <a:srgbClr val="FFFFFF"/>
-          </a:effectRef>
-          <a:fontRef idx="minor">
-            <a:schemeClr val="lt1"/>
-          </a:fontRef>
-        </p:style>
-        <p:txBody>
-          <a:bodyPr rtlCol="0" anchor="ctr"/>
-          <a:lstStyle/>
-          <a:p>
-            <a:pPr algn="ctr"/>
-            <a:r>
-              <a:rPr lang="zh-CN" altLang="zh-HK" sz="1200"/>
-              <a:t>渲染</a:t>
-            </a:r>
-          </a:p>
-        </p:txBody>
-      </p:sp>
-      <p:sp>
-        <p:nvSpPr>
-          <p:cNvPr id="39" name="文字框 38"/>
-          <p:cNvSpPr txBox="1"/>
-          <p:nvPr/>
-        </p:nvSpPr>
-        <p:spPr>
-          <a:xfrm>
-            <a:off x="6464300" y="3043555"/>
-            <a:ext cx="1169670" cy="275590"/>
-          </a:xfrm>
-          <a:prstGeom prst="rect">
-            <a:avLst/>
-          </a:prstGeom>
-          <a:noFill/>
-        </p:spPr>
-        <p:txBody>
-          <a:bodyPr wrap="square" rtlCol="0">
-            <a:spAutoFit/>
-          </a:bodyPr>
-          <a:lstStyle/>
-          <a:p>
-            <a:r>
-              <a:rPr lang="zh-CN" altLang="zh-HK" sz="1200"/>
-              <a:t>网络传输</a:t>
-            </a:r>
-          </a:p>
-        </p:txBody>
-      </p:sp>
-      <p:sp>
-        <p:nvSpPr>
-          <p:cNvPr id="40" name="圓角矩形 39"/>
-          <p:cNvSpPr/>
-          <p:nvPr/>
-        </p:nvSpPr>
-        <p:spPr>
-          <a:xfrm>
-            <a:off x="6372225" y="3362325"/>
-            <a:ext cx="1009650" cy="357505"/>
-          </a:xfrm>
-          <a:prstGeom prst="roundRect">
-            <a:avLst/>
-          </a:prstGeom>
-        </p:spPr>
-        <p:style>
-          <a:lnRef idx="2">
-            <a:schemeClr val="accent1">
-              <a:lumMod val="75000"/>
-            </a:schemeClr>
-          </a:lnRef>
-          <a:fillRef idx="1">
-            <a:schemeClr val="accent1"/>
-          </a:fillRef>
-          <a:effectRef idx="0">
-            <a:srgbClr val="FFFFFF"/>
-          </a:effectRef>
-          <a:fontRef idx="minor">
-            <a:schemeClr val="lt1"/>
-          </a:fontRef>
-        </p:style>
-        <p:txBody>
-          <a:bodyPr rtlCol="0" anchor="ctr"/>
-          <a:lstStyle/>
-          <a:p>
-            <a:pPr algn="ctr"/>
-            <a:r>
-              <a:rPr lang="en-US" altLang="zh-CN" sz="1200"/>
-              <a:t>UDP/TCP</a:t>
-            </a:r>
-            <a:endParaRPr lang="zh-CN" altLang="en-US" sz="1200"/>
-          </a:p>
-        </p:txBody>
-      </p:sp>
-      <p:sp>
-        <p:nvSpPr>
-          <p:cNvPr id="41" name="圓角矩形 40"/>
-          <p:cNvSpPr/>
-          <p:nvPr/>
-        </p:nvSpPr>
-        <p:spPr>
-          <a:xfrm>
-            <a:off x="6372225" y="3822065"/>
-            <a:ext cx="1009650" cy="357505"/>
-          </a:xfrm>
-          <a:prstGeom prst="roundRect">
-            <a:avLst/>
-          </a:prstGeom>
-        </p:spPr>
-        <p:style>
-          <a:lnRef idx="2">
-            <a:schemeClr val="accent1">
-              <a:lumMod val="75000"/>
-            </a:schemeClr>
-          </a:lnRef>
-          <a:fillRef idx="1">
-            <a:schemeClr val="accent1"/>
-          </a:fillRef>
-          <a:effectRef idx="0">
-            <a:srgbClr val="FFFFFF"/>
-          </a:effectRef>
-          <a:fontRef idx="minor">
-            <a:schemeClr val="lt1"/>
-          </a:fontRef>
-        </p:style>
-        <p:txBody>
-          <a:bodyPr rtlCol="0" anchor="ctr"/>
-          <a:lstStyle/>
-          <a:p>
-            <a:pPr algn="ctr"/>
-            <a:r>
-              <a:rPr lang="zh-CN" altLang="en-US" sz="1200"/>
-              <a:t>带宽评估</a:t>
-            </a:r>
-          </a:p>
-        </p:txBody>
-      </p:sp>
-      <p:sp>
-        <p:nvSpPr>
-          <p:cNvPr id="42" name="圓角矩形 41"/>
-          <p:cNvSpPr/>
-          <p:nvPr/>
-        </p:nvSpPr>
-        <p:spPr>
-          <a:xfrm>
-            <a:off x="6372225" y="4344035"/>
-            <a:ext cx="1009650" cy="357505"/>
-          </a:xfrm>
-          <a:prstGeom prst="roundRect">
-            <a:avLst/>
-          </a:prstGeom>
-        </p:spPr>
-        <p:style>
-          <a:lnRef idx="2">
-            <a:schemeClr val="accent1">
-              <a:lumMod val="75000"/>
-            </a:schemeClr>
-          </a:lnRef>
-          <a:fillRef idx="1">
-            <a:schemeClr val="accent1"/>
-          </a:fillRef>
-          <a:effectRef idx="0">
-            <a:srgbClr val="FFFFFF"/>
-          </a:effectRef>
-          <a:fontRef idx="minor">
-            <a:schemeClr val="lt1"/>
-          </a:fontRef>
-        </p:style>
-        <p:txBody>
-          <a:bodyPr rtlCol="0" anchor="ctr"/>
-          <a:lstStyle/>
-          <a:p>
-            <a:pPr algn="ctr"/>
-            <a:r>
-              <a:rPr lang="en-US" altLang="zh-CN" sz="1200"/>
-              <a:t>STUN/TURN</a:t>
-            </a:r>
-            <a:endParaRPr lang="zh-CN" altLang="en-US" sz="1200"/>
-          </a:p>
-        </p:txBody>
-      </p:sp>
-      <p:sp>
-        <p:nvSpPr>
-          <p:cNvPr id="43" name="圓角矩形 42"/>
-          <p:cNvSpPr/>
-          <p:nvPr/>
-        </p:nvSpPr>
-        <p:spPr>
-          <a:xfrm>
-            <a:off x="6372225" y="4765675"/>
-            <a:ext cx="1009650" cy="357505"/>
-          </a:xfrm>
-          <a:prstGeom prst="roundRect">
-            <a:avLst/>
-          </a:prstGeom>
-        </p:spPr>
-        <p:style>
-          <a:lnRef idx="2">
-            <a:schemeClr val="accent1">
-              <a:lumMod val="75000"/>
-            </a:schemeClr>
-          </a:lnRef>
-          <a:fillRef idx="1">
-            <a:schemeClr val="accent1"/>
-          </a:fillRef>
-          <a:effectRef idx="0">
-            <a:srgbClr val="FFFFFF"/>
-          </a:effectRef>
-          <a:fontRef idx="minor">
-            <a:schemeClr val="lt1"/>
-          </a:fontRef>
-        </p:style>
-        <p:txBody>
-          <a:bodyPr rtlCol="0" anchor="ctr"/>
-          <a:lstStyle/>
-          <a:p>
-            <a:pPr algn="ctr"/>
-            <a:r>
-              <a:rPr lang="zh-CN" altLang="en-US" sz="1200"/>
-              <a:t>网络</a:t>
-            </a:r>
-            <a:r>
-              <a:rPr lang="en-US" altLang="zh-CN" sz="1200"/>
-              <a:t>IO</a:t>
-            </a:r>
-          </a:p>
-        </p:txBody>
-      </p:sp>
-      <p:sp>
-        <p:nvSpPr>
-          <p:cNvPr id="44" name="矩形 43"/>
-          <p:cNvSpPr/>
-          <p:nvPr/>
-        </p:nvSpPr>
-        <p:spPr>
-          <a:xfrm>
-            <a:off x="1242060" y="2647950"/>
-            <a:ext cx="2346325" cy="2552065"/>
-          </a:xfrm>
-          <a:prstGeom prst="rect">
-            <a:avLst/>
-          </a:prstGeom>
-          <a:solidFill>
-            <a:schemeClr val="accent4"/>
-          </a:solidFill>
-        </p:spPr>
-        <p:style>
-          <a:lnRef idx="2">
-            <a:schemeClr val="accent1">
-              <a:lumMod val="75000"/>
-            </a:schemeClr>
-          </a:lnRef>
-          <a:fillRef idx="1">
-            <a:schemeClr val="accent1"/>
-          </a:fillRef>
-          <a:effectRef idx="0">
-            <a:srgbClr val="FFFFFF"/>
-          </a:effectRef>
-          <a:fontRef idx="minor">
-            <a:schemeClr val="lt1"/>
-          </a:fontRef>
-        </p:style>
-        <p:txBody>
-          <a:bodyPr rtlCol="0" anchor="ctr"/>
-          <a:lstStyle/>
-          <a:p>
-            <a:pPr algn="ctr"/>
-            <a:endParaRPr lang="zh-HK" altLang="en-US"/>
-          </a:p>
-        </p:txBody>
-      </p:sp>
-      <p:sp>
-        <p:nvSpPr>
-          <p:cNvPr id="45" name="文字框 44"/>
-          <p:cNvSpPr txBox="1"/>
-          <p:nvPr/>
-        </p:nvSpPr>
-        <p:spPr>
-          <a:xfrm>
-            <a:off x="1494155" y="2813685"/>
-            <a:ext cx="1860550" cy="368300"/>
-          </a:xfrm>
-          <a:prstGeom prst="rect">
-            <a:avLst/>
-          </a:prstGeom>
-          <a:noFill/>
-        </p:spPr>
-        <p:txBody>
-          <a:bodyPr wrap="square" rtlCol="0">
-            <a:spAutoFit/>
-          </a:bodyPr>
-          <a:lstStyle/>
-          <a:p>
-            <a:pPr algn="ctr"/>
-            <a:r>
-              <a:rPr lang="zh-CN" altLang="zh-HK">
-                <a:solidFill>
-                  <a:schemeClr val="bg1"/>
-                </a:solidFill>
-              </a:rPr>
-              <a:t>跨平台文件系统</a:t>
-            </a:r>
-          </a:p>
-        </p:txBody>
-      </p:sp>
-      <p:sp>
-        <p:nvSpPr>
-          <p:cNvPr id="46" name="矩形 45"/>
-          <p:cNvSpPr/>
-          <p:nvPr/>
-        </p:nvSpPr>
-        <p:spPr>
-          <a:xfrm>
-            <a:off x="7549515" y="2647950"/>
-            <a:ext cx="2370455" cy="2591435"/>
-          </a:xfrm>
-          <a:prstGeom prst="rect">
-            <a:avLst/>
-          </a:prstGeom>
-          <a:solidFill>
-            <a:srgbClr val="FFFF00"/>
-          </a:solidFill>
-        </p:spPr>
-        <p:style>
-          <a:lnRef idx="2">
-            <a:schemeClr val="accent1">
-              <a:lumMod val="75000"/>
-            </a:schemeClr>
-          </a:lnRef>
-          <a:fillRef idx="1">
-            <a:schemeClr val="accent1"/>
-          </a:fillRef>
-          <a:effectRef idx="0">
-            <a:srgbClr val="FFFFFF"/>
-          </a:effectRef>
-          <a:fontRef idx="minor">
-            <a:schemeClr val="lt1"/>
-          </a:fontRef>
-        </p:style>
-        <p:txBody>
-          <a:bodyPr rtlCol="0" anchor="ctr"/>
-          <a:lstStyle/>
-          <a:p>
-            <a:pPr algn="ctr"/>
-            <a:endParaRPr lang="zh-HK" altLang="en-US"/>
-          </a:p>
-        </p:txBody>
-      </p:sp>
-      <p:sp>
-        <p:nvSpPr>
-          <p:cNvPr id="47" name="文字框 46"/>
-          <p:cNvSpPr txBox="1"/>
-          <p:nvPr/>
-        </p:nvSpPr>
-        <p:spPr>
-          <a:xfrm>
-            <a:off x="7767955" y="2757170"/>
-            <a:ext cx="2031365" cy="368300"/>
-          </a:xfrm>
-          <a:prstGeom prst="rect">
-            <a:avLst/>
-          </a:prstGeom>
-          <a:noFill/>
-        </p:spPr>
-        <p:txBody>
-          <a:bodyPr wrap="square" rtlCol="0">
-            <a:spAutoFit/>
-          </a:bodyPr>
-          <a:lstStyle/>
-          <a:p>
-            <a:r>
-              <a:rPr lang="zh-CN" altLang="zh-HK"/>
-              <a:t>高效文件传输系统</a:t>
-            </a:r>
-          </a:p>
-        </p:txBody>
-      </p:sp>
-      <p:sp>
-        <p:nvSpPr>
-          <p:cNvPr id="48" name="矩形 47"/>
-          <p:cNvSpPr/>
-          <p:nvPr>
-            <p:custDataLst>
-              <p:tags r:id="rId17"/>
-            </p:custDataLst>
-          </p:nvPr>
-        </p:nvSpPr>
-        <p:spPr>
-          <a:xfrm>
-            <a:off x="9240520" y="847090"/>
-            <a:ext cx="1097280" cy="454660"/>
-          </a:xfrm>
-          <a:prstGeom prst="rect">
-            <a:avLst/>
-          </a:prstGeom>
-          <a:solidFill>
-            <a:schemeClr val="accent1"/>
-          </a:solidFill>
-        </p:spPr>
-        <p:style>
-          <a:lnRef idx="2">
-            <a:schemeClr val="accent1">
-              <a:shade val="50000"/>
-            </a:schemeClr>
-          </a:lnRef>
-          <a:fillRef idx="1">
-            <a:schemeClr val="accent1"/>
-          </a:fillRef>
-          <a:effectRef idx="0">
-            <a:schemeClr val="accent1"/>
-          </a:effectRef>
-          <a:fontRef idx="minor">
-            <a:schemeClr val="lt1"/>
-          </a:fontRef>
-        </p:style>
-        <p:txBody>
-          <a:bodyPr rtlCol="0" anchor="ctr"/>
-          <a:lstStyle/>
-          <a:p>
-            <a:pPr algn="ctr"/>
-            <a:r>
-              <a:rPr lang="zh-CN" altLang="en-US" sz="1200" dirty="0"/>
-              <a:t>鉴权管理</a:t>
-            </a:r>
-          </a:p>
-        </p:txBody>
-      </p:sp>
-      <p:sp>
-        <p:nvSpPr>
-          <p:cNvPr id="50" name="圓角矩形 49"/>
-          <p:cNvSpPr/>
-          <p:nvPr/>
-        </p:nvSpPr>
-        <p:spPr>
-          <a:xfrm>
-            <a:off x="181610" y="5405755"/>
-            <a:ext cx="10527665" cy="1521460"/>
-          </a:xfrm>
-          <a:prstGeom prst="roundRect">
-            <a:avLst/>
-          </a:prstGeom>
-          <a:solidFill>
-            <a:schemeClr val="accent1">
-              <a:lumMod val="75000"/>
-            </a:schemeClr>
-          </a:solidFill>
-        </p:spPr>
-        <p:style>
-          <a:lnRef idx="2">
-            <a:schemeClr val="accent1">
-              <a:lumMod val="75000"/>
-            </a:schemeClr>
-          </a:lnRef>
-          <a:fillRef idx="1">
-            <a:schemeClr val="accent1"/>
-          </a:fillRef>
-          <a:effectRef idx="0">
-            <a:srgbClr val="FFFFFF"/>
-          </a:effectRef>
-          <a:fontRef idx="minor">
-            <a:schemeClr val="lt1"/>
-          </a:fontRef>
-        </p:style>
-        <p:txBody>
-          <a:bodyPr rtlCol="0" anchor="ctr"/>
-          <a:lstStyle/>
-          <a:p>
-            <a:pPr algn="l"/>
-            <a:r>
-              <a:rPr lang="zh-CN" altLang="zh-HK"/>
-              <a:t>内核层</a:t>
-            </a:r>
-          </a:p>
-        </p:txBody>
-      </p:sp>
-      <p:sp>
-        <p:nvSpPr>
-          <p:cNvPr id="51" name="矩形 50"/>
-          <p:cNvSpPr/>
-          <p:nvPr/>
-        </p:nvSpPr>
-        <p:spPr>
-          <a:xfrm>
-            <a:off x="2172970" y="5467350"/>
-            <a:ext cx="1687830" cy="1390650"/>
-          </a:xfrm>
-          <a:prstGeom prst="rect">
-            <a:avLst/>
-          </a:prstGeom>
-          <a:solidFill>
-            <a:schemeClr val="accent1">
-              <a:lumMod val="60000"/>
-              <a:lumOff val="40000"/>
-            </a:schemeClr>
-          </a:solidFill>
-        </p:spPr>
-        <p:style>
-          <a:lnRef idx="2">
-            <a:schemeClr val="accent1">
-              <a:lumMod val="75000"/>
-            </a:schemeClr>
-          </a:lnRef>
-          <a:fillRef idx="1">
-            <a:schemeClr val="accent1"/>
-          </a:fillRef>
-          <a:effectRef idx="0">
-            <a:srgbClr val="FFFFFF"/>
-          </a:effectRef>
-          <a:fontRef idx="minor">
-            <a:schemeClr val="lt1"/>
-          </a:fontRef>
-        </p:style>
-        <p:txBody>
-          <a:bodyPr rtlCol="0" anchor="ctr"/>
-          <a:lstStyle/>
-          <a:p>
-            <a:pPr algn="ctr"/>
-            <a:endParaRPr lang="zh-HK" altLang="en-US"/>
-          </a:p>
-        </p:txBody>
-      </p:sp>
-      <p:sp>
-        <p:nvSpPr>
-          <p:cNvPr id="52" name="圓角矩形 51"/>
-          <p:cNvSpPr/>
-          <p:nvPr/>
-        </p:nvSpPr>
-        <p:spPr>
-          <a:xfrm>
-            <a:off x="2626995" y="3699510"/>
-            <a:ext cx="727710" cy="374650"/>
-          </a:xfrm>
-          <a:prstGeom prst="roundRect">
-            <a:avLst/>
-          </a:prstGeom>
-        </p:spPr>
-        <p:style>
-          <a:lnRef idx="2">
-            <a:schemeClr val="accent1">
-              <a:lumMod val="75000"/>
-            </a:schemeClr>
-          </a:lnRef>
-          <a:fillRef idx="1">
-            <a:schemeClr val="accent1"/>
-          </a:fillRef>
-          <a:effectRef idx="0">
-            <a:srgbClr val="FFFFFF"/>
-          </a:effectRef>
-          <a:fontRef idx="minor">
-            <a:schemeClr val="lt1"/>
-          </a:fontRef>
-        </p:style>
-        <p:txBody>
-          <a:bodyPr rtlCol="0" anchor="ctr"/>
-          <a:lstStyle/>
-          <a:p>
-            <a:pPr algn="ctr"/>
-            <a:r>
-              <a:rPr lang="en-US" altLang="zh-HK" sz="1200"/>
-              <a:t>TCP</a:t>
-            </a:r>
-          </a:p>
-        </p:txBody>
-      </p:sp>
-      <p:sp>
-        <p:nvSpPr>
-          <p:cNvPr id="53" name="文字框 52"/>
-          <p:cNvSpPr txBox="1"/>
-          <p:nvPr/>
-        </p:nvSpPr>
-        <p:spPr>
-          <a:xfrm>
-            <a:off x="2516505" y="3275330"/>
-            <a:ext cx="1071880" cy="306705"/>
-          </a:xfrm>
-          <a:prstGeom prst="rect">
-            <a:avLst/>
-          </a:prstGeom>
-          <a:noFill/>
-        </p:spPr>
-        <p:txBody>
-          <a:bodyPr wrap="square" rtlCol="0">
-            <a:spAutoFit/>
-          </a:bodyPr>
-          <a:lstStyle/>
-          <a:p>
-            <a:r>
-              <a:rPr lang="zh-CN" altLang="zh-HK" sz="1400"/>
-              <a:t>网络传输</a:t>
-            </a:r>
-          </a:p>
-        </p:txBody>
-      </p:sp>
-      <p:sp>
-        <p:nvSpPr>
-          <p:cNvPr id="54" name="圓角矩形 53"/>
-          <p:cNvSpPr/>
-          <p:nvPr/>
-        </p:nvSpPr>
-        <p:spPr>
-          <a:xfrm>
-            <a:off x="2572385" y="4505325"/>
-            <a:ext cx="782320" cy="370205"/>
-          </a:xfrm>
-          <a:prstGeom prst="roundRect">
-            <a:avLst/>
-          </a:prstGeom>
-        </p:spPr>
-        <p:style>
-          <a:lnRef idx="2">
-            <a:schemeClr val="accent1">
-              <a:lumMod val="75000"/>
-            </a:schemeClr>
-          </a:lnRef>
-          <a:fillRef idx="1">
-            <a:schemeClr val="accent1"/>
-          </a:fillRef>
-          <a:effectRef idx="0">
-            <a:srgbClr val="FFFFFF"/>
-          </a:effectRef>
-          <a:fontRef idx="minor">
-            <a:schemeClr val="lt1"/>
-          </a:fontRef>
-        </p:style>
-        <p:txBody>
-          <a:bodyPr rtlCol="0" anchor="ctr"/>
-          <a:lstStyle/>
-          <a:p>
-            <a:pPr algn="ctr"/>
-            <a:r>
-              <a:rPr lang="zh-CN" altLang="zh-HK" sz="1200"/>
-              <a:t>网络</a:t>
-            </a:r>
-            <a:r>
-              <a:rPr lang="en-US" altLang="zh-CN" sz="1200"/>
-              <a:t>IO</a:t>
-            </a:r>
-          </a:p>
-        </p:txBody>
-      </p:sp>
-      <p:sp>
-        <p:nvSpPr>
-          <p:cNvPr id="55" name="文字框 54"/>
-          <p:cNvSpPr txBox="1"/>
-          <p:nvPr/>
-        </p:nvSpPr>
-        <p:spPr>
-          <a:xfrm>
-            <a:off x="1536700" y="3275330"/>
-            <a:ext cx="765175" cy="306705"/>
-          </a:xfrm>
-          <a:prstGeom prst="rect">
-            <a:avLst/>
-          </a:prstGeom>
-          <a:noFill/>
-        </p:spPr>
-        <p:txBody>
-          <a:bodyPr wrap="square" rtlCol="0">
-            <a:spAutoFit/>
-          </a:bodyPr>
-          <a:lstStyle/>
-          <a:p>
-            <a:r>
-              <a:rPr lang="zh-CN" altLang="zh-HK" sz="1400"/>
-              <a:t>协议层</a:t>
-            </a:r>
-          </a:p>
-        </p:txBody>
-      </p:sp>
-      <p:sp>
-        <p:nvSpPr>
-          <p:cNvPr id="57" name="矩形 56"/>
-          <p:cNvSpPr/>
-          <p:nvPr/>
-        </p:nvSpPr>
-        <p:spPr>
-          <a:xfrm>
-            <a:off x="10004425" y="2648585"/>
-            <a:ext cx="628650" cy="2551430"/>
+              <a:shade val="50000"/>
+            </a:schemeClr>
+          </a:lnRef>
+          <a:fillRef idx="1">
+            <a:schemeClr val="accent1"/>
+          </a:fillRef>
+          <a:effectRef idx="0">
+            <a:schemeClr val="accent1"/>
+          </a:effectRef>
+          <a:fontRef idx="minor">
+            <a:schemeClr val="lt1"/>
+          </a:fontRef>
+        </p:style>
+        <p:txBody>
+          <a:bodyPr rtlCol="0" anchor="ctr"/>
+          <a:lstStyle/>
+          <a:p>
+            <a:pPr algn="ctr"/>
+            <a:r>
+              <a:rPr lang="zh-CN" altLang="en-US" dirty="0" smtClean="0"/>
+              <a:t>淘宝</a:t>
+            </a:r>
+            <a:endParaRPr lang="zh-CN" altLang="en-US" dirty="0"/>
+          </a:p>
+        </p:txBody>
+      </p:sp>
+      <p:sp>
+        <p:nvSpPr>
+          <p:cNvPr id="15" name="矩形 14"/>
+          <p:cNvSpPr/>
+          <p:nvPr/>
+        </p:nvSpPr>
+        <p:spPr>
+          <a:xfrm>
+            <a:off x="8811077" y="795242"/>
+            <a:ext cx="1044054" cy="286603"/>
           </a:xfrm>
           <a:prstGeom prst="rect">
             <a:avLst/>
@@ -5096,35 +3463,27 @@
         <p:style>
           <a:lnRef idx="2">
             <a:schemeClr val="accent1">
-              <a:lumMod val="75000"/>
-            </a:schemeClr>
-          </a:lnRef>
-          <a:fillRef idx="1">
-            <a:schemeClr val="accent1"/>
-          </a:fillRef>
-          <a:effectRef idx="0">
-            <a:srgbClr val="FFFFFF"/>
-          </a:effectRef>
-          <a:fontRef idx="minor">
-            <a:schemeClr val="lt1"/>
-          </a:fontRef>
-        </p:style>
-        <p:txBody>
-          <a:bodyPr rtlCol="0" anchor="ctr"/>
-          <a:lstStyle/>
-          <a:p>
-            <a:pPr algn="ctr"/>
-            <a:r>
-              <a:rPr lang="zh-CN" altLang="en-US" dirty="0"/>
-              <a:t>后期增加</a:t>
-            </a:r>
-            <a:r>
-              <a:rPr lang="en-US" altLang="zh-HK" dirty="0" smtClean="0"/>
-              <a:t>GPU</a:t>
-            </a:r>
+              <a:shade val="50000"/>
+            </a:schemeClr>
+          </a:lnRef>
+          <a:fillRef idx="1">
+            <a:schemeClr val="accent1"/>
+          </a:fillRef>
+          <a:effectRef idx="0">
+            <a:schemeClr val="accent1"/>
+          </a:effectRef>
+          <a:fontRef idx="minor">
+            <a:schemeClr val="lt1"/>
+          </a:fontRef>
+        </p:style>
+        <p:txBody>
+          <a:bodyPr rtlCol="0" anchor="ctr"/>
+          <a:lstStyle/>
+          <a:p>
+            <a:pPr algn="ctr"/>
             <a:r>
               <a:rPr lang="zh-CN" altLang="en-US" dirty="0" smtClean="0"/>
-              <a:t>模块</a:t>
+              <a:t>京东</a:t>
             </a:r>
             <a:endParaRPr lang="zh-CN" altLang="en-US" dirty="0"/>
           </a:p>
@@ -5132,504 +3491,531 @@
       </p:sp>
       <p:sp>
         <p:nvSpPr>
-          <p:cNvPr id="58" name="圓角矩形 57"/>
-          <p:cNvSpPr/>
-          <p:nvPr/>
-        </p:nvSpPr>
-        <p:spPr>
-          <a:xfrm>
-            <a:off x="1568450" y="3648710"/>
-            <a:ext cx="733425" cy="763270"/>
+          <p:cNvPr id="16" name="矩形 15"/>
+          <p:cNvSpPr/>
+          <p:nvPr/>
+        </p:nvSpPr>
+        <p:spPr>
+          <a:xfrm>
+            <a:off x="7310544" y="1332374"/>
+            <a:ext cx="1044054" cy="286603"/>
+          </a:xfrm>
+          <a:prstGeom prst="rect">
+            <a:avLst/>
+          </a:prstGeom>
+          <a:solidFill>
+            <a:srgbClr val="92D050"/>
+          </a:solidFill>
+        </p:spPr>
+        <p:style>
+          <a:lnRef idx="2">
+            <a:schemeClr val="accent1">
+              <a:shade val="50000"/>
+            </a:schemeClr>
+          </a:lnRef>
+          <a:fillRef idx="1">
+            <a:schemeClr val="accent1"/>
+          </a:fillRef>
+          <a:effectRef idx="0">
+            <a:schemeClr val="accent1"/>
+          </a:effectRef>
+          <a:fontRef idx="minor">
+            <a:schemeClr val="lt1"/>
+          </a:fontRef>
+        </p:style>
+        <p:txBody>
+          <a:bodyPr rtlCol="0" anchor="ctr"/>
+          <a:lstStyle/>
+          <a:p>
+            <a:pPr algn="ctr"/>
+            <a:r>
+              <a:rPr lang="en-US" altLang="zh-CN" dirty="0" err="1" smtClean="0"/>
+              <a:t>bilibili</a:t>
+            </a:r>
+            <a:endParaRPr lang="zh-CN" altLang="en-US" dirty="0"/>
+          </a:p>
+        </p:txBody>
+      </p:sp>
+      <p:sp>
+        <p:nvSpPr>
+          <p:cNvPr id="17" name="矩形 16"/>
+          <p:cNvSpPr/>
+          <p:nvPr/>
+        </p:nvSpPr>
+        <p:spPr>
+          <a:xfrm>
+            <a:off x="8811077" y="1298034"/>
+            <a:ext cx="1044054" cy="286603"/>
+          </a:xfrm>
+          <a:prstGeom prst="rect">
+            <a:avLst/>
+          </a:prstGeom>
+          <a:solidFill>
+            <a:srgbClr val="92D050"/>
+          </a:solidFill>
+        </p:spPr>
+        <p:style>
+          <a:lnRef idx="2">
+            <a:schemeClr val="accent1">
+              <a:shade val="50000"/>
+            </a:schemeClr>
+          </a:lnRef>
+          <a:fillRef idx="1">
+            <a:schemeClr val="accent1"/>
+          </a:fillRef>
+          <a:effectRef idx="0">
+            <a:schemeClr val="accent1"/>
+          </a:effectRef>
+          <a:fontRef idx="minor">
+            <a:schemeClr val="lt1"/>
+          </a:fontRef>
+        </p:style>
+        <p:txBody>
+          <a:bodyPr rtlCol="0" anchor="ctr"/>
+          <a:lstStyle/>
+          <a:p>
+            <a:pPr algn="ctr"/>
+            <a:r>
+              <a:rPr lang="zh-CN" altLang="en-US" dirty="0" smtClean="0"/>
+              <a:t>抖音</a:t>
+            </a:r>
+            <a:endParaRPr lang="zh-CN" altLang="en-US" dirty="0"/>
+          </a:p>
+        </p:txBody>
+      </p:sp>
+      <p:sp>
+        <p:nvSpPr>
+          <p:cNvPr id="18" name="矩形 17"/>
+          <p:cNvSpPr/>
+          <p:nvPr/>
+        </p:nvSpPr>
+        <p:spPr>
+          <a:xfrm>
+            <a:off x="675564" y="3193576"/>
+            <a:ext cx="10645254" cy="1862919"/>
+          </a:xfrm>
+          <a:prstGeom prst="rect">
+            <a:avLst/>
+          </a:prstGeom>
+        </p:spPr>
+        <p:style>
+          <a:lnRef idx="2">
+            <a:schemeClr val="accent1">
+              <a:shade val="50000"/>
+            </a:schemeClr>
+          </a:lnRef>
+          <a:fillRef idx="1">
+            <a:schemeClr val="accent1"/>
+          </a:fillRef>
+          <a:effectRef idx="0">
+            <a:schemeClr val="accent1"/>
+          </a:effectRef>
+          <a:fontRef idx="minor">
+            <a:schemeClr val="lt1"/>
+          </a:fontRef>
+        </p:style>
+        <p:txBody>
+          <a:bodyPr rtlCol="0" anchor="ctr"/>
+          <a:lstStyle/>
+          <a:p>
+            <a:pPr algn="ctr"/>
+            <a:endParaRPr lang="zh-CN" altLang="en-US"/>
+          </a:p>
+        </p:txBody>
+      </p:sp>
+      <p:sp>
+        <p:nvSpPr>
+          <p:cNvPr id="19" name="矩形 18"/>
+          <p:cNvSpPr/>
+          <p:nvPr/>
+        </p:nvSpPr>
+        <p:spPr>
+          <a:xfrm>
+            <a:off x="4490113" y="3323230"/>
+            <a:ext cx="3036627" cy="232012"/>
+          </a:xfrm>
+          <a:prstGeom prst="rect">
+            <a:avLst/>
+          </a:prstGeom>
+        </p:spPr>
+        <p:style>
+          <a:lnRef idx="2">
+            <a:schemeClr val="accent1">
+              <a:shade val="50000"/>
+            </a:schemeClr>
+          </a:lnRef>
+          <a:fillRef idx="1">
+            <a:schemeClr val="accent1"/>
+          </a:fillRef>
+          <a:effectRef idx="0">
+            <a:schemeClr val="accent1"/>
+          </a:effectRef>
+          <a:fontRef idx="minor">
+            <a:schemeClr val="lt1"/>
+          </a:fontRef>
+        </p:style>
+        <p:txBody>
+          <a:bodyPr rtlCol="0" anchor="ctr"/>
+          <a:lstStyle/>
+          <a:p>
+            <a:pPr algn="ctr"/>
+            <a:r>
+              <a:rPr lang="zh-CN" altLang="en-US" dirty="0" smtClean="0"/>
+              <a:t>统一调度平台</a:t>
+            </a:r>
+            <a:endParaRPr lang="zh-CN" altLang="en-US" dirty="0"/>
+          </a:p>
+        </p:txBody>
+      </p:sp>
+      <p:sp>
+        <p:nvSpPr>
+          <p:cNvPr id="20" name="圆角矩形 19"/>
+          <p:cNvSpPr/>
+          <p:nvPr/>
+        </p:nvSpPr>
+        <p:spPr>
+          <a:xfrm>
+            <a:off x="3770193" y="3766785"/>
+            <a:ext cx="4258101" cy="327543"/>
           </a:xfrm>
           <a:prstGeom prst="roundRect">
             <a:avLst/>
           </a:prstGeom>
-        </p:spPr>
-        <p:style>
-          <a:lnRef idx="2">
-            <a:schemeClr val="accent1">
-              <a:lumMod val="75000"/>
-            </a:schemeClr>
-          </a:lnRef>
-          <a:fillRef idx="1">
-            <a:schemeClr val="accent1"/>
-          </a:fillRef>
-          <a:effectRef idx="0">
-            <a:srgbClr val="FFFFFF"/>
-          </a:effectRef>
-          <a:fontRef idx="minor">
-            <a:schemeClr val="lt1"/>
-          </a:fontRef>
-        </p:style>
-        <p:txBody>
-          <a:bodyPr rtlCol="0" anchor="ctr"/>
-          <a:lstStyle/>
-          <a:p>
-            <a:pPr algn="ctr"/>
-            <a:r>
-              <a:rPr lang="zh-CN" altLang="zh-HK" sz="1200"/>
-              <a:t>高效压缩数据格式</a:t>
-            </a:r>
-          </a:p>
-        </p:txBody>
-      </p:sp>
-      <p:sp>
-        <p:nvSpPr>
-          <p:cNvPr id="59" name="文字框 58"/>
-          <p:cNvSpPr txBox="1"/>
-          <p:nvPr/>
-        </p:nvSpPr>
-        <p:spPr>
-          <a:xfrm>
-            <a:off x="8842375" y="3213100"/>
-            <a:ext cx="1006475" cy="275590"/>
-          </a:xfrm>
-          <a:prstGeom prst="rect">
-            <a:avLst/>
-          </a:prstGeom>
-          <a:noFill/>
-        </p:spPr>
-        <p:txBody>
-          <a:bodyPr wrap="square" rtlCol="0">
-            <a:spAutoFit/>
-          </a:bodyPr>
-          <a:lstStyle/>
-          <a:p>
-            <a:pPr algn="ctr"/>
-            <a:r>
-              <a:rPr lang="zh-CN" altLang="zh-HK" sz="1200"/>
-              <a:t>网络传输</a:t>
-            </a:r>
-          </a:p>
-        </p:txBody>
-      </p:sp>
-      <p:sp>
-        <p:nvSpPr>
-          <p:cNvPr id="60" name="圓角矩形 59"/>
-          <p:cNvSpPr/>
-          <p:nvPr/>
-        </p:nvSpPr>
-        <p:spPr>
-          <a:xfrm>
-            <a:off x="8975090" y="3582035"/>
-            <a:ext cx="741680" cy="357505"/>
-          </a:xfrm>
-          <a:prstGeom prst="roundRect">
-            <a:avLst/>
-          </a:prstGeom>
-        </p:spPr>
-        <p:style>
-          <a:lnRef idx="2">
-            <a:schemeClr val="accent1">
-              <a:lumMod val="75000"/>
-            </a:schemeClr>
-          </a:lnRef>
-          <a:fillRef idx="1">
-            <a:schemeClr val="accent1"/>
-          </a:fillRef>
-          <a:effectRef idx="0">
-            <a:srgbClr val="FFFFFF"/>
-          </a:effectRef>
-          <a:fontRef idx="minor">
-            <a:schemeClr val="lt1"/>
-          </a:fontRef>
-        </p:style>
-        <p:txBody>
-          <a:bodyPr rtlCol="0" anchor="ctr"/>
-          <a:lstStyle/>
-          <a:p>
-            <a:pPr algn="ctr"/>
-            <a:r>
-              <a:rPr lang="en-US" altLang="zh-CN" sz="1200"/>
-              <a:t>UDP</a:t>
-            </a:r>
-            <a:endParaRPr lang="zh-CN" altLang="en-US" sz="1200"/>
-          </a:p>
-        </p:txBody>
-      </p:sp>
-      <p:sp>
-        <p:nvSpPr>
-          <p:cNvPr id="61" name="圓角矩形 60"/>
-          <p:cNvSpPr/>
-          <p:nvPr/>
-        </p:nvSpPr>
-        <p:spPr>
-          <a:xfrm>
-            <a:off x="8921115" y="4518025"/>
-            <a:ext cx="741680" cy="357505"/>
-          </a:xfrm>
-          <a:prstGeom prst="roundRect">
-            <a:avLst/>
-          </a:prstGeom>
-        </p:spPr>
-        <p:style>
-          <a:lnRef idx="2">
-            <a:schemeClr val="accent1">
-              <a:lumMod val="75000"/>
-            </a:schemeClr>
-          </a:lnRef>
-          <a:fillRef idx="1">
-            <a:schemeClr val="accent1"/>
-          </a:fillRef>
-          <a:effectRef idx="0">
-            <a:srgbClr val="FFFFFF"/>
-          </a:effectRef>
-          <a:fontRef idx="minor">
-            <a:schemeClr val="lt1"/>
-          </a:fontRef>
-        </p:style>
-        <p:txBody>
-          <a:bodyPr rtlCol="0" anchor="ctr"/>
-          <a:lstStyle/>
-          <a:p>
-            <a:pPr algn="ctr"/>
-            <a:r>
-              <a:rPr lang="zh-CN" altLang="en-US" sz="1200"/>
-              <a:t>网络</a:t>
-            </a:r>
-            <a:r>
-              <a:rPr lang="en-US" altLang="zh-CN" sz="1200"/>
-              <a:t>IO</a:t>
-            </a:r>
-          </a:p>
-        </p:txBody>
-      </p:sp>
-      <p:sp>
-        <p:nvSpPr>
-          <p:cNvPr id="62" name="文字框 61"/>
-          <p:cNvSpPr txBox="1"/>
-          <p:nvPr/>
-        </p:nvSpPr>
-        <p:spPr>
-          <a:xfrm>
-            <a:off x="7839075" y="3181985"/>
-            <a:ext cx="720725" cy="306705"/>
-          </a:xfrm>
-          <a:prstGeom prst="rect">
-            <a:avLst/>
-          </a:prstGeom>
-          <a:noFill/>
-        </p:spPr>
-        <p:txBody>
-          <a:bodyPr wrap="square" rtlCol="0">
-            <a:spAutoFit/>
-          </a:bodyPr>
-          <a:lstStyle/>
-          <a:p>
-            <a:r>
-              <a:rPr lang="zh-CN" altLang="zh-HK" sz="1400"/>
-              <a:t>协议层</a:t>
-            </a:r>
-          </a:p>
-        </p:txBody>
-      </p:sp>
-      <p:sp>
-        <p:nvSpPr>
-          <p:cNvPr id="63" name="圓角矩形 62"/>
-          <p:cNvSpPr/>
-          <p:nvPr/>
-        </p:nvSpPr>
-        <p:spPr>
-          <a:xfrm>
-            <a:off x="7814945" y="3582035"/>
-            <a:ext cx="684530" cy="323215"/>
-          </a:xfrm>
-          <a:prstGeom prst="roundRect">
-            <a:avLst/>
-          </a:prstGeom>
-        </p:spPr>
-        <p:style>
-          <a:lnRef idx="2">
-            <a:schemeClr val="accent1">
-              <a:lumMod val="75000"/>
-            </a:schemeClr>
-          </a:lnRef>
-          <a:fillRef idx="1">
-            <a:schemeClr val="accent1"/>
-          </a:fillRef>
-          <a:effectRef idx="0">
-            <a:srgbClr val="FFFFFF"/>
-          </a:effectRef>
-          <a:fontRef idx="minor">
-            <a:schemeClr val="lt1"/>
-          </a:fontRef>
-        </p:style>
-        <p:txBody>
-          <a:bodyPr rtlCol="0" anchor="ctr"/>
-          <a:lstStyle/>
-          <a:p>
-            <a:pPr algn="ctr"/>
-            <a:r>
-              <a:rPr lang="en-US" altLang="zh-HK" sz="1200"/>
-              <a:t>P2P</a:t>
-            </a:r>
-          </a:p>
-        </p:txBody>
-      </p:sp>
-      <p:sp>
-        <p:nvSpPr>
-          <p:cNvPr id="64" name="圓角矩形 63"/>
-          <p:cNvSpPr/>
-          <p:nvPr/>
-        </p:nvSpPr>
-        <p:spPr>
-          <a:xfrm>
-            <a:off x="7767955" y="4552315"/>
-            <a:ext cx="899160" cy="323215"/>
-          </a:xfrm>
-          <a:prstGeom prst="roundRect">
-            <a:avLst/>
-          </a:prstGeom>
-        </p:spPr>
-        <p:style>
-          <a:lnRef idx="2">
-            <a:schemeClr val="accent1">
-              <a:lumMod val="75000"/>
-            </a:schemeClr>
-          </a:lnRef>
-          <a:fillRef idx="1">
-            <a:schemeClr val="accent1"/>
-          </a:fillRef>
-          <a:effectRef idx="0">
-            <a:srgbClr val="FFFFFF"/>
-          </a:effectRef>
-          <a:fontRef idx="minor">
-            <a:schemeClr val="lt1"/>
-          </a:fontRef>
-        </p:style>
-        <p:txBody>
-          <a:bodyPr rtlCol="0" anchor="ctr"/>
-          <a:lstStyle/>
-          <a:p>
-            <a:pPr algn="ctr"/>
-            <a:r>
-              <a:rPr lang="zh-CN" altLang="en-US" sz="1200"/>
-              <a:t>丢包处理</a:t>
-            </a:r>
-          </a:p>
-        </p:txBody>
-      </p:sp>
-      <p:sp>
-        <p:nvSpPr>
-          <p:cNvPr id="65" name="文字框 64"/>
-          <p:cNvSpPr txBox="1"/>
-          <p:nvPr/>
-        </p:nvSpPr>
-        <p:spPr>
-          <a:xfrm>
-            <a:off x="2731770" y="5542915"/>
-            <a:ext cx="518160" cy="275590"/>
-          </a:xfrm>
-          <a:prstGeom prst="rect">
-            <a:avLst/>
-          </a:prstGeom>
-          <a:noFill/>
-        </p:spPr>
-        <p:txBody>
-          <a:bodyPr wrap="square" rtlCol="0">
-            <a:spAutoFit/>
-          </a:bodyPr>
-          <a:lstStyle/>
-          <a:p>
-            <a:r>
-              <a:rPr lang="zh-CN" altLang="zh-HK" sz="1200"/>
-              <a:t>容器</a:t>
-            </a:r>
-          </a:p>
-        </p:txBody>
-      </p:sp>
-      <p:sp>
-        <p:nvSpPr>
-          <p:cNvPr id="66" name="圓角矩形 65"/>
-          <p:cNvSpPr/>
-          <p:nvPr/>
-        </p:nvSpPr>
-        <p:spPr>
-          <a:xfrm>
-            <a:off x="2218055" y="5818505"/>
-            <a:ext cx="749300" cy="335280"/>
-          </a:xfrm>
-          <a:prstGeom prst="roundRect">
-            <a:avLst/>
-          </a:prstGeom>
-        </p:spPr>
-        <p:style>
-          <a:lnRef idx="2">
-            <a:schemeClr val="accent1">
-              <a:lumMod val="75000"/>
-            </a:schemeClr>
-          </a:lnRef>
-          <a:fillRef idx="1">
-            <a:schemeClr val="accent1"/>
-          </a:fillRef>
-          <a:effectRef idx="0">
-            <a:srgbClr val="FFFFFF"/>
-          </a:effectRef>
-          <a:fontRef idx="minor">
-            <a:schemeClr val="lt1"/>
-          </a:fontRef>
-        </p:style>
-        <p:txBody>
-          <a:bodyPr rtlCol="0" anchor="ctr"/>
-          <a:lstStyle/>
-          <a:p>
-            <a:pPr algn="ctr"/>
-            <a:r>
-              <a:rPr lang="en-US" altLang="zh-HK" sz="1200"/>
-              <a:t>win</a:t>
-            </a:r>
-            <a:r>
-              <a:rPr lang="zh-CN" altLang="en-US" sz="1200"/>
-              <a:t>沙盒</a:t>
-            </a:r>
-          </a:p>
-        </p:txBody>
-      </p:sp>
-      <p:sp>
-        <p:nvSpPr>
-          <p:cNvPr id="67" name="圓角矩形 66"/>
-          <p:cNvSpPr/>
-          <p:nvPr/>
-        </p:nvSpPr>
-        <p:spPr>
-          <a:xfrm>
-            <a:off x="3030220" y="5818505"/>
-            <a:ext cx="806450" cy="335280"/>
-          </a:xfrm>
-          <a:prstGeom prst="roundRect">
-            <a:avLst/>
-          </a:prstGeom>
-        </p:spPr>
-        <p:style>
-          <a:lnRef idx="2">
-            <a:schemeClr val="accent1">
-              <a:lumMod val="75000"/>
-            </a:schemeClr>
-          </a:lnRef>
-          <a:fillRef idx="1">
-            <a:schemeClr val="accent1"/>
-          </a:fillRef>
-          <a:effectRef idx="0">
-            <a:srgbClr val="FFFFFF"/>
-          </a:effectRef>
-          <a:fontRef idx="minor">
-            <a:schemeClr val="lt1"/>
-          </a:fontRef>
-        </p:style>
-        <p:txBody>
-          <a:bodyPr rtlCol="0" anchor="ctr"/>
-          <a:lstStyle/>
-          <a:p>
-            <a:pPr algn="ctr"/>
-            <a:r>
-              <a:rPr lang="en-US" altLang="zh-CN" sz="1200"/>
-              <a:t>android</a:t>
-            </a:r>
-            <a:r>
-              <a:rPr lang="zh-CN" altLang="en-US" sz="1200"/>
-              <a:t>容器</a:t>
-            </a:r>
-          </a:p>
-        </p:txBody>
-      </p:sp>
-      <p:sp>
-        <p:nvSpPr>
-          <p:cNvPr id="68" name="圓角矩形 67"/>
-          <p:cNvSpPr/>
-          <p:nvPr/>
-        </p:nvSpPr>
-        <p:spPr>
-          <a:xfrm>
-            <a:off x="2247900" y="6376670"/>
-            <a:ext cx="718820" cy="335280"/>
-          </a:xfrm>
-          <a:prstGeom prst="roundRect">
-            <a:avLst/>
-          </a:prstGeom>
-        </p:spPr>
-        <p:style>
-          <a:lnRef idx="2">
-            <a:schemeClr val="accent1">
-              <a:lumMod val="75000"/>
-            </a:schemeClr>
-          </a:lnRef>
-          <a:fillRef idx="1">
-            <a:schemeClr val="accent1"/>
-          </a:fillRef>
-          <a:effectRef idx="0">
-            <a:srgbClr val="FFFFFF"/>
-          </a:effectRef>
-          <a:fontRef idx="minor">
-            <a:schemeClr val="lt1"/>
-          </a:fontRef>
-        </p:style>
-        <p:txBody>
-          <a:bodyPr rtlCol="0" anchor="ctr"/>
-          <a:lstStyle/>
-          <a:p>
-            <a:pPr algn="ctr"/>
-            <a:r>
-              <a:rPr lang="zh-CN" sz="1200"/>
-              <a:t>设备多实例化</a:t>
-            </a:r>
-          </a:p>
-        </p:txBody>
-      </p:sp>
-      <p:sp>
-        <p:nvSpPr>
-          <p:cNvPr id="69" name="圓角矩形 68"/>
-          <p:cNvSpPr/>
-          <p:nvPr/>
-        </p:nvSpPr>
-        <p:spPr>
-          <a:xfrm>
-            <a:off x="3030220" y="6376670"/>
-            <a:ext cx="830580" cy="335280"/>
-          </a:xfrm>
-          <a:prstGeom prst="roundRect">
-            <a:avLst/>
-          </a:prstGeom>
-        </p:spPr>
-        <p:style>
-          <a:lnRef idx="2">
-            <a:schemeClr val="accent1">
-              <a:lumMod val="75000"/>
-            </a:schemeClr>
-          </a:lnRef>
-          <a:fillRef idx="1">
-            <a:schemeClr val="accent1"/>
-          </a:fillRef>
-          <a:effectRef idx="0">
-            <a:srgbClr val="FFFFFF"/>
-          </a:effectRef>
-          <a:fontRef idx="minor">
-            <a:schemeClr val="lt1"/>
-          </a:fontRef>
-        </p:style>
-        <p:txBody>
-          <a:bodyPr rtlCol="0" anchor="ctr"/>
-          <a:lstStyle/>
-          <a:p>
-            <a:pPr algn="ctr"/>
-            <a:r>
-              <a:rPr lang="zh-CN" sz="1200"/>
-              <a:t>资源隔离</a:t>
-            </a:r>
-          </a:p>
-        </p:txBody>
-      </p:sp>
-      <p:sp>
-        <p:nvSpPr>
-          <p:cNvPr id="70" name="矩形 69"/>
-          <p:cNvSpPr/>
-          <p:nvPr/>
-        </p:nvSpPr>
-        <p:spPr>
-          <a:xfrm>
-            <a:off x="6178550" y="5467350"/>
-            <a:ext cx="3185160" cy="1469390"/>
-          </a:xfrm>
-          <a:prstGeom prst="rect">
+          <a:solidFill>
+            <a:schemeClr val="accent6"/>
+          </a:solidFill>
+        </p:spPr>
+        <p:style>
+          <a:lnRef idx="2">
+            <a:schemeClr val="accent1">
+              <a:shade val="50000"/>
+            </a:schemeClr>
+          </a:lnRef>
+          <a:fillRef idx="1">
+            <a:schemeClr val="accent1"/>
+          </a:fillRef>
+          <a:effectRef idx="0">
+            <a:schemeClr val="accent1"/>
+          </a:effectRef>
+          <a:fontRef idx="minor">
+            <a:schemeClr val="lt1"/>
+          </a:fontRef>
+        </p:style>
+        <p:txBody>
+          <a:bodyPr rtlCol="0" anchor="ctr"/>
+          <a:lstStyle/>
+          <a:p>
+            <a:pPr algn="ctr"/>
+            <a:r>
+              <a:rPr lang="zh-CN" altLang="en-US" dirty="0" smtClean="0"/>
+              <a:t>平台</a:t>
+            </a:r>
+            <a:r>
+              <a:rPr lang="en-US" altLang="zh-CN" dirty="0" err="1" smtClean="0"/>
+              <a:t>Api</a:t>
+            </a:r>
+            <a:r>
+              <a:rPr lang="en-US" altLang="zh-CN" dirty="0" smtClean="0"/>
+              <a:t>/SDK</a:t>
+            </a:r>
+            <a:endParaRPr lang="zh-CN" altLang="en-US" dirty="0"/>
+          </a:p>
+        </p:txBody>
+      </p:sp>
+      <p:sp>
+        <p:nvSpPr>
+          <p:cNvPr id="21" name="矩形 20"/>
+          <p:cNvSpPr/>
+          <p:nvPr/>
+        </p:nvSpPr>
+        <p:spPr>
+          <a:xfrm>
+            <a:off x="1125940" y="4176215"/>
+            <a:ext cx="1330657" cy="252484"/>
+          </a:xfrm>
+          <a:prstGeom prst="rect">
+            <a:avLst/>
+          </a:prstGeom>
+          <a:solidFill>
+            <a:schemeClr val="accent6"/>
+          </a:solidFill>
+        </p:spPr>
+        <p:style>
+          <a:lnRef idx="2">
+            <a:schemeClr val="accent1">
+              <a:shade val="50000"/>
+            </a:schemeClr>
+          </a:lnRef>
+          <a:fillRef idx="1">
+            <a:schemeClr val="accent1"/>
+          </a:fillRef>
+          <a:effectRef idx="0">
+            <a:schemeClr val="accent1"/>
+          </a:effectRef>
+          <a:fontRef idx="minor">
+            <a:schemeClr val="lt1"/>
+          </a:fontRef>
+        </p:style>
+        <p:txBody>
+          <a:bodyPr rtlCol="0" anchor="ctr"/>
+          <a:lstStyle/>
+          <a:p>
+            <a:pPr algn="ctr"/>
+            <a:r>
+              <a:rPr lang="zh-CN" altLang="en-US" dirty="0" smtClean="0"/>
+              <a:t>资源管理</a:t>
+            </a:r>
+            <a:endParaRPr lang="zh-CN" altLang="en-US" dirty="0"/>
+          </a:p>
+        </p:txBody>
+      </p:sp>
+      <p:sp>
+        <p:nvSpPr>
+          <p:cNvPr id="22" name="矩形 21"/>
+          <p:cNvSpPr/>
+          <p:nvPr/>
+        </p:nvSpPr>
+        <p:spPr>
+          <a:xfrm>
+            <a:off x="5343097" y="4237631"/>
+            <a:ext cx="1330657" cy="252484"/>
+          </a:xfrm>
+          <a:prstGeom prst="rect">
+            <a:avLst/>
+          </a:prstGeom>
+          <a:solidFill>
+            <a:schemeClr val="accent6"/>
+          </a:solidFill>
+        </p:spPr>
+        <p:style>
+          <a:lnRef idx="2">
+            <a:schemeClr val="accent1">
+              <a:shade val="50000"/>
+            </a:schemeClr>
+          </a:lnRef>
+          <a:fillRef idx="1">
+            <a:schemeClr val="accent1"/>
+          </a:fillRef>
+          <a:effectRef idx="0">
+            <a:schemeClr val="accent1"/>
+          </a:effectRef>
+          <a:fontRef idx="minor">
+            <a:schemeClr val="lt1"/>
+          </a:fontRef>
+        </p:style>
+        <p:txBody>
+          <a:bodyPr rtlCol="0" anchor="ctr"/>
+          <a:lstStyle/>
+          <a:p>
+            <a:pPr algn="ctr"/>
+            <a:r>
+              <a:rPr lang="zh-CN" altLang="en-US" dirty="0" smtClean="0"/>
+              <a:t>安全鉴权</a:t>
+            </a:r>
+            <a:endParaRPr lang="zh-CN" altLang="en-US" dirty="0"/>
+          </a:p>
+        </p:txBody>
+      </p:sp>
+      <p:sp>
+        <p:nvSpPr>
+          <p:cNvPr id="23" name="矩形 22"/>
+          <p:cNvSpPr/>
+          <p:nvPr/>
+        </p:nvSpPr>
+        <p:spPr>
+          <a:xfrm>
+            <a:off x="9248633" y="4254692"/>
+            <a:ext cx="1330657" cy="252484"/>
+          </a:xfrm>
+          <a:prstGeom prst="rect">
+            <a:avLst/>
+          </a:prstGeom>
+          <a:solidFill>
+            <a:schemeClr val="accent6"/>
+          </a:solidFill>
+        </p:spPr>
+        <p:style>
+          <a:lnRef idx="2">
+            <a:schemeClr val="accent1">
+              <a:shade val="50000"/>
+            </a:schemeClr>
+          </a:lnRef>
+          <a:fillRef idx="1">
+            <a:schemeClr val="accent1"/>
+          </a:fillRef>
+          <a:effectRef idx="0">
+            <a:schemeClr val="accent1"/>
+          </a:effectRef>
+          <a:fontRef idx="minor">
+            <a:schemeClr val="lt1"/>
+          </a:fontRef>
+        </p:style>
+        <p:txBody>
+          <a:bodyPr rtlCol="0" anchor="ctr"/>
+          <a:lstStyle/>
+          <a:p>
+            <a:pPr algn="ctr"/>
+            <a:r>
+              <a:rPr lang="zh-CN" altLang="en-US" dirty="0" smtClean="0"/>
+              <a:t>订单管理</a:t>
+            </a:r>
+            <a:endParaRPr lang="zh-CN" altLang="en-US" dirty="0"/>
+          </a:p>
+        </p:txBody>
+      </p:sp>
+      <p:sp>
+        <p:nvSpPr>
+          <p:cNvPr id="24" name="矩形 23"/>
+          <p:cNvSpPr/>
+          <p:nvPr/>
+        </p:nvSpPr>
+        <p:spPr>
+          <a:xfrm>
+            <a:off x="1125940" y="4697105"/>
+            <a:ext cx="1330657" cy="252484"/>
+          </a:xfrm>
+          <a:prstGeom prst="rect">
+            <a:avLst/>
+          </a:prstGeom>
+          <a:solidFill>
+            <a:schemeClr val="accent6"/>
+          </a:solidFill>
+        </p:spPr>
+        <p:style>
+          <a:lnRef idx="2">
+            <a:schemeClr val="accent1">
+              <a:shade val="50000"/>
+            </a:schemeClr>
+          </a:lnRef>
+          <a:fillRef idx="1">
+            <a:schemeClr val="accent1"/>
+          </a:fillRef>
+          <a:effectRef idx="0">
+            <a:schemeClr val="accent1"/>
+          </a:effectRef>
+          <a:fontRef idx="minor">
+            <a:schemeClr val="lt1"/>
+          </a:fontRef>
+        </p:style>
+        <p:txBody>
+          <a:bodyPr rtlCol="0" anchor="ctr"/>
+          <a:lstStyle/>
+          <a:p>
+            <a:pPr algn="ctr"/>
+            <a:r>
+              <a:rPr lang="zh-CN" altLang="en-US" dirty="0" smtClean="0"/>
+              <a:t>调度方管理</a:t>
+            </a:r>
+            <a:endParaRPr lang="zh-CN" altLang="en-US" dirty="0"/>
+          </a:p>
+        </p:txBody>
+      </p:sp>
+      <p:sp>
+        <p:nvSpPr>
+          <p:cNvPr id="25" name="矩形 24"/>
+          <p:cNvSpPr/>
+          <p:nvPr/>
+        </p:nvSpPr>
+        <p:spPr>
+          <a:xfrm>
+            <a:off x="5406788" y="4694829"/>
+            <a:ext cx="1330657" cy="252484"/>
+          </a:xfrm>
+          <a:prstGeom prst="rect">
+            <a:avLst/>
+          </a:prstGeom>
+          <a:solidFill>
+            <a:schemeClr val="accent6"/>
+          </a:solidFill>
+        </p:spPr>
+        <p:style>
+          <a:lnRef idx="2">
+            <a:schemeClr val="accent1">
+              <a:shade val="50000"/>
+            </a:schemeClr>
+          </a:lnRef>
+          <a:fillRef idx="1">
+            <a:schemeClr val="accent1"/>
+          </a:fillRef>
+          <a:effectRef idx="0">
+            <a:schemeClr val="accent1"/>
+          </a:effectRef>
+          <a:fontRef idx="minor">
+            <a:schemeClr val="lt1"/>
+          </a:fontRef>
+        </p:style>
+        <p:txBody>
+          <a:bodyPr rtlCol="0" anchor="ctr"/>
+          <a:lstStyle/>
+          <a:p>
+            <a:pPr algn="ctr"/>
+            <a:r>
+              <a:rPr lang="zh-CN" altLang="en-US" dirty="0" smtClean="0"/>
+              <a:t>资源方管理</a:t>
+            </a:r>
+            <a:endParaRPr lang="zh-CN" altLang="en-US" dirty="0"/>
+          </a:p>
+        </p:txBody>
+      </p:sp>
+      <p:sp>
+        <p:nvSpPr>
+          <p:cNvPr id="26" name="矩形 25"/>
+          <p:cNvSpPr/>
+          <p:nvPr/>
+        </p:nvSpPr>
+        <p:spPr>
+          <a:xfrm>
+            <a:off x="9248633" y="4713026"/>
+            <a:ext cx="1330657" cy="252484"/>
+          </a:xfrm>
+          <a:prstGeom prst="rect">
+            <a:avLst/>
+          </a:prstGeom>
+          <a:solidFill>
+            <a:schemeClr val="accent6"/>
+          </a:solidFill>
+        </p:spPr>
+        <p:style>
+          <a:lnRef idx="2">
+            <a:schemeClr val="accent1">
+              <a:shade val="50000"/>
+            </a:schemeClr>
+          </a:lnRef>
+          <a:fillRef idx="1">
+            <a:schemeClr val="accent1"/>
+          </a:fillRef>
+          <a:effectRef idx="0">
+            <a:schemeClr val="accent1"/>
+          </a:effectRef>
+          <a:fontRef idx="minor">
+            <a:schemeClr val="lt1"/>
+          </a:fontRef>
+        </p:style>
+        <p:txBody>
+          <a:bodyPr rtlCol="0" anchor="ctr"/>
+          <a:lstStyle/>
+          <a:p>
+            <a:pPr algn="ctr"/>
+            <a:r>
+              <a:rPr lang="zh-CN" altLang="en-US" dirty="0" smtClean="0"/>
+              <a:t>收益管理</a:t>
+            </a:r>
+            <a:endParaRPr lang="zh-CN" altLang="en-US" dirty="0"/>
+          </a:p>
+        </p:txBody>
+      </p:sp>
+      <p:sp>
+        <p:nvSpPr>
+          <p:cNvPr id="2" name="上箭头 1"/>
+          <p:cNvSpPr/>
+          <p:nvPr/>
+        </p:nvSpPr>
+        <p:spPr>
+          <a:xfrm>
+            <a:off x="4589058" y="2616959"/>
+            <a:ext cx="2620370" cy="532263"/>
+          </a:xfrm>
+          <a:prstGeom prst="upArrow">
             <a:avLst/>
           </a:prstGeom>
           <a:solidFill>
@@ -5642,769 +4028,205 @@
         <p:style>
           <a:lnRef idx="2">
             <a:schemeClr val="accent1">
-              <a:lumMod val="75000"/>
-            </a:schemeClr>
-          </a:lnRef>
-          <a:fillRef idx="1">
-            <a:schemeClr val="accent1"/>
-          </a:fillRef>
-          <a:effectRef idx="0">
-            <a:srgbClr val="FFFFFF"/>
-          </a:effectRef>
-          <a:fontRef idx="minor">
-            <a:schemeClr val="lt1"/>
-          </a:fontRef>
-        </p:style>
-        <p:txBody>
-          <a:bodyPr rtlCol="0" anchor="ctr"/>
-          <a:lstStyle/>
-          <a:p>
-            <a:pPr algn="ctr"/>
-            <a:endParaRPr lang="zh-HK" altLang="en-US"/>
-          </a:p>
-        </p:txBody>
-      </p:sp>
-      <p:sp>
-        <p:nvSpPr>
-          <p:cNvPr id="71" name="文字框 70"/>
-          <p:cNvSpPr txBox="1"/>
-          <p:nvPr/>
-        </p:nvSpPr>
-        <p:spPr>
-          <a:xfrm>
-            <a:off x="6797675" y="5467350"/>
-            <a:ext cx="2044700" cy="306705"/>
-          </a:xfrm>
-          <a:prstGeom prst="rect">
-            <a:avLst/>
-          </a:prstGeom>
-          <a:noFill/>
-        </p:spPr>
-        <p:txBody>
-          <a:bodyPr wrap="square" rtlCol="0">
-            <a:spAutoFit/>
-          </a:bodyPr>
-          <a:lstStyle/>
-          <a:p>
-            <a:r>
-              <a:rPr lang="zh-CN" altLang="zh-HK" sz="1400"/>
-              <a:t>云端虚拟设备映射</a:t>
-            </a:r>
-          </a:p>
-        </p:txBody>
-      </p:sp>
-      <p:sp>
-        <p:nvSpPr>
-          <p:cNvPr id="72" name="圓角矩形 71"/>
-          <p:cNvSpPr/>
-          <p:nvPr/>
-        </p:nvSpPr>
-        <p:spPr>
-          <a:xfrm>
-            <a:off x="6283960" y="5835650"/>
-            <a:ext cx="1426845" cy="353060"/>
-          </a:xfrm>
-          <a:prstGeom prst="roundRect">
-            <a:avLst/>
-          </a:prstGeom>
-        </p:spPr>
-        <p:style>
-          <a:lnRef idx="2">
-            <a:schemeClr val="accent1">
-              <a:lumMod val="75000"/>
-            </a:schemeClr>
-          </a:lnRef>
-          <a:fillRef idx="1">
-            <a:schemeClr val="accent1"/>
-          </a:fillRef>
-          <a:effectRef idx="0">
-            <a:srgbClr val="FFFFFF"/>
-          </a:effectRef>
-          <a:fontRef idx="minor">
-            <a:schemeClr val="lt1"/>
-          </a:fontRef>
-        </p:style>
-        <p:txBody>
-          <a:bodyPr rtlCol="0" anchor="ctr"/>
-          <a:lstStyle/>
-          <a:p>
-            <a:pPr algn="ctr"/>
-            <a:r>
-              <a:rPr lang="zh-CN" altLang="zh-HK" sz="1200"/>
-              <a:t>虚拟设备通信协议接口</a:t>
-            </a:r>
-          </a:p>
-        </p:txBody>
-      </p:sp>
-      <p:sp>
-        <p:nvSpPr>
-          <p:cNvPr id="73" name="圓角矩形 72"/>
-          <p:cNvSpPr/>
-          <p:nvPr/>
-        </p:nvSpPr>
-        <p:spPr>
-          <a:xfrm>
-            <a:off x="7983220" y="5835650"/>
-            <a:ext cx="1257300" cy="353060"/>
-          </a:xfrm>
-          <a:prstGeom prst="roundRect">
-            <a:avLst/>
-          </a:prstGeom>
-        </p:spPr>
-        <p:style>
-          <a:lnRef idx="2">
-            <a:schemeClr val="accent1">
-              <a:lumMod val="75000"/>
-            </a:schemeClr>
-          </a:lnRef>
-          <a:fillRef idx="1">
-            <a:schemeClr val="accent1"/>
-          </a:fillRef>
-          <a:effectRef idx="0">
-            <a:srgbClr val="FFFFFF"/>
-          </a:effectRef>
-          <a:fontRef idx="minor">
-            <a:schemeClr val="lt1"/>
-          </a:fontRef>
-        </p:style>
-        <p:txBody>
-          <a:bodyPr rtlCol="0" anchor="ctr"/>
-          <a:lstStyle/>
-          <a:p>
-            <a:pPr algn="ctr"/>
-            <a:r>
-              <a:rPr lang="zh-CN" altLang="zh-HK" sz="1200"/>
-              <a:t>设备虚拟化</a:t>
-            </a:r>
-          </a:p>
-        </p:txBody>
-      </p:sp>
-      <p:sp>
-        <p:nvSpPr>
-          <p:cNvPr id="74" name="圓角矩形 73"/>
-          <p:cNvSpPr/>
-          <p:nvPr/>
-        </p:nvSpPr>
-        <p:spPr>
-          <a:xfrm>
-            <a:off x="6283960" y="6421755"/>
-            <a:ext cx="1426845" cy="353060"/>
-          </a:xfrm>
-          <a:prstGeom prst="roundRect">
-            <a:avLst/>
-          </a:prstGeom>
-        </p:spPr>
-        <p:style>
-          <a:lnRef idx="2">
-            <a:schemeClr val="accent1">
-              <a:lumMod val="75000"/>
-            </a:schemeClr>
-          </a:lnRef>
-          <a:fillRef idx="1">
-            <a:schemeClr val="accent1"/>
-          </a:fillRef>
-          <a:effectRef idx="0">
-            <a:srgbClr val="FFFFFF"/>
-          </a:effectRef>
-          <a:fontRef idx="minor">
-            <a:schemeClr val="lt1"/>
-          </a:fontRef>
-        </p:style>
-        <p:txBody>
-          <a:bodyPr rtlCol="0" anchor="ctr"/>
-          <a:lstStyle/>
-          <a:p>
-            <a:pPr algn="ctr"/>
-            <a:r>
-              <a:rPr lang="zh-CN" altLang="zh-HK" sz="1200"/>
-              <a:t>外设设备数据注入</a:t>
-            </a:r>
-          </a:p>
-        </p:txBody>
-      </p:sp>
-      <p:sp>
-        <p:nvSpPr>
-          <p:cNvPr id="75" name="圓角矩形 74"/>
-          <p:cNvSpPr/>
-          <p:nvPr/>
-        </p:nvSpPr>
-        <p:spPr>
-          <a:xfrm>
-            <a:off x="7839075" y="6421755"/>
-            <a:ext cx="1426845" cy="353060"/>
-          </a:xfrm>
-          <a:prstGeom prst="roundRect">
-            <a:avLst/>
-          </a:prstGeom>
-        </p:spPr>
-        <p:style>
-          <a:lnRef idx="2">
-            <a:schemeClr val="accent1">
-              <a:lumMod val="75000"/>
-            </a:schemeClr>
-          </a:lnRef>
-          <a:fillRef idx="1">
-            <a:schemeClr val="accent1"/>
-          </a:fillRef>
-          <a:effectRef idx="0">
-            <a:srgbClr val="FFFFFF"/>
-          </a:effectRef>
-          <a:fontRef idx="minor">
-            <a:schemeClr val="lt1"/>
-          </a:fontRef>
-        </p:style>
-        <p:txBody>
-          <a:bodyPr rtlCol="0" anchor="ctr"/>
-          <a:lstStyle/>
-          <a:p>
-            <a:pPr algn="ctr"/>
-            <a:r>
-              <a:rPr lang="zh-CN" altLang="zh-HK" sz="1200"/>
-              <a:t>设备地址空间转换</a:t>
-            </a:r>
-          </a:p>
-        </p:txBody>
-      </p:sp>
-      <p:sp>
-        <p:nvSpPr>
-          <p:cNvPr id="76" name="圓角矩形 75"/>
-          <p:cNvSpPr/>
-          <p:nvPr/>
-        </p:nvSpPr>
-        <p:spPr>
-          <a:xfrm>
-            <a:off x="10633710" y="415925"/>
-            <a:ext cx="1501140" cy="1962150"/>
-          </a:xfrm>
-          <a:prstGeom prst="roundRect">
-            <a:avLst/>
-          </a:prstGeom>
-          <a:solidFill>
-            <a:schemeClr val="accent1">
-              <a:lumMod val="75000"/>
-            </a:schemeClr>
-          </a:solidFill>
-        </p:spPr>
-        <p:style>
-          <a:lnRef idx="2">
-            <a:schemeClr val="accent1">
-              <a:lumMod val="75000"/>
-            </a:schemeClr>
-          </a:lnRef>
-          <a:fillRef idx="1">
-            <a:schemeClr val="accent1"/>
-          </a:fillRef>
-          <a:effectRef idx="0">
-            <a:srgbClr val="FFFFFF"/>
-          </a:effectRef>
-          <a:fontRef idx="minor">
-            <a:schemeClr val="lt1"/>
-          </a:fontRef>
-        </p:style>
-        <p:txBody>
-          <a:bodyPr rtlCol="0" anchor="ctr"/>
-          <a:lstStyle/>
-          <a:p>
-            <a:pPr algn="ctr"/>
-            <a:endParaRPr lang="zh-HK" altLang="en-US"/>
-          </a:p>
-        </p:txBody>
-      </p:sp>
-      <p:sp>
-        <p:nvSpPr>
-          <p:cNvPr id="77" name="文字框 76"/>
-          <p:cNvSpPr txBox="1"/>
-          <p:nvPr/>
-        </p:nvSpPr>
-        <p:spPr>
-          <a:xfrm>
-            <a:off x="10807065" y="581660"/>
-            <a:ext cx="4064000" cy="306705"/>
-          </a:xfrm>
-          <a:prstGeom prst="rect">
-            <a:avLst/>
-          </a:prstGeom>
-          <a:noFill/>
-        </p:spPr>
-        <p:txBody>
-          <a:bodyPr wrap="square" rtlCol="0">
-            <a:spAutoFit/>
-          </a:bodyPr>
-          <a:lstStyle/>
-          <a:p>
-            <a:r>
-              <a:rPr lang="zh-CN" altLang="zh-HK" sz="1400">
-                <a:solidFill>
-                  <a:schemeClr val="bg1"/>
-                </a:solidFill>
-              </a:rPr>
-              <a:t>大数据平台</a:t>
-            </a:r>
-          </a:p>
-        </p:txBody>
-      </p:sp>
-      <p:sp>
-        <p:nvSpPr>
-          <p:cNvPr id="79" name="圓角矩形 78"/>
-          <p:cNvSpPr/>
-          <p:nvPr/>
-        </p:nvSpPr>
-        <p:spPr>
-          <a:xfrm>
-            <a:off x="10793095" y="982980"/>
-            <a:ext cx="1182370" cy="240665"/>
-          </a:xfrm>
-          <a:prstGeom prst="roundRect">
-            <a:avLst/>
-          </a:prstGeom>
-        </p:spPr>
-        <p:style>
-          <a:lnRef idx="2">
-            <a:schemeClr val="accent1">
-              <a:lumMod val="75000"/>
-            </a:schemeClr>
-          </a:lnRef>
-          <a:fillRef idx="1">
-            <a:schemeClr val="accent1"/>
-          </a:fillRef>
-          <a:effectRef idx="0">
-            <a:srgbClr val="FFFFFF"/>
-          </a:effectRef>
-          <a:fontRef idx="minor">
-            <a:schemeClr val="lt1"/>
-          </a:fontRef>
-        </p:style>
-        <p:txBody>
-          <a:bodyPr rtlCol="0" anchor="ctr"/>
-          <a:lstStyle/>
-          <a:p>
-            <a:pPr algn="ctr"/>
-            <a:r>
-              <a:rPr lang="zh-CN" altLang="zh-HK" sz="1200"/>
-              <a:t>大数据接口层</a:t>
-            </a:r>
-          </a:p>
-        </p:txBody>
-      </p:sp>
-      <p:sp>
-        <p:nvSpPr>
-          <p:cNvPr id="80" name="圓角矩形 79"/>
-          <p:cNvSpPr/>
-          <p:nvPr/>
-        </p:nvSpPr>
-        <p:spPr>
-          <a:xfrm>
-            <a:off x="10793095" y="1842135"/>
-            <a:ext cx="1182370" cy="429260"/>
-          </a:xfrm>
-          <a:prstGeom prst="roundRect">
-            <a:avLst/>
-          </a:prstGeom>
-        </p:spPr>
-        <p:style>
-          <a:lnRef idx="2">
-            <a:schemeClr val="accent1">
-              <a:lumMod val="75000"/>
-            </a:schemeClr>
-          </a:lnRef>
-          <a:fillRef idx="1">
-            <a:schemeClr val="accent1"/>
-          </a:fillRef>
-          <a:effectRef idx="0">
-            <a:srgbClr val="FFFFFF"/>
-          </a:effectRef>
-          <a:fontRef idx="minor">
-            <a:schemeClr val="lt1"/>
-          </a:fontRef>
-        </p:style>
-        <p:txBody>
-          <a:bodyPr rtlCol="0" anchor="ctr"/>
-          <a:lstStyle/>
-          <a:p>
-            <a:pPr algn="ctr"/>
-            <a:r>
-              <a:rPr lang="zh-CN" altLang="zh-HK" sz="1200"/>
-              <a:t>大数据存储</a:t>
-            </a:r>
-          </a:p>
-        </p:txBody>
-      </p:sp>
-      <p:sp>
-        <p:nvSpPr>
-          <p:cNvPr id="81" name="圓角矩形 80"/>
-          <p:cNvSpPr/>
-          <p:nvPr/>
-        </p:nvSpPr>
-        <p:spPr>
-          <a:xfrm>
-            <a:off x="10709275" y="1452245"/>
-            <a:ext cx="1398270" cy="240665"/>
-          </a:xfrm>
-          <a:prstGeom prst="roundRect">
-            <a:avLst/>
-          </a:prstGeom>
-        </p:spPr>
-        <p:style>
-          <a:lnRef idx="2">
-            <a:schemeClr val="accent1">
-              <a:lumMod val="75000"/>
-            </a:schemeClr>
-          </a:lnRef>
-          <a:fillRef idx="1">
-            <a:schemeClr val="accent1"/>
-          </a:fillRef>
-          <a:effectRef idx="0">
-            <a:srgbClr val="FFFFFF"/>
-          </a:effectRef>
-          <a:fontRef idx="minor">
-            <a:schemeClr val="lt1"/>
-          </a:fontRef>
-        </p:style>
-        <p:txBody>
-          <a:bodyPr rtlCol="0" anchor="ctr"/>
-          <a:lstStyle/>
-          <a:p>
-            <a:pPr algn="ctr"/>
-            <a:r>
-              <a:rPr lang="zh-CN" altLang="zh-HK" sz="1200"/>
-              <a:t>数据处理与分析</a:t>
-            </a:r>
-          </a:p>
-        </p:txBody>
-      </p:sp>
-      <p:sp>
-        <p:nvSpPr>
-          <p:cNvPr id="82" name="圓角矩形 81"/>
-          <p:cNvSpPr/>
-          <p:nvPr/>
-        </p:nvSpPr>
-        <p:spPr>
-          <a:xfrm>
-            <a:off x="10739755" y="2537460"/>
-            <a:ext cx="1440180" cy="4307205"/>
-          </a:xfrm>
-          <a:prstGeom prst="roundRect">
-            <a:avLst/>
-          </a:prstGeom>
-          <a:solidFill>
-            <a:schemeClr val="accent1">
-              <a:lumMod val="75000"/>
-            </a:schemeClr>
-          </a:solidFill>
-        </p:spPr>
-        <p:style>
-          <a:lnRef idx="2">
-            <a:schemeClr val="accent1">
-              <a:lumMod val="75000"/>
-            </a:schemeClr>
-          </a:lnRef>
-          <a:fillRef idx="1">
-            <a:schemeClr val="accent1"/>
-          </a:fillRef>
-          <a:effectRef idx="0">
-            <a:srgbClr val="FFFFFF"/>
-          </a:effectRef>
-          <a:fontRef idx="minor">
-            <a:schemeClr val="lt1"/>
-          </a:fontRef>
-        </p:style>
-        <p:txBody>
-          <a:bodyPr rtlCol="0" anchor="ctr"/>
-          <a:lstStyle/>
-          <a:p>
-            <a:pPr algn="ctr"/>
-            <a:endParaRPr lang="zh-HK" altLang="en-US"/>
-          </a:p>
-        </p:txBody>
-      </p:sp>
-      <p:sp>
-        <p:nvSpPr>
-          <p:cNvPr id="83" name="文字框 82"/>
-          <p:cNvSpPr txBox="1"/>
-          <p:nvPr/>
-        </p:nvSpPr>
-        <p:spPr>
-          <a:xfrm>
-            <a:off x="10891520" y="2849880"/>
-            <a:ext cx="1215390" cy="275590"/>
-          </a:xfrm>
-          <a:prstGeom prst="rect">
-            <a:avLst/>
-          </a:prstGeom>
-          <a:noFill/>
-        </p:spPr>
-        <p:txBody>
-          <a:bodyPr wrap="square" rtlCol="0">
-            <a:spAutoFit/>
-          </a:bodyPr>
-          <a:lstStyle/>
-          <a:p>
-            <a:r>
-              <a:rPr lang="zh-CN" altLang="zh-HK" sz="1200">
-                <a:solidFill>
-                  <a:schemeClr val="bg1"/>
-                </a:solidFill>
-              </a:rPr>
-              <a:t>智能运营平台</a:t>
-            </a:r>
-          </a:p>
-        </p:txBody>
-      </p:sp>
-      <p:sp>
-        <p:nvSpPr>
-          <p:cNvPr id="84" name="圓角矩形 83"/>
-          <p:cNvSpPr/>
-          <p:nvPr/>
-        </p:nvSpPr>
-        <p:spPr>
-          <a:xfrm>
-            <a:off x="10891520" y="3275330"/>
-            <a:ext cx="1091565" cy="297815"/>
-          </a:xfrm>
-          <a:prstGeom prst="roundRect">
-            <a:avLst/>
-          </a:prstGeom>
-        </p:spPr>
-        <p:style>
-          <a:lnRef idx="2">
-            <a:schemeClr val="accent1">
-              <a:lumMod val="75000"/>
-            </a:schemeClr>
-          </a:lnRef>
-          <a:fillRef idx="1">
-            <a:schemeClr val="accent1"/>
-          </a:fillRef>
-          <a:effectRef idx="0">
-            <a:srgbClr val="FFFFFF"/>
-          </a:effectRef>
-          <a:fontRef idx="minor">
-            <a:schemeClr val="lt1"/>
-          </a:fontRef>
-        </p:style>
-        <p:txBody>
-          <a:bodyPr rtlCol="0" anchor="ctr"/>
-          <a:lstStyle/>
-          <a:p>
-            <a:pPr algn="ctr"/>
-            <a:r>
-              <a:rPr lang="zh-CN" altLang="zh-HK" sz="1000"/>
-              <a:t>统一门户入口</a:t>
-            </a:r>
-          </a:p>
-        </p:txBody>
-      </p:sp>
-      <p:sp>
-        <p:nvSpPr>
-          <p:cNvPr id="85" name="圓角矩形 84"/>
-          <p:cNvSpPr/>
-          <p:nvPr/>
-        </p:nvSpPr>
-        <p:spPr>
-          <a:xfrm>
-            <a:off x="10891520" y="3700145"/>
-            <a:ext cx="1091565" cy="297815"/>
-          </a:xfrm>
-          <a:prstGeom prst="roundRect">
-            <a:avLst/>
-          </a:prstGeom>
-        </p:spPr>
-        <p:style>
-          <a:lnRef idx="2">
-            <a:schemeClr val="accent1">
-              <a:lumMod val="75000"/>
-            </a:schemeClr>
-          </a:lnRef>
-          <a:fillRef idx="1">
-            <a:schemeClr val="accent1"/>
-          </a:fillRef>
-          <a:effectRef idx="0">
-            <a:srgbClr val="FFFFFF"/>
-          </a:effectRef>
-          <a:fontRef idx="minor">
-            <a:schemeClr val="lt1"/>
-          </a:fontRef>
-        </p:style>
-        <p:txBody>
-          <a:bodyPr rtlCol="0" anchor="ctr"/>
-          <a:lstStyle/>
-          <a:p>
-            <a:pPr algn="ctr"/>
-            <a:r>
-              <a:rPr lang="zh-CN" altLang="zh-HK" sz="1000"/>
-              <a:t>集中报警平台</a:t>
-            </a:r>
-          </a:p>
-        </p:txBody>
-      </p:sp>
-      <p:sp>
-        <p:nvSpPr>
-          <p:cNvPr id="86" name="圓角矩形 85"/>
-          <p:cNvSpPr/>
-          <p:nvPr/>
-        </p:nvSpPr>
-        <p:spPr>
-          <a:xfrm>
-            <a:off x="10891520" y="4207510"/>
-            <a:ext cx="1091565" cy="297815"/>
-          </a:xfrm>
-          <a:prstGeom prst="roundRect">
-            <a:avLst/>
-          </a:prstGeom>
-        </p:spPr>
-        <p:style>
-          <a:lnRef idx="2">
-            <a:schemeClr val="accent1">
-              <a:lumMod val="75000"/>
-            </a:schemeClr>
-          </a:lnRef>
-          <a:fillRef idx="1">
-            <a:schemeClr val="accent1"/>
-          </a:fillRef>
-          <a:effectRef idx="0">
-            <a:srgbClr val="FFFFFF"/>
-          </a:effectRef>
-          <a:fontRef idx="minor">
-            <a:schemeClr val="lt1"/>
-          </a:fontRef>
-        </p:style>
-        <p:txBody>
-          <a:bodyPr rtlCol="0" anchor="ctr"/>
-          <a:lstStyle/>
-          <a:p>
-            <a:pPr algn="ctr"/>
-            <a:r>
-              <a:rPr lang="zh-CN" altLang="zh-HK" sz="1000"/>
-              <a:t>服务流程管理</a:t>
-            </a:r>
-          </a:p>
-        </p:txBody>
-      </p:sp>
-      <p:sp>
-        <p:nvSpPr>
-          <p:cNvPr id="87" name="圓角矩形 86"/>
-          <p:cNvSpPr/>
-          <p:nvPr/>
-        </p:nvSpPr>
-        <p:spPr>
-          <a:xfrm>
-            <a:off x="10891520" y="4652010"/>
-            <a:ext cx="1091565" cy="297815"/>
-          </a:xfrm>
-          <a:prstGeom prst="roundRect">
-            <a:avLst/>
-          </a:prstGeom>
-        </p:spPr>
-        <p:style>
-          <a:lnRef idx="2">
-            <a:schemeClr val="accent1">
-              <a:lumMod val="75000"/>
-            </a:schemeClr>
-          </a:lnRef>
-          <a:fillRef idx="1">
-            <a:schemeClr val="accent1"/>
-          </a:fillRef>
-          <a:effectRef idx="0">
-            <a:srgbClr val="FFFFFF"/>
-          </a:effectRef>
-          <a:fontRef idx="minor">
-            <a:schemeClr val="lt1"/>
-          </a:fontRef>
-        </p:style>
-        <p:txBody>
-          <a:bodyPr rtlCol="0" anchor="ctr"/>
-          <a:lstStyle/>
-          <a:p>
-            <a:pPr algn="ctr"/>
-            <a:r>
-              <a:rPr lang="zh-CN" altLang="zh-HK" sz="1000"/>
-              <a:t>配置中心</a:t>
-            </a:r>
-          </a:p>
-        </p:txBody>
-      </p:sp>
-      <p:sp>
-        <p:nvSpPr>
-          <p:cNvPr id="88" name="圓角矩形 87"/>
-          <p:cNvSpPr/>
-          <p:nvPr/>
-        </p:nvSpPr>
-        <p:spPr>
-          <a:xfrm>
-            <a:off x="10914380" y="5169535"/>
-            <a:ext cx="1091565" cy="297815"/>
-          </a:xfrm>
-          <a:prstGeom prst="roundRect">
-            <a:avLst/>
-          </a:prstGeom>
-        </p:spPr>
-        <p:style>
-          <a:lnRef idx="2">
-            <a:schemeClr val="accent1">
-              <a:lumMod val="75000"/>
-            </a:schemeClr>
-          </a:lnRef>
-          <a:fillRef idx="1">
-            <a:schemeClr val="accent1"/>
-          </a:fillRef>
-          <a:effectRef idx="0">
-            <a:srgbClr val="FFFFFF"/>
-          </a:effectRef>
-          <a:fontRef idx="minor">
-            <a:schemeClr val="lt1"/>
-          </a:fontRef>
-        </p:style>
-        <p:txBody>
-          <a:bodyPr rtlCol="0" anchor="ctr"/>
-          <a:lstStyle/>
-          <a:p>
-            <a:pPr algn="ctr"/>
-            <a:r>
-              <a:rPr lang="zh-CN" altLang="zh-HK" sz="1000"/>
-              <a:t>资产管理</a:t>
-            </a:r>
-          </a:p>
-        </p:txBody>
-      </p:sp>
-      <p:sp>
-        <p:nvSpPr>
-          <p:cNvPr id="89" name="圓角矩形 88"/>
-          <p:cNvSpPr/>
-          <p:nvPr/>
-        </p:nvSpPr>
-        <p:spPr>
-          <a:xfrm>
-            <a:off x="10914380" y="5685790"/>
-            <a:ext cx="1091565" cy="297815"/>
-          </a:xfrm>
-          <a:prstGeom prst="roundRect">
-            <a:avLst/>
-          </a:prstGeom>
-        </p:spPr>
-        <p:style>
-          <a:lnRef idx="2">
-            <a:schemeClr val="accent1">
-              <a:lumMod val="75000"/>
-            </a:schemeClr>
-          </a:lnRef>
-          <a:fillRef idx="1">
-            <a:schemeClr val="accent1"/>
-          </a:fillRef>
-          <a:effectRef idx="0">
-            <a:srgbClr val="FFFFFF"/>
-          </a:effectRef>
-          <a:fontRef idx="minor">
-            <a:schemeClr val="lt1"/>
-          </a:fontRef>
-        </p:style>
-        <p:txBody>
-          <a:bodyPr rtlCol="0" anchor="ctr"/>
-          <a:lstStyle/>
-          <a:p>
-            <a:pPr algn="ctr"/>
-            <a:r>
-              <a:rPr lang="zh-CN" altLang="zh-HK" sz="800"/>
-              <a:t>数据及消息中间件</a:t>
-            </a:r>
+              <a:shade val="50000"/>
+            </a:schemeClr>
+          </a:lnRef>
+          <a:fillRef idx="1">
+            <a:schemeClr val="accent1"/>
+          </a:fillRef>
+          <a:effectRef idx="0">
+            <a:schemeClr val="accent1"/>
+          </a:effectRef>
+          <a:fontRef idx="minor">
+            <a:schemeClr val="lt1"/>
+          </a:fontRef>
+        </p:style>
+        <p:txBody>
+          <a:bodyPr rtlCol="0" anchor="ctr"/>
+          <a:lstStyle/>
+          <a:p>
+            <a:pPr algn="ctr"/>
+            <a:r>
+              <a:rPr lang="zh-CN" altLang="en-US" dirty="0" smtClean="0"/>
+              <a:t>整合输出</a:t>
+            </a:r>
+            <a:endParaRPr lang="zh-CN" altLang="en-US" dirty="0"/>
+          </a:p>
+        </p:txBody>
+      </p:sp>
+      <p:sp>
+        <p:nvSpPr>
+          <p:cNvPr id="3" name="矩形 2"/>
+          <p:cNvSpPr/>
+          <p:nvPr/>
+        </p:nvSpPr>
+        <p:spPr>
+          <a:xfrm>
+            <a:off x="893928" y="6039135"/>
+            <a:ext cx="2013044" cy="818865"/>
+          </a:xfrm>
+          <a:prstGeom prst="rect">
+            <a:avLst/>
+          </a:prstGeom>
+        </p:spPr>
+        <p:style>
+          <a:lnRef idx="2">
+            <a:schemeClr val="accent1">
+              <a:shade val="50000"/>
+            </a:schemeClr>
+          </a:lnRef>
+          <a:fillRef idx="1">
+            <a:schemeClr val="accent1"/>
+          </a:fillRef>
+          <a:effectRef idx="0">
+            <a:schemeClr val="accent1"/>
+          </a:effectRef>
+          <a:fontRef idx="minor">
+            <a:schemeClr val="lt1"/>
+          </a:fontRef>
+        </p:style>
+        <p:txBody>
+          <a:bodyPr rtlCol="0" anchor="ctr"/>
+          <a:lstStyle/>
+          <a:p>
+            <a:pPr algn="ctr"/>
+            <a:r>
+              <a:rPr lang="zh-CN" altLang="en-US" dirty="0" smtClean="0"/>
+              <a:t>自营机房</a:t>
+            </a:r>
+            <a:endParaRPr lang="zh-CN" altLang="en-US" dirty="0"/>
+          </a:p>
+        </p:txBody>
+      </p:sp>
+      <p:sp>
+        <p:nvSpPr>
+          <p:cNvPr id="27" name="矩形 26"/>
+          <p:cNvSpPr/>
+          <p:nvPr/>
+        </p:nvSpPr>
+        <p:spPr>
+          <a:xfrm>
+            <a:off x="4892721" y="6039133"/>
+            <a:ext cx="2013044" cy="818865"/>
+          </a:xfrm>
+          <a:prstGeom prst="rect">
+            <a:avLst/>
+          </a:prstGeom>
+        </p:spPr>
+        <p:style>
+          <a:lnRef idx="2">
+            <a:schemeClr val="accent1">
+              <a:shade val="50000"/>
+            </a:schemeClr>
+          </a:lnRef>
+          <a:fillRef idx="1">
+            <a:schemeClr val="accent1"/>
+          </a:fillRef>
+          <a:effectRef idx="0">
+            <a:schemeClr val="accent1"/>
+          </a:effectRef>
+          <a:fontRef idx="minor">
+            <a:schemeClr val="lt1"/>
+          </a:fontRef>
+        </p:style>
+        <p:txBody>
+          <a:bodyPr rtlCol="0" anchor="ctr"/>
+          <a:lstStyle/>
+          <a:p>
+            <a:pPr algn="ctr"/>
+            <a:r>
+              <a:rPr lang="zh-CN" altLang="en-US" dirty="0" smtClean="0"/>
+              <a:t>网吧</a:t>
+            </a:r>
+            <a:endParaRPr lang="zh-CN" altLang="en-US" dirty="0"/>
+          </a:p>
+        </p:txBody>
+      </p:sp>
+      <p:sp>
+        <p:nvSpPr>
+          <p:cNvPr id="28" name="矩形 27"/>
+          <p:cNvSpPr/>
+          <p:nvPr/>
+        </p:nvSpPr>
+        <p:spPr>
+          <a:xfrm>
+            <a:off x="8027726" y="6039134"/>
+            <a:ext cx="2013044" cy="818865"/>
+          </a:xfrm>
+          <a:prstGeom prst="rect">
+            <a:avLst/>
+          </a:prstGeom>
+        </p:spPr>
+        <p:style>
+          <a:lnRef idx="2">
+            <a:schemeClr val="accent1">
+              <a:shade val="50000"/>
+            </a:schemeClr>
+          </a:lnRef>
+          <a:fillRef idx="1">
+            <a:schemeClr val="accent1"/>
+          </a:fillRef>
+          <a:effectRef idx="0">
+            <a:schemeClr val="accent1"/>
+          </a:effectRef>
+          <a:fontRef idx="minor">
+            <a:schemeClr val="lt1"/>
+          </a:fontRef>
+        </p:style>
+        <p:txBody>
+          <a:bodyPr rtlCol="0" anchor="ctr"/>
+          <a:lstStyle/>
+          <a:p>
+            <a:pPr algn="ctr"/>
+            <a:r>
+              <a:rPr lang="zh-CN" altLang="en-US" dirty="0" smtClean="0"/>
+              <a:t>阿里云</a:t>
+            </a:r>
+            <a:endParaRPr lang="zh-CN" altLang="en-US" dirty="0"/>
+          </a:p>
+        </p:txBody>
+      </p:sp>
+      <p:sp>
+        <p:nvSpPr>
+          <p:cNvPr id="29" name="上箭头 28"/>
+          <p:cNvSpPr/>
+          <p:nvPr/>
+        </p:nvSpPr>
+        <p:spPr>
+          <a:xfrm>
+            <a:off x="4234218" y="5295333"/>
+            <a:ext cx="3527946" cy="416256"/>
+          </a:xfrm>
+          <a:prstGeom prst="upArrow">
+            <a:avLst/>
+          </a:prstGeom>
+        </p:spPr>
+        <p:style>
+          <a:lnRef idx="2">
+            <a:schemeClr val="accent1">
+              <a:shade val="50000"/>
+            </a:schemeClr>
+          </a:lnRef>
+          <a:fillRef idx="1">
+            <a:schemeClr val="accent1"/>
+          </a:fillRef>
+          <a:effectRef idx="0">
+            <a:schemeClr val="accent1"/>
+          </a:effectRef>
+          <a:fontRef idx="minor">
+            <a:schemeClr val="lt1"/>
+          </a:fontRef>
+        </p:style>
+        <p:txBody>
+          <a:bodyPr rtlCol="0" anchor="ctr"/>
+          <a:lstStyle/>
+          <a:p>
+            <a:pPr algn="ctr"/>
+            <a:r>
+              <a:rPr lang="zh-CN" altLang="en-US" dirty="0" smtClean="0"/>
+              <a:t>资源接入</a:t>
+            </a:r>
+            <a:endParaRPr lang="zh-CN" altLang="en-US" dirty="0"/>
           </a:p>
         </p:txBody>
       </p:sp>
@@ -7885,41 +5707,88 @@
       </p:grpSpPr>
       <p:sp>
         <p:nvSpPr>
-          <p:cNvPr id="4" name="矩形 3"/>
-          <p:cNvSpPr/>
-          <p:nvPr/>
-        </p:nvSpPr>
-        <p:spPr>
-          <a:xfrm>
-            <a:off x="1900450" y="409337"/>
-            <a:ext cx="3507475" cy="2033516"/>
-          </a:xfrm>
-          <a:prstGeom prst="rect">
-            <a:avLst/>
-          </a:prstGeom>
-        </p:spPr>
-        <p:style>
-          <a:lnRef idx="2">
-            <a:schemeClr val="accent1">
-              <a:shade val="50000"/>
-            </a:schemeClr>
-          </a:lnRef>
-          <a:fillRef idx="1">
-            <a:schemeClr val="accent1"/>
-          </a:fillRef>
-          <a:effectRef idx="0">
-            <a:schemeClr val="accent1"/>
-          </a:effectRef>
-          <a:fontRef idx="minor">
-            <a:schemeClr val="lt1"/>
-          </a:fontRef>
-        </p:style>
-        <p:txBody>
-          <a:bodyPr rtlCol="0" anchor="ctr"/>
-          <a:lstStyle/>
-          <a:p>
-            <a:pPr lvl="1" algn="ctr"/>
-            <a:endParaRPr lang="zh-CN" altLang="en-US" sz="1200" dirty="0"/>
+          <p:cNvPr id="2" name="Title 1"/>
+          <p:cNvSpPr>
+            <a:spLocks noGrp="1"/>
+          </p:cNvSpPr>
+          <p:nvPr>
+            <p:ph type="ctrTitle"/>
+          </p:nvPr>
+        </p:nvSpPr>
+        <p:spPr>
+          <a:xfrm>
+            <a:off x="273685" y="140335"/>
+            <a:ext cx="3883660" cy="441325"/>
+          </a:xfrm>
+        </p:spPr>
+        <p:txBody>
+          <a:bodyPr>
+            <a:normAutofit fontScale="90000"/>
+          </a:bodyPr>
+          <a:lstStyle/>
+          <a:p>
+            <a:pPr algn="ctr"/>
+            <a:r>
+              <a:rPr lang="zh-HK" altLang="en-US" sz="3555" dirty="0">
+                <a:solidFill>
+                  <a:schemeClr val="accent5">
+                    <a:lumMod val="75000"/>
+                  </a:schemeClr>
+                </a:solidFill>
+              </a:rPr>
+              <a:t>云电脑平台架构</a:t>
+            </a:r>
+          </a:p>
+        </p:txBody>
+      </p:sp>
+      <p:sp>
+        <p:nvSpPr>
+          <p:cNvPr id="4" name="圓角矩形 3"/>
+          <p:cNvSpPr/>
+          <p:nvPr/>
+        </p:nvSpPr>
+        <p:spPr>
+          <a:xfrm>
+            <a:off x="224790" y="553720"/>
+            <a:ext cx="4863465" cy="745490"/>
+          </a:xfrm>
+          <a:prstGeom prst="roundRect">
+            <a:avLst/>
+          </a:prstGeom>
+          <a:solidFill>
+            <a:schemeClr val="accent1">
+              <a:lumMod val="75000"/>
+            </a:schemeClr>
+          </a:solidFill>
+        </p:spPr>
+        <p:style>
+          <a:lnRef idx="0">
+            <a:srgbClr val="FFFFFF"/>
+          </a:lnRef>
+          <a:fillRef idx="1">
+            <a:schemeClr val="accent1"/>
+          </a:fillRef>
+          <a:effectRef idx="0">
+            <a:srgbClr val="FFFFFF"/>
+          </a:effectRef>
+          <a:fontRef idx="minor">
+            <a:schemeClr val="lt1"/>
+          </a:fontRef>
+        </p:style>
+        <p:txBody>
+          <a:bodyPr rtlCol="0" anchor="ctr"/>
+          <a:lstStyle/>
+          <a:p>
+            <a:pPr algn="ctr">
+              <a:lnSpc>
+                <a:spcPct val="0"/>
+              </a:lnSpc>
+            </a:pPr>
+            <a:r>
+              <a:rPr lang="zh-CN" altLang="zh-HK" dirty="0" smtClean="0"/>
+              <a:t>接口层</a:t>
+            </a:r>
+            <a:endParaRPr lang="zh-CN" altLang="zh-HK" dirty="0"/>
           </a:p>
         </p:txBody>
       </p:sp>
@@ -7927,412 +5796,973 @@
         <p:nvSpPr>
           <p:cNvPr id="5" name="矩形 4"/>
           <p:cNvSpPr/>
-          <p:nvPr/>
-        </p:nvSpPr>
-        <p:spPr>
-          <a:xfrm>
-            <a:off x="2511187" y="2067637"/>
-            <a:ext cx="1978926" cy="368489"/>
-          </a:xfrm>
-          <a:prstGeom prst="rect">
-            <a:avLst/>
-          </a:prstGeom>
-        </p:spPr>
-        <p:style>
-          <a:lnRef idx="2">
-            <a:schemeClr val="accent1">
-              <a:shade val="50000"/>
-            </a:schemeClr>
-          </a:lnRef>
-          <a:fillRef idx="1">
-            <a:schemeClr val="accent1"/>
-          </a:fillRef>
-          <a:effectRef idx="0">
-            <a:schemeClr val="accent1"/>
-          </a:effectRef>
-          <a:fontRef idx="minor">
-            <a:schemeClr val="lt1"/>
-          </a:fontRef>
-        </p:style>
-        <p:txBody>
-          <a:bodyPr rtlCol="0" anchor="ctr"/>
-          <a:lstStyle/>
-          <a:p>
-            <a:pPr algn="ctr"/>
-            <a:r>
-              <a:rPr lang="zh-CN" altLang="en-US" dirty="0" smtClean="0"/>
-              <a:t>自营云电脑平台</a:t>
-            </a:r>
-            <a:endParaRPr lang="zh-CN" altLang="en-US" dirty="0"/>
-          </a:p>
-        </p:txBody>
-      </p:sp>
-      <p:sp>
-        <p:nvSpPr>
-          <p:cNvPr id="6" name="圆角矩形 5"/>
-          <p:cNvSpPr/>
-          <p:nvPr/>
-        </p:nvSpPr>
-        <p:spPr>
-          <a:xfrm>
-            <a:off x="2111991" y="716505"/>
-            <a:ext cx="1480782" cy="286603"/>
+          <p:nvPr>
+            <p:custDataLst>
+              <p:tags r:id="rId1"/>
+            </p:custDataLst>
+          </p:nvPr>
+        </p:nvSpPr>
+        <p:spPr>
+          <a:xfrm>
+            <a:off x="248603" y="835196"/>
+            <a:ext cx="1188720" cy="454660"/>
+          </a:xfrm>
+          <a:prstGeom prst="rect">
+            <a:avLst/>
+          </a:prstGeom>
+          <a:solidFill>
+            <a:schemeClr val="accent1"/>
+          </a:solidFill>
+        </p:spPr>
+        <p:style>
+          <a:lnRef idx="2">
+            <a:schemeClr val="accent1">
+              <a:shade val="50000"/>
+            </a:schemeClr>
+          </a:lnRef>
+          <a:fillRef idx="1">
+            <a:schemeClr val="accent1"/>
+          </a:fillRef>
+          <a:effectRef idx="0">
+            <a:schemeClr val="accent1"/>
+          </a:effectRef>
+          <a:fontRef idx="minor">
+            <a:schemeClr val="lt1"/>
+          </a:fontRef>
+        </p:style>
+        <p:txBody>
+          <a:bodyPr rtlCol="0" anchor="ctr"/>
+          <a:lstStyle/>
+          <a:p>
+            <a:pPr algn="ctr"/>
+            <a:r>
+              <a:rPr lang="zh-CN" altLang="en-US" sz="1200" dirty="0"/>
+              <a:t>客户主服务</a:t>
+            </a:r>
+          </a:p>
+        </p:txBody>
+      </p:sp>
+      <p:sp>
+        <p:nvSpPr>
+          <p:cNvPr id="6" name="矩形 5"/>
+          <p:cNvSpPr/>
+          <p:nvPr>
+            <p:custDataLst>
+              <p:tags r:id="rId2"/>
+            </p:custDataLst>
+          </p:nvPr>
+        </p:nvSpPr>
+        <p:spPr>
+          <a:xfrm>
+            <a:off x="3512185" y="789940"/>
+            <a:ext cx="1377315" cy="454660"/>
+          </a:xfrm>
+          <a:prstGeom prst="rect">
+            <a:avLst/>
+          </a:prstGeom>
+          <a:solidFill>
+            <a:schemeClr val="accent1"/>
+          </a:solidFill>
+        </p:spPr>
+        <p:style>
+          <a:lnRef idx="2">
+            <a:schemeClr val="accent1">
+              <a:shade val="50000"/>
+            </a:schemeClr>
+          </a:lnRef>
+          <a:fillRef idx="1">
+            <a:schemeClr val="accent1"/>
+          </a:fillRef>
+          <a:effectRef idx="0">
+            <a:schemeClr val="accent1"/>
+          </a:effectRef>
+          <a:fontRef idx="minor">
+            <a:schemeClr val="lt1"/>
+          </a:fontRef>
+        </p:style>
+        <p:txBody>
+          <a:bodyPr rtlCol="0" anchor="ctr"/>
+          <a:lstStyle/>
+          <a:p>
+            <a:pPr algn="ctr"/>
+            <a:r>
+              <a:rPr lang="en-US" altLang="zh-CN" sz="1200" dirty="0"/>
+              <a:t>SDK</a:t>
+            </a:r>
+          </a:p>
+        </p:txBody>
+      </p:sp>
+      <p:sp>
+        <p:nvSpPr>
+          <p:cNvPr id="7" name="矩形 6"/>
+          <p:cNvSpPr/>
+          <p:nvPr>
+            <p:custDataLst>
+              <p:tags r:id="rId3"/>
+            </p:custDataLst>
+          </p:nvPr>
+        </p:nvSpPr>
+        <p:spPr>
+          <a:xfrm>
+            <a:off x="1707989" y="844550"/>
+            <a:ext cx="1494790" cy="454660"/>
+          </a:xfrm>
+          <a:prstGeom prst="rect">
+            <a:avLst/>
+          </a:prstGeom>
+          <a:solidFill>
+            <a:schemeClr val="accent1"/>
+          </a:solidFill>
+        </p:spPr>
+        <p:style>
+          <a:lnRef idx="2">
+            <a:schemeClr val="accent1">
+              <a:shade val="50000"/>
+            </a:schemeClr>
+          </a:lnRef>
+          <a:fillRef idx="1">
+            <a:schemeClr val="accent1"/>
+          </a:fillRef>
+          <a:effectRef idx="0">
+            <a:schemeClr val="accent1"/>
+          </a:effectRef>
+          <a:fontRef idx="minor">
+            <a:schemeClr val="lt1"/>
+          </a:fontRef>
+        </p:style>
+        <p:txBody>
+          <a:bodyPr rtlCol="0" anchor="ctr"/>
+          <a:lstStyle/>
+          <a:p>
+            <a:pPr algn="ctr"/>
+            <a:r>
+              <a:rPr lang="en-US" altLang="zh-CN" sz="1200" dirty="0"/>
+              <a:t>API</a:t>
+            </a:r>
+          </a:p>
+        </p:txBody>
+      </p:sp>
+      <p:sp>
+        <p:nvSpPr>
+          <p:cNvPr id="11" name="圓角矩形 10"/>
+          <p:cNvSpPr/>
+          <p:nvPr/>
+        </p:nvSpPr>
+        <p:spPr>
+          <a:xfrm>
+            <a:off x="5269865" y="553720"/>
+            <a:ext cx="5068570" cy="748030"/>
           </a:xfrm>
           <a:prstGeom prst="roundRect">
             <a:avLst/>
           </a:prstGeom>
-        </p:spPr>
-        <p:style>
-          <a:lnRef idx="2">
-            <a:schemeClr val="accent6">
-              <a:shade val="50000"/>
-            </a:schemeClr>
-          </a:lnRef>
-          <a:fillRef idx="1">
-            <a:schemeClr val="accent6"/>
-          </a:fillRef>
-          <a:effectRef idx="0">
-            <a:schemeClr val="accent6"/>
-          </a:effectRef>
-          <a:fontRef idx="minor">
-            <a:schemeClr val="lt1"/>
-          </a:fontRef>
-        </p:style>
-        <p:txBody>
-          <a:bodyPr rtlCol="0" anchor="ctr"/>
-          <a:lstStyle/>
-          <a:p>
-            <a:pPr algn="ctr"/>
-            <a:r>
-              <a:rPr lang="zh-CN" altLang="en-US" dirty="0" smtClean="0"/>
-              <a:t>登录</a:t>
-            </a:r>
-            <a:r>
-              <a:rPr lang="en-US" altLang="zh-CN" dirty="0" smtClean="0"/>
-              <a:t>/</a:t>
-            </a:r>
-            <a:r>
-              <a:rPr lang="zh-CN" altLang="en-US" dirty="0" smtClean="0"/>
-              <a:t>注册</a:t>
-            </a:r>
-            <a:endParaRPr lang="zh-CN" altLang="en-US" dirty="0"/>
-          </a:p>
-        </p:txBody>
-      </p:sp>
-      <p:sp>
-        <p:nvSpPr>
-          <p:cNvPr id="7" name="圆角矩形 6"/>
-          <p:cNvSpPr/>
-          <p:nvPr/>
-        </p:nvSpPr>
-        <p:spPr>
-          <a:xfrm>
-            <a:off x="2111991" y="1204366"/>
-            <a:ext cx="1480782" cy="286603"/>
+          <a:solidFill>
+            <a:schemeClr val="accent1">
+              <a:lumMod val="75000"/>
+            </a:schemeClr>
+          </a:solidFill>
+        </p:spPr>
+        <p:style>
+          <a:lnRef idx="0">
+            <a:srgbClr val="FFFFFF"/>
+          </a:lnRef>
+          <a:fillRef idx="1">
+            <a:schemeClr val="accent1"/>
+          </a:fillRef>
+          <a:effectRef idx="0">
+            <a:srgbClr val="FFFFFF"/>
+          </a:effectRef>
+          <a:fontRef idx="minor">
+            <a:schemeClr val="lt1"/>
+          </a:fontRef>
+        </p:style>
+        <p:txBody>
+          <a:bodyPr rtlCol="0" anchor="ctr"/>
+          <a:lstStyle/>
+          <a:p>
+            <a:pPr algn="ctr">
+              <a:lnSpc>
+                <a:spcPct val="0"/>
+              </a:lnSpc>
+            </a:pPr>
+            <a:r>
+              <a:rPr lang="zh-CN" altLang="zh-HK"/>
+              <a:t>管理层</a:t>
+            </a:r>
+          </a:p>
+        </p:txBody>
+      </p:sp>
+      <p:sp>
+        <p:nvSpPr>
+          <p:cNvPr id="12" name="矩形 11"/>
+          <p:cNvSpPr/>
+          <p:nvPr>
+            <p:custDataLst>
+              <p:tags r:id="rId4"/>
+            </p:custDataLst>
+          </p:nvPr>
+        </p:nvSpPr>
+        <p:spPr>
+          <a:xfrm>
+            <a:off x="5302885" y="847090"/>
+            <a:ext cx="848995" cy="454660"/>
+          </a:xfrm>
+          <a:prstGeom prst="rect">
+            <a:avLst/>
+          </a:prstGeom>
+          <a:solidFill>
+            <a:schemeClr val="accent1"/>
+          </a:solidFill>
+        </p:spPr>
+        <p:style>
+          <a:lnRef idx="2">
+            <a:schemeClr val="accent1">
+              <a:shade val="50000"/>
+            </a:schemeClr>
+          </a:lnRef>
+          <a:fillRef idx="1">
+            <a:schemeClr val="accent1"/>
+          </a:fillRef>
+          <a:effectRef idx="0">
+            <a:schemeClr val="accent1"/>
+          </a:effectRef>
+          <a:fontRef idx="minor">
+            <a:schemeClr val="lt1"/>
+          </a:fontRef>
+        </p:style>
+        <p:txBody>
+          <a:bodyPr rtlCol="0" anchor="ctr"/>
+          <a:lstStyle/>
+          <a:p>
+            <a:pPr algn="ctr"/>
+            <a:r>
+              <a:rPr lang="zh-CN" altLang="en-US" sz="1200" dirty="0"/>
+              <a:t>租户管理</a:t>
+            </a:r>
+          </a:p>
+        </p:txBody>
+      </p:sp>
+      <p:sp>
+        <p:nvSpPr>
+          <p:cNvPr id="13" name="矩形 12"/>
+          <p:cNvSpPr/>
+          <p:nvPr>
+            <p:custDataLst>
+              <p:tags r:id="rId5"/>
+            </p:custDataLst>
+          </p:nvPr>
+        </p:nvSpPr>
+        <p:spPr>
+          <a:xfrm>
+            <a:off x="6172835" y="847090"/>
+            <a:ext cx="893445" cy="454660"/>
+          </a:xfrm>
+          <a:prstGeom prst="rect">
+            <a:avLst/>
+          </a:prstGeom>
+          <a:solidFill>
+            <a:schemeClr val="accent1"/>
+          </a:solidFill>
+        </p:spPr>
+        <p:style>
+          <a:lnRef idx="2">
+            <a:schemeClr val="accent1">
+              <a:shade val="50000"/>
+            </a:schemeClr>
+          </a:lnRef>
+          <a:fillRef idx="1">
+            <a:schemeClr val="accent1"/>
+          </a:fillRef>
+          <a:effectRef idx="0">
+            <a:schemeClr val="accent1"/>
+          </a:effectRef>
+          <a:fontRef idx="minor">
+            <a:schemeClr val="lt1"/>
+          </a:fontRef>
+        </p:style>
+        <p:txBody>
+          <a:bodyPr rtlCol="0" anchor="ctr"/>
+          <a:lstStyle/>
+          <a:p>
+            <a:pPr algn="ctr"/>
+            <a:r>
+              <a:rPr lang="zh-CN" altLang="en-US" sz="1200" dirty="0"/>
+              <a:t>用户管理</a:t>
+            </a:r>
+          </a:p>
+        </p:txBody>
+      </p:sp>
+      <p:sp>
+        <p:nvSpPr>
+          <p:cNvPr id="14" name="矩形 13"/>
+          <p:cNvSpPr/>
+          <p:nvPr>
+            <p:custDataLst>
+              <p:tags r:id="rId6"/>
+            </p:custDataLst>
+          </p:nvPr>
+        </p:nvSpPr>
+        <p:spPr>
+          <a:xfrm>
+            <a:off x="7105650" y="847090"/>
+            <a:ext cx="928370" cy="454660"/>
+          </a:xfrm>
+          <a:prstGeom prst="rect">
+            <a:avLst/>
+          </a:prstGeom>
+          <a:solidFill>
+            <a:schemeClr val="accent1"/>
+          </a:solidFill>
+        </p:spPr>
+        <p:style>
+          <a:lnRef idx="2">
+            <a:schemeClr val="accent1">
+              <a:shade val="50000"/>
+            </a:schemeClr>
+          </a:lnRef>
+          <a:fillRef idx="1">
+            <a:schemeClr val="accent1"/>
+          </a:fillRef>
+          <a:effectRef idx="0">
+            <a:schemeClr val="accent1"/>
+          </a:effectRef>
+          <a:fontRef idx="minor">
+            <a:schemeClr val="lt1"/>
+          </a:fontRef>
+        </p:style>
+        <p:txBody>
+          <a:bodyPr rtlCol="0" anchor="ctr"/>
+          <a:lstStyle/>
+          <a:p>
+            <a:pPr algn="ctr"/>
+            <a:r>
+              <a:rPr lang="zh-CN" altLang="en-US" sz="1200" dirty="0"/>
+              <a:t>计费管理</a:t>
+            </a:r>
+          </a:p>
+        </p:txBody>
+      </p:sp>
+      <p:sp>
+        <p:nvSpPr>
+          <p:cNvPr id="15" name="矩形 14"/>
+          <p:cNvSpPr/>
+          <p:nvPr>
+            <p:custDataLst>
+              <p:tags r:id="rId7"/>
+            </p:custDataLst>
+          </p:nvPr>
+        </p:nvSpPr>
+        <p:spPr>
+          <a:xfrm>
+            <a:off x="8075930" y="847090"/>
+            <a:ext cx="1097280" cy="454660"/>
+          </a:xfrm>
+          <a:prstGeom prst="rect">
+            <a:avLst/>
+          </a:prstGeom>
+          <a:solidFill>
+            <a:schemeClr val="accent1"/>
+          </a:solidFill>
+        </p:spPr>
+        <p:style>
+          <a:lnRef idx="2">
+            <a:schemeClr val="accent1">
+              <a:shade val="50000"/>
+            </a:schemeClr>
+          </a:lnRef>
+          <a:fillRef idx="1">
+            <a:schemeClr val="accent1"/>
+          </a:fillRef>
+          <a:effectRef idx="0">
+            <a:schemeClr val="accent1"/>
+          </a:effectRef>
+          <a:fontRef idx="minor">
+            <a:schemeClr val="lt1"/>
+          </a:fontRef>
+        </p:style>
+        <p:txBody>
+          <a:bodyPr rtlCol="0" anchor="ctr"/>
+          <a:lstStyle/>
+          <a:p>
+            <a:pPr algn="ctr"/>
+            <a:r>
+              <a:rPr lang="zh-CN" altLang="en-US" sz="1200" dirty="0"/>
+              <a:t>认证管理</a:t>
+            </a:r>
+          </a:p>
+        </p:txBody>
+      </p:sp>
+      <p:sp>
+        <p:nvSpPr>
+          <p:cNvPr id="16" name="圓角矩形 15"/>
+          <p:cNvSpPr/>
+          <p:nvPr/>
+        </p:nvSpPr>
+        <p:spPr>
+          <a:xfrm>
+            <a:off x="207010" y="1368425"/>
+            <a:ext cx="10284460" cy="1010285"/>
           </a:xfrm>
           <a:prstGeom prst="roundRect">
             <a:avLst/>
           </a:prstGeom>
-        </p:spPr>
-        <p:style>
-          <a:lnRef idx="2">
-            <a:schemeClr val="accent6">
-              <a:shade val="50000"/>
-            </a:schemeClr>
-          </a:lnRef>
-          <a:fillRef idx="1">
-            <a:schemeClr val="accent6"/>
-          </a:fillRef>
-          <a:effectRef idx="0">
-            <a:schemeClr val="accent6"/>
-          </a:effectRef>
-          <a:fontRef idx="minor">
-            <a:schemeClr val="lt1"/>
-          </a:fontRef>
-        </p:style>
-        <p:txBody>
-          <a:bodyPr rtlCol="0" anchor="ctr"/>
-          <a:lstStyle/>
-          <a:p>
-            <a:pPr algn="ctr"/>
-            <a:r>
-              <a:rPr lang="zh-CN" altLang="en-US" dirty="0" smtClean="0"/>
-              <a:t>订单管理</a:t>
-            </a:r>
-            <a:endParaRPr lang="zh-CN" altLang="en-US" dirty="0"/>
-          </a:p>
-        </p:txBody>
-      </p:sp>
-      <p:sp>
-        <p:nvSpPr>
-          <p:cNvPr id="8" name="圆角矩形 7"/>
-          <p:cNvSpPr/>
-          <p:nvPr/>
-        </p:nvSpPr>
-        <p:spPr>
-          <a:xfrm>
-            <a:off x="2111991" y="1637166"/>
-            <a:ext cx="1480782" cy="286603"/>
+          <a:solidFill>
+            <a:schemeClr val="accent1">
+              <a:lumMod val="75000"/>
+            </a:schemeClr>
+          </a:solidFill>
+        </p:spPr>
+        <p:style>
+          <a:lnRef idx="0">
+            <a:srgbClr val="FFFFFF"/>
+          </a:lnRef>
+          <a:fillRef idx="1">
+            <a:schemeClr val="accent1"/>
+          </a:fillRef>
+          <a:effectRef idx="0">
+            <a:srgbClr val="FFFFFF"/>
+          </a:effectRef>
+          <a:fontRef idx="minor">
+            <a:schemeClr val="lt1"/>
+          </a:fontRef>
+        </p:style>
+        <p:txBody>
+          <a:bodyPr rtlCol="0" anchor="ctr"/>
+          <a:lstStyle/>
+          <a:p>
+            <a:pPr algn="ctr">
+              <a:lnSpc>
+                <a:spcPct val="0"/>
+              </a:lnSpc>
+            </a:pPr>
+            <a:r>
+              <a:rPr lang="zh-CN" altLang="zh-HK"/>
+              <a:t>微服务平台</a:t>
+            </a:r>
+          </a:p>
+          <a:p>
+            <a:pPr algn="ctr">
+              <a:lnSpc>
+                <a:spcPct val="0"/>
+              </a:lnSpc>
+            </a:pPr>
+            <a:endParaRPr lang="zh-CN" altLang="zh-HK"/>
+          </a:p>
+        </p:txBody>
+      </p:sp>
+      <p:sp>
+        <p:nvSpPr>
+          <p:cNvPr id="17" name="矩形 16"/>
+          <p:cNvSpPr/>
+          <p:nvPr>
+            <p:custDataLst>
+              <p:tags r:id="rId8"/>
+            </p:custDataLst>
+          </p:nvPr>
+        </p:nvSpPr>
+        <p:spPr>
+          <a:xfrm>
+            <a:off x="207010" y="1842135"/>
+            <a:ext cx="1370965" cy="454660"/>
+          </a:xfrm>
+          <a:prstGeom prst="rect">
+            <a:avLst/>
+          </a:prstGeom>
+        </p:spPr>
+        <p:style>
+          <a:lnRef idx="0">
+            <a:srgbClr val="FFFFFF"/>
+          </a:lnRef>
+          <a:fillRef idx="1">
+            <a:schemeClr val="accent1"/>
+          </a:fillRef>
+          <a:effectRef idx="0">
+            <a:srgbClr val="FFFFFF"/>
+          </a:effectRef>
+          <a:fontRef idx="minor">
+            <a:schemeClr val="lt1"/>
+          </a:fontRef>
+        </p:style>
+        <p:txBody>
+          <a:bodyPr rtlCol="0" anchor="ctr"/>
+          <a:lstStyle/>
+          <a:p>
+            <a:pPr algn="ctr"/>
+            <a:r>
+              <a:rPr lang="zh-CN" altLang="en-US" dirty="0"/>
+              <a:t>数据库集群</a:t>
+            </a:r>
+          </a:p>
+        </p:txBody>
+      </p:sp>
+      <p:sp>
+        <p:nvSpPr>
+          <p:cNvPr id="18" name="矩形 17"/>
+          <p:cNvSpPr/>
+          <p:nvPr>
+            <p:custDataLst>
+              <p:tags r:id="rId9"/>
+            </p:custDataLst>
+          </p:nvPr>
+        </p:nvSpPr>
+        <p:spPr>
+          <a:xfrm>
+            <a:off x="1536700" y="1842135"/>
+            <a:ext cx="1195070" cy="454660"/>
+          </a:xfrm>
+          <a:prstGeom prst="rect">
+            <a:avLst/>
+          </a:prstGeom>
+          <a:solidFill>
+            <a:schemeClr val="accent1"/>
+          </a:solidFill>
+        </p:spPr>
+        <p:style>
+          <a:lnRef idx="2">
+            <a:schemeClr val="accent1">
+              <a:shade val="50000"/>
+            </a:schemeClr>
+          </a:lnRef>
+          <a:fillRef idx="1">
+            <a:schemeClr val="accent1"/>
+          </a:fillRef>
+          <a:effectRef idx="0">
+            <a:schemeClr val="accent1"/>
+          </a:effectRef>
+          <a:fontRef idx="minor">
+            <a:schemeClr val="lt1"/>
+          </a:fontRef>
+        </p:style>
+        <p:txBody>
+          <a:bodyPr rtlCol="0" anchor="ctr"/>
+          <a:lstStyle/>
+          <a:p>
+            <a:pPr algn="ctr"/>
+            <a:r>
+              <a:rPr lang="zh-CN" altLang="en-US" dirty="0"/>
+              <a:t>消息中心</a:t>
+            </a:r>
+          </a:p>
+        </p:txBody>
+      </p:sp>
+      <p:sp>
+        <p:nvSpPr>
+          <p:cNvPr id="19" name="矩形 18"/>
+          <p:cNvSpPr/>
+          <p:nvPr>
+            <p:custDataLst>
+              <p:tags r:id="rId10"/>
+            </p:custDataLst>
+          </p:nvPr>
+        </p:nvSpPr>
+        <p:spPr>
+          <a:xfrm>
+            <a:off x="2728595" y="1842135"/>
+            <a:ext cx="1108075" cy="454660"/>
+          </a:xfrm>
+          <a:prstGeom prst="rect">
+            <a:avLst/>
+          </a:prstGeom>
+          <a:solidFill>
+            <a:schemeClr val="accent1"/>
+          </a:solidFill>
+        </p:spPr>
+        <p:style>
+          <a:lnRef idx="2">
+            <a:schemeClr val="accent1">
+              <a:shade val="50000"/>
+            </a:schemeClr>
+          </a:lnRef>
+          <a:fillRef idx="1">
+            <a:schemeClr val="accent1"/>
+          </a:fillRef>
+          <a:effectRef idx="0">
+            <a:schemeClr val="accent1"/>
+          </a:effectRef>
+          <a:fontRef idx="minor">
+            <a:schemeClr val="lt1"/>
+          </a:fontRef>
+        </p:style>
+        <p:txBody>
+          <a:bodyPr rtlCol="0" anchor="ctr"/>
+          <a:lstStyle/>
+          <a:p>
+            <a:pPr algn="ctr"/>
+            <a:r>
+              <a:rPr lang="zh-CN" altLang="en-US" dirty="0"/>
+              <a:t>路由调度</a:t>
+            </a:r>
+          </a:p>
+        </p:txBody>
+      </p:sp>
+      <p:sp>
+        <p:nvSpPr>
+          <p:cNvPr id="20" name="矩形 19"/>
+          <p:cNvSpPr/>
+          <p:nvPr>
+            <p:custDataLst>
+              <p:tags r:id="rId11"/>
+            </p:custDataLst>
+          </p:nvPr>
+        </p:nvSpPr>
+        <p:spPr>
+          <a:xfrm>
+            <a:off x="3789045" y="1842135"/>
+            <a:ext cx="1351280" cy="454660"/>
+          </a:xfrm>
+          <a:prstGeom prst="rect">
+            <a:avLst/>
+          </a:prstGeom>
+          <a:solidFill>
+            <a:schemeClr val="accent1"/>
+          </a:solidFill>
+        </p:spPr>
+        <p:style>
+          <a:lnRef idx="2">
+            <a:schemeClr val="accent1">
+              <a:shade val="50000"/>
+            </a:schemeClr>
+          </a:lnRef>
+          <a:fillRef idx="1">
+            <a:schemeClr val="accent1"/>
+          </a:fillRef>
+          <a:effectRef idx="0">
+            <a:schemeClr val="accent1"/>
+          </a:effectRef>
+          <a:fontRef idx="minor">
+            <a:schemeClr val="lt1"/>
+          </a:fontRef>
+        </p:style>
+        <p:txBody>
+          <a:bodyPr rtlCol="0" anchor="ctr"/>
+          <a:lstStyle/>
+          <a:p>
+            <a:pPr algn="ctr"/>
+            <a:r>
+              <a:rPr lang="zh-CN" altLang="en-US" dirty="0"/>
+              <a:t>微服务治理</a:t>
+            </a:r>
+          </a:p>
+        </p:txBody>
+      </p:sp>
+      <p:sp>
+        <p:nvSpPr>
+          <p:cNvPr id="21" name="矩形 20"/>
+          <p:cNvSpPr/>
+          <p:nvPr>
+            <p:custDataLst>
+              <p:tags r:id="rId12"/>
+            </p:custDataLst>
+          </p:nvPr>
+        </p:nvSpPr>
+        <p:spPr>
+          <a:xfrm>
+            <a:off x="5070475" y="1842135"/>
+            <a:ext cx="1140460" cy="454660"/>
+          </a:xfrm>
+          <a:prstGeom prst="rect">
+            <a:avLst/>
+          </a:prstGeom>
+          <a:solidFill>
+            <a:schemeClr val="accent1"/>
+          </a:solidFill>
+        </p:spPr>
+        <p:style>
+          <a:lnRef idx="2">
+            <a:schemeClr val="accent1">
+              <a:shade val="50000"/>
+            </a:schemeClr>
+          </a:lnRef>
+          <a:fillRef idx="1">
+            <a:schemeClr val="accent1"/>
+          </a:fillRef>
+          <a:effectRef idx="0">
+            <a:schemeClr val="accent1"/>
+          </a:effectRef>
+          <a:fontRef idx="minor">
+            <a:schemeClr val="lt1"/>
+          </a:fontRef>
+        </p:style>
+        <p:txBody>
+          <a:bodyPr rtlCol="0" anchor="ctr"/>
+          <a:lstStyle/>
+          <a:p>
+            <a:pPr algn="ctr"/>
+            <a:r>
+              <a:rPr lang="zh-CN" altLang="en-US" dirty="0"/>
+              <a:t>监控警告</a:t>
+            </a:r>
+          </a:p>
+        </p:txBody>
+      </p:sp>
+      <p:sp>
+        <p:nvSpPr>
+          <p:cNvPr id="22" name="矩形 21"/>
+          <p:cNvSpPr/>
+          <p:nvPr>
+            <p:custDataLst>
+              <p:tags r:id="rId13"/>
+            </p:custDataLst>
+          </p:nvPr>
+        </p:nvSpPr>
+        <p:spPr>
+          <a:xfrm>
+            <a:off x="6172835" y="1842135"/>
+            <a:ext cx="1148080" cy="454660"/>
+          </a:xfrm>
+          <a:prstGeom prst="rect">
+            <a:avLst/>
+          </a:prstGeom>
+          <a:solidFill>
+            <a:schemeClr val="accent1"/>
+          </a:solidFill>
+        </p:spPr>
+        <p:style>
+          <a:lnRef idx="2">
+            <a:schemeClr val="accent1">
+              <a:shade val="50000"/>
+            </a:schemeClr>
+          </a:lnRef>
+          <a:fillRef idx="1">
+            <a:schemeClr val="accent1"/>
+          </a:fillRef>
+          <a:effectRef idx="0">
+            <a:schemeClr val="accent1"/>
+          </a:effectRef>
+          <a:fontRef idx="minor">
+            <a:schemeClr val="lt1"/>
+          </a:fontRef>
+        </p:style>
+        <p:txBody>
+          <a:bodyPr rtlCol="0" anchor="ctr"/>
+          <a:lstStyle/>
+          <a:p>
+            <a:pPr algn="ctr"/>
+            <a:r>
+              <a:rPr lang="zh-CN" altLang="en-US" dirty="0"/>
+              <a:t>容灾备份</a:t>
+            </a:r>
+          </a:p>
+        </p:txBody>
+      </p:sp>
+      <p:sp>
+        <p:nvSpPr>
+          <p:cNvPr id="23" name="矩形 22"/>
+          <p:cNvSpPr/>
+          <p:nvPr>
+            <p:custDataLst>
+              <p:tags r:id="rId14"/>
+            </p:custDataLst>
+          </p:nvPr>
+        </p:nvSpPr>
+        <p:spPr>
+          <a:xfrm>
+            <a:off x="7320915" y="1842135"/>
+            <a:ext cx="1151255" cy="454660"/>
+          </a:xfrm>
+          <a:prstGeom prst="rect">
+            <a:avLst/>
+          </a:prstGeom>
+          <a:solidFill>
+            <a:schemeClr val="accent1"/>
+          </a:solidFill>
+        </p:spPr>
+        <p:style>
+          <a:lnRef idx="2">
+            <a:schemeClr val="accent1">
+              <a:shade val="50000"/>
+            </a:schemeClr>
+          </a:lnRef>
+          <a:fillRef idx="1">
+            <a:schemeClr val="accent1"/>
+          </a:fillRef>
+          <a:effectRef idx="0">
+            <a:schemeClr val="accent1"/>
+          </a:effectRef>
+          <a:fontRef idx="minor">
+            <a:schemeClr val="lt1"/>
+          </a:fontRef>
+        </p:style>
+        <p:txBody>
+          <a:bodyPr rtlCol="0" anchor="ctr"/>
+          <a:lstStyle/>
+          <a:p>
+            <a:pPr algn="ctr"/>
+            <a:r>
+              <a:rPr lang="zh-CN" altLang="en-US" dirty="0"/>
+              <a:t>配置中心</a:t>
+            </a:r>
+          </a:p>
+        </p:txBody>
+      </p:sp>
+      <p:sp>
+        <p:nvSpPr>
+          <p:cNvPr id="24" name="矩形 23"/>
+          <p:cNvSpPr/>
+          <p:nvPr>
+            <p:custDataLst>
+              <p:tags r:id="rId15"/>
+            </p:custDataLst>
+          </p:nvPr>
+        </p:nvSpPr>
+        <p:spPr>
+          <a:xfrm>
+            <a:off x="8472170" y="1842135"/>
+            <a:ext cx="891540" cy="454660"/>
+          </a:xfrm>
+          <a:prstGeom prst="rect">
+            <a:avLst/>
+          </a:prstGeom>
+          <a:solidFill>
+            <a:schemeClr val="accent1"/>
+          </a:solidFill>
+        </p:spPr>
+        <p:style>
+          <a:lnRef idx="2">
+            <a:schemeClr val="accent1">
+              <a:shade val="50000"/>
+            </a:schemeClr>
+          </a:lnRef>
+          <a:fillRef idx="1">
+            <a:schemeClr val="accent1"/>
+          </a:fillRef>
+          <a:effectRef idx="0">
+            <a:schemeClr val="accent1"/>
+          </a:effectRef>
+          <a:fontRef idx="minor">
+            <a:schemeClr val="lt1"/>
+          </a:fontRef>
+        </p:style>
+        <p:txBody>
+          <a:bodyPr rtlCol="0" anchor="ctr"/>
+          <a:lstStyle/>
+          <a:p>
+            <a:pPr algn="ctr"/>
+            <a:r>
+              <a:rPr lang="zh-CN" altLang="en-US" dirty="0"/>
+              <a:t>控制台</a:t>
+            </a:r>
+          </a:p>
+        </p:txBody>
+      </p:sp>
+      <p:sp>
+        <p:nvSpPr>
+          <p:cNvPr id="25" name="矩形 24"/>
+          <p:cNvSpPr/>
+          <p:nvPr>
+            <p:custDataLst>
+              <p:tags r:id="rId16"/>
+            </p:custDataLst>
+          </p:nvPr>
+        </p:nvSpPr>
+        <p:spPr>
+          <a:xfrm>
+            <a:off x="9345930" y="1842135"/>
+            <a:ext cx="1145540" cy="454660"/>
+          </a:xfrm>
+          <a:prstGeom prst="rect">
+            <a:avLst/>
+          </a:prstGeom>
+          <a:solidFill>
+            <a:schemeClr val="accent1"/>
+          </a:solidFill>
+        </p:spPr>
+        <p:style>
+          <a:lnRef idx="2">
+            <a:schemeClr val="accent1">
+              <a:shade val="50000"/>
+            </a:schemeClr>
+          </a:lnRef>
+          <a:fillRef idx="1">
+            <a:schemeClr val="accent1"/>
+          </a:fillRef>
+          <a:effectRef idx="0">
+            <a:schemeClr val="accent1"/>
+          </a:effectRef>
+          <a:fontRef idx="minor">
+            <a:schemeClr val="lt1"/>
+          </a:fontRef>
+        </p:style>
+        <p:txBody>
+          <a:bodyPr rtlCol="0" anchor="ctr"/>
+          <a:lstStyle/>
+          <a:p>
+            <a:pPr algn="ctr"/>
+            <a:r>
+              <a:rPr lang="zh-CN" altLang="en-US" dirty="0"/>
+              <a:t>负载均衡</a:t>
+            </a:r>
+          </a:p>
+        </p:txBody>
+      </p:sp>
+      <p:sp>
+        <p:nvSpPr>
+          <p:cNvPr id="26" name="圓角矩形 25"/>
+          <p:cNvSpPr/>
+          <p:nvPr/>
+        </p:nvSpPr>
+        <p:spPr>
+          <a:xfrm>
+            <a:off x="207010" y="2494280"/>
+            <a:ext cx="10600055" cy="2819400"/>
           </a:xfrm>
           <a:prstGeom prst="roundRect">
             <a:avLst/>
           </a:prstGeom>
-        </p:spPr>
-        <p:style>
-          <a:lnRef idx="2">
-            <a:schemeClr val="accent6">
-              <a:shade val="50000"/>
-            </a:schemeClr>
-          </a:lnRef>
-          <a:fillRef idx="1">
-            <a:schemeClr val="accent6"/>
-          </a:fillRef>
-          <a:effectRef idx="0">
-            <a:schemeClr val="accent6"/>
-          </a:effectRef>
-          <a:fontRef idx="minor">
-            <a:schemeClr val="lt1"/>
-          </a:fontRef>
-        </p:style>
-        <p:txBody>
-          <a:bodyPr rtlCol="0" anchor="ctr"/>
-          <a:lstStyle/>
-          <a:p>
-            <a:pPr algn="ctr"/>
-            <a:r>
-              <a:rPr lang="zh-CN" altLang="en-US" dirty="0" smtClean="0"/>
-              <a:t>充值管理</a:t>
-            </a:r>
-            <a:endParaRPr lang="zh-CN" altLang="en-US" dirty="0"/>
-          </a:p>
-        </p:txBody>
-      </p:sp>
-      <p:sp>
-        <p:nvSpPr>
-          <p:cNvPr id="9" name="圆角矩形 8"/>
-          <p:cNvSpPr/>
-          <p:nvPr/>
-        </p:nvSpPr>
-        <p:spPr>
-          <a:xfrm>
-            <a:off x="3695853" y="716506"/>
-            <a:ext cx="1480782" cy="286603"/>
-          </a:xfrm>
-          <a:prstGeom prst="roundRect">
-            <a:avLst/>
-          </a:prstGeom>
-        </p:spPr>
-        <p:style>
-          <a:lnRef idx="2">
-            <a:schemeClr val="accent6">
-              <a:shade val="50000"/>
-            </a:schemeClr>
-          </a:lnRef>
-          <a:fillRef idx="1">
-            <a:schemeClr val="accent6"/>
-          </a:fillRef>
-          <a:effectRef idx="0">
-            <a:schemeClr val="accent6"/>
-          </a:effectRef>
-          <a:fontRef idx="minor">
-            <a:schemeClr val="lt1"/>
-          </a:fontRef>
-        </p:style>
-        <p:txBody>
-          <a:bodyPr rtlCol="0" anchor="ctr"/>
-          <a:lstStyle/>
-          <a:p>
-            <a:pPr algn="ctr"/>
-            <a:r>
-              <a:rPr lang="zh-CN" altLang="en-US" dirty="0" smtClean="0"/>
-              <a:t>用户管理</a:t>
-            </a:r>
-            <a:endParaRPr lang="zh-CN" altLang="en-US" dirty="0"/>
-          </a:p>
-        </p:txBody>
-      </p:sp>
-      <p:sp>
-        <p:nvSpPr>
-          <p:cNvPr id="10" name="圆角矩形 9"/>
-          <p:cNvSpPr/>
-          <p:nvPr/>
-        </p:nvSpPr>
-        <p:spPr>
-          <a:xfrm>
-            <a:off x="3695853" y="1207825"/>
-            <a:ext cx="1480782" cy="286603"/>
-          </a:xfrm>
-          <a:prstGeom prst="roundRect">
-            <a:avLst/>
-          </a:prstGeom>
-        </p:spPr>
-        <p:style>
-          <a:lnRef idx="2">
-            <a:schemeClr val="accent6">
-              <a:shade val="50000"/>
-            </a:schemeClr>
-          </a:lnRef>
-          <a:fillRef idx="1">
-            <a:schemeClr val="accent6"/>
-          </a:fillRef>
-          <a:effectRef idx="0">
-            <a:schemeClr val="accent6"/>
-          </a:effectRef>
-          <a:fontRef idx="minor">
-            <a:schemeClr val="lt1"/>
-          </a:fontRef>
-        </p:style>
-        <p:txBody>
-          <a:bodyPr rtlCol="0" anchor="ctr"/>
-          <a:lstStyle/>
-          <a:p>
-            <a:pPr algn="ctr"/>
-            <a:r>
-              <a:rPr lang="zh-CN" altLang="en-US" dirty="0" smtClean="0"/>
-              <a:t>营销活动</a:t>
-            </a:r>
-            <a:endParaRPr lang="zh-CN" altLang="en-US" dirty="0"/>
-          </a:p>
-        </p:txBody>
-      </p:sp>
-      <p:sp>
-        <p:nvSpPr>
-          <p:cNvPr id="11" name="圆角矩形 10"/>
-          <p:cNvSpPr/>
-          <p:nvPr/>
-        </p:nvSpPr>
-        <p:spPr>
-          <a:xfrm>
-            <a:off x="3695853" y="1669465"/>
-            <a:ext cx="1480782" cy="286603"/>
-          </a:xfrm>
-          <a:prstGeom prst="roundRect">
-            <a:avLst/>
-          </a:prstGeom>
-        </p:spPr>
-        <p:style>
-          <a:lnRef idx="2">
-            <a:schemeClr val="accent6">
-              <a:shade val="50000"/>
-            </a:schemeClr>
-          </a:lnRef>
-          <a:fillRef idx="1">
-            <a:schemeClr val="accent6"/>
-          </a:fillRef>
-          <a:effectRef idx="0">
-            <a:schemeClr val="accent6"/>
-          </a:effectRef>
-          <a:fontRef idx="minor">
-            <a:schemeClr val="lt1"/>
-          </a:fontRef>
-        </p:style>
-        <p:txBody>
-          <a:bodyPr rtlCol="0" anchor="ctr"/>
-          <a:lstStyle/>
-          <a:p>
-            <a:pPr algn="ctr"/>
-            <a:r>
-              <a:rPr lang="zh-CN" altLang="en-US" dirty="0" smtClean="0"/>
-              <a:t>包时卡</a:t>
-            </a:r>
-            <a:endParaRPr lang="zh-CN" altLang="en-US" dirty="0"/>
-          </a:p>
-        </p:txBody>
-      </p:sp>
-      <p:sp>
-        <p:nvSpPr>
-          <p:cNvPr id="12" name="矩形 11"/>
-          <p:cNvSpPr/>
-          <p:nvPr/>
-        </p:nvSpPr>
-        <p:spPr>
-          <a:xfrm>
-            <a:off x="6991787" y="498143"/>
-            <a:ext cx="3254991" cy="1869744"/>
-          </a:xfrm>
-          <a:prstGeom prst="rect">
-            <a:avLst/>
-          </a:prstGeom>
-        </p:spPr>
-        <p:style>
-          <a:lnRef idx="2">
-            <a:schemeClr val="accent1">
-              <a:shade val="50000"/>
-            </a:schemeClr>
-          </a:lnRef>
-          <a:fillRef idx="1">
-            <a:schemeClr val="accent1"/>
-          </a:fillRef>
-          <a:effectRef idx="0">
-            <a:schemeClr val="accent1"/>
-          </a:effectRef>
-          <a:fontRef idx="minor">
-            <a:schemeClr val="lt1"/>
-          </a:fontRef>
-        </p:style>
-        <p:txBody>
-          <a:bodyPr rtlCol="0" anchor="ctr"/>
-          <a:lstStyle/>
-          <a:p>
-            <a:pPr algn="ctr"/>
-            <a:endParaRPr lang="zh-CN" altLang="en-US"/>
-          </a:p>
-        </p:txBody>
-      </p:sp>
-      <p:sp>
-        <p:nvSpPr>
-          <p:cNvPr id="13" name="矩形 12"/>
-          <p:cNvSpPr/>
-          <p:nvPr/>
-        </p:nvSpPr>
-        <p:spPr>
-          <a:xfrm>
-            <a:off x="7841361" y="1917925"/>
-            <a:ext cx="1555845" cy="341193"/>
-          </a:xfrm>
-          <a:prstGeom prst="rect">
-            <a:avLst/>
-          </a:prstGeom>
-        </p:spPr>
-        <p:style>
-          <a:lnRef idx="2">
-            <a:schemeClr val="accent1">
-              <a:shade val="50000"/>
-            </a:schemeClr>
-          </a:lnRef>
-          <a:fillRef idx="1">
-            <a:schemeClr val="accent1"/>
-          </a:fillRef>
-          <a:effectRef idx="0">
-            <a:schemeClr val="accent1"/>
-          </a:effectRef>
-          <a:fontRef idx="minor">
-            <a:schemeClr val="lt1"/>
-          </a:fontRef>
-        </p:style>
-        <p:txBody>
-          <a:bodyPr rtlCol="0" anchor="ctr"/>
-          <a:lstStyle/>
-          <a:p>
-            <a:pPr algn="ctr"/>
-            <a:r>
-              <a:rPr lang="zh-CN" altLang="en-US" dirty="0" smtClean="0"/>
-              <a:t>三方流量入口</a:t>
-            </a:r>
-            <a:endParaRPr lang="zh-CN" altLang="en-US" dirty="0"/>
-          </a:p>
-        </p:txBody>
-      </p:sp>
-      <p:sp>
-        <p:nvSpPr>
-          <p:cNvPr id="14" name="矩形 13"/>
-          <p:cNvSpPr/>
-          <p:nvPr/>
-        </p:nvSpPr>
-        <p:spPr>
-          <a:xfrm>
-            <a:off x="7319334" y="786456"/>
-            <a:ext cx="1044054" cy="286603"/>
+          <a:solidFill>
+            <a:schemeClr val="accent1">
+              <a:lumMod val="75000"/>
+            </a:schemeClr>
+          </a:solidFill>
+        </p:spPr>
+        <p:style>
+          <a:lnRef idx="0">
+            <a:srgbClr val="FFFFFF"/>
+          </a:lnRef>
+          <a:fillRef idx="1">
+            <a:schemeClr val="accent1"/>
+          </a:fillRef>
+          <a:effectRef idx="0">
+            <a:srgbClr val="FFFFFF"/>
+          </a:effectRef>
+          <a:fontRef idx="minor">
+            <a:schemeClr val="lt1"/>
+          </a:fontRef>
+        </p:style>
+        <p:txBody>
+          <a:bodyPr rtlCol="0" anchor="ctr"/>
+          <a:lstStyle/>
+          <a:p>
+            <a:pPr algn="l">
+              <a:lnSpc>
+                <a:spcPct val="0"/>
+              </a:lnSpc>
+            </a:pPr>
+            <a:r>
+              <a:rPr lang="zh-CN" altLang="zh-HK"/>
+              <a:t>系统层</a:t>
+            </a:r>
+          </a:p>
+          <a:p>
+            <a:pPr algn="ctr">
+              <a:lnSpc>
+                <a:spcPct val="0"/>
+              </a:lnSpc>
+            </a:pPr>
+            <a:endParaRPr lang="zh-CN" altLang="zh-HK"/>
+          </a:p>
+        </p:txBody>
+      </p:sp>
+      <p:sp>
+        <p:nvSpPr>
+          <p:cNvPr id="28" name="矩形 27"/>
+          <p:cNvSpPr/>
+          <p:nvPr/>
+        </p:nvSpPr>
+        <p:spPr>
+          <a:xfrm>
+            <a:off x="3705225" y="2609215"/>
+            <a:ext cx="3768725" cy="2590800"/>
           </a:xfrm>
           <a:prstGeom prst="rect">
             <a:avLst/>
@@ -8344,42 +6774,1067 @@
         <p:style>
           <a:lnRef idx="2">
             <a:schemeClr val="accent1">
-              <a:shade val="50000"/>
-            </a:schemeClr>
-          </a:lnRef>
-          <a:fillRef idx="1">
-            <a:schemeClr val="accent1"/>
-          </a:fillRef>
-          <a:effectRef idx="0">
-            <a:schemeClr val="accent1"/>
-          </a:effectRef>
-          <a:fontRef idx="minor">
-            <a:schemeClr val="lt1"/>
-          </a:fontRef>
-        </p:style>
-        <p:txBody>
-          <a:bodyPr rtlCol="0" anchor="ctr"/>
-          <a:lstStyle/>
-          <a:p>
-            <a:pPr algn="ctr"/>
-            <a:r>
-              <a:rPr lang="zh-CN" altLang="en-US" dirty="0" smtClean="0"/>
-              <a:t>淘宝</a:t>
-            </a:r>
-            <a:endParaRPr lang="zh-CN" altLang="en-US" dirty="0"/>
-          </a:p>
-        </p:txBody>
-      </p:sp>
-      <p:sp>
-        <p:nvSpPr>
-          <p:cNvPr id="15" name="矩形 14"/>
-          <p:cNvSpPr/>
-          <p:nvPr/>
-        </p:nvSpPr>
-        <p:spPr>
-          <a:xfrm>
-            <a:off x="8811077" y="795242"/>
-            <a:ext cx="1044054" cy="286603"/>
+              <a:lumMod val="75000"/>
+            </a:schemeClr>
+          </a:lnRef>
+          <a:fillRef idx="1">
+            <a:schemeClr val="accent1"/>
+          </a:fillRef>
+          <a:effectRef idx="0">
+            <a:srgbClr val="FFFFFF"/>
+          </a:effectRef>
+          <a:fontRef idx="minor">
+            <a:schemeClr val="lt1"/>
+          </a:fontRef>
+        </p:style>
+        <p:txBody>
+          <a:bodyPr rtlCol="0" anchor="ctr"/>
+          <a:lstStyle/>
+          <a:p>
+            <a:pPr algn="ctr">
+              <a:lnSpc>
+                <a:spcPct val="0"/>
+              </a:lnSpc>
+            </a:pPr>
+            <a:endParaRPr lang="en-US" altLang="zh-CN"/>
+          </a:p>
+        </p:txBody>
+      </p:sp>
+      <p:sp>
+        <p:nvSpPr>
+          <p:cNvPr id="29" name="圓角矩形 28"/>
+          <p:cNvSpPr/>
+          <p:nvPr/>
+        </p:nvSpPr>
+        <p:spPr>
+          <a:xfrm>
+            <a:off x="3928110" y="3361055"/>
+            <a:ext cx="961390" cy="357505"/>
+          </a:xfrm>
+          <a:prstGeom prst="roundRect">
+            <a:avLst/>
+          </a:prstGeom>
+        </p:spPr>
+        <p:style>
+          <a:lnRef idx="2">
+            <a:schemeClr val="accent1">
+              <a:lumMod val="75000"/>
+            </a:schemeClr>
+          </a:lnRef>
+          <a:fillRef idx="1">
+            <a:schemeClr val="accent1"/>
+          </a:fillRef>
+          <a:effectRef idx="0">
+            <a:srgbClr val="FFFFFF"/>
+          </a:effectRef>
+          <a:fontRef idx="minor">
+            <a:schemeClr val="lt1"/>
+          </a:fontRef>
+        </p:style>
+        <p:txBody>
+          <a:bodyPr rtlCol="0" anchor="ctr"/>
+          <a:lstStyle/>
+          <a:p>
+            <a:pPr algn="ctr"/>
+            <a:r>
+              <a:rPr lang="zh-CN" altLang="zh-HK" sz="1200"/>
+              <a:t>编码器</a:t>
+            </a:r>
+          </a:p>
+        </p:txBody>
+      </p:sp>
+      <p:sp>
+        <p:nvSpPr>
+          <p:cNvPr id="30" name="文字框 29"/>
+          <p:cNvSpPr txBox="1"/>
+          <p:nvPr/>
+        </p:nvSpPr>
+        <p:spPr>
+          <a:xfrm>
+            <a:off x="4060825" y="2757170"/>
+            <a:ext cx="2595880" cy="325755"/>
+          </a:xfrm>
+          <a:prstGeom prst="rect">
+            <a:avLst/>
+          </a:prstGeom>
+          <a:noFill/>
+        </p:spPr>
+        <p:txBody>
+          <a:bodyPr wrap="square" rtlCol="0">
+            <a:noAutofit/>
+          </a:bodyPr>
+          <a:lstStyle/>
+          <a:p>
+            <a:pPr algn="ctr"/>
+            <a:r>
+              <a:rPr lang="zh-CN" altLang="zh-HK">
+                <a:solidFill>
+                  <a:schemeClr val="bg1"/>
+                </a:solidFill>
+              </a:rPr>
+              <a:t>实时流媒体系统</a:t>
+            </a:r>
+            <a:r>
+              <a:rPr lang="en-US" altLang="zh-CN">
+                <a:solidFill>
+                  <a:schemeClr val="bg1"/>
+                </a:solidFill>
+              </a:rPr>
+              <a:t>CRTC</a:t>
+            </a:r>
+          </a:p>
+        </p:txBody>
+      </p:sp>
+      <p:sp>
+        <p:nvSpPr>
+          <p:cNvPr id="31" name="文字框 30"/>
+          <p:cNvSpPr txBox="1"/>
+          <p:nvPr/>
+        </p:nvSpPr>
+        <p:spPr>
+          <a:xfrm>
+            <a:off x="3928110" y="3043555"/>
+            <a:ext cx="1643380" cy="298450"/>
+          </a:xfrm>
+          <a:prstGeom prst="rect">
+            <a:avLst/>
+          </a:prstGeom>
+          <a:noFill/>
+        </p:spPr>
+        <p:txBody>
+          <a:bodyPr wrap="square" rtlCol="0">
+            <a:noAutofit/>
+          </a:bodyPr>
+          <a:lstStyle/>
+          <a:p>
+            <a:pPr algn="ctr"/>
+            <a:r>
+              <a:rPr lang="en-US" altLang="zh-HK" sz="1200">
+                <a:solidFill>
+                  <a:schemeClr val="tx1"/>
+                </a:solidFill>
+              </a:rPr>
+              <a:t>Audio/Video</a:t>
+            </a:r>
+          </a:p>
+        </p:txBody>
+      </p:sp>
+      <p:sp>
+        <p:nvSpPr>
+          <p:cNvPr id="33" name="圓角矩形 32"/>
+          <p:cNvSpPr/>
+          <p:nvPr/>
+        </p:nvSpPr>
+        <p:spPr>
+          <a:xfrm>
+            <a:off x="5029835" y="3361690"/>
+            <a:ext cx="1143000" cy="358140"/>
+          </a:xfrm>
+          <a:prstGeom prst="roundRect">
+            <a:avLst/>
+          </a:prstGeom>
+        </p:spPr>
+        <p:style>
+          <a:lnRef idx="2">
+            <a:schemeClr val="accent1">
+              <a:lumMod val="75000"/>
+            </a:schemeClr>
+          </a:lnRef>
+          <a:fillRef idx="1">
+            <a:schemeClr val="accent1"/>
+          </a:fillRef>
+          <a:effectRef idx="0">
+            <a:srgbClr val="FFFFFF"/>
+          </a:effectRef>
+          <a:fontRef idx="minor">
+            <a:schemeClr val="lt1"/>
+          </a:fontRef>
+        </p:style>
+        <p:txBody>
+          <a:bodyPr rtlCol="0" anchor="ctr"/>
+          <a:lstStyle/>
+          <a:p>
+            <a:pPr algn="ctr"/>
+            <a:r>
+              <a:rPr lang="zh-CN" altLang="zh-HK" sz="1200"/>
+              <a:t>图像增强</a:t>
+            </a:r>
+          </a:p>
+        </p:txBody>
+      </p:sp>
+      <p:sp>
+        <p:nvSpPr>
+          <p:cNvPr id="34" name="圓角矩形 33"/>
+          <p:cNvSpPr/>
+          <p:nvPr/>
+        </p:nvSpPr>
+        <p:spPr>
+          <a:xfrm>
+            <a:off x="3926840" y="3811270"/>
+            <a:ext cx="962660" cy="368300"/>
+          </a:xfrm>
+          <a:prstGeom prst="roundRect">
+            <a:avLst/>
+          </a:prstGeom>
+        </p:spPr>
+        <p:style>
+          <a:lnRef idx="2">
+            <a:schemeClr val="accent1">
+              <a:lumMod val="75000"/>
+            </a:schemeClr>
+          </a:lnRef>
+          <a:fillRef idx="1">
+            <a:schemeClr val="accent1"/>
+          </a:fillRef>
+          <a:effectRef idx="0">
+            <a:srgbClr val="FFFFFF"/>
+          </a:effectRef>
+          <a:fontRef idx="minor">
+            <a:schemeClr val="lt1"/>
+          </a:fontRef>
+        </p:style>
+        <p:txBody>
+          <a:bodyPr rtlCol="0" anchor="ctr"/>
+          <a:lstStyle/>
+          <a:p>
+            <a:pPr algn="ctr"/>
+            <a:r>
+              <a:rPr lang="zh-CN" altLang="zh-HK" sz="1200"/>
+              <a:t>抖动控制</a:t>
+            </a:r>
+          </a:p>
+        </p:txBody>
+      </p:sp>
+      <p:sp>
+        <p:nvSpPr>
+          <p:cNvPr id="35" name="圓角矩形 34"/>
+          <p:cNvSpPr/>
+          <p:nvPr/>
+        </p:nvSpPr>
+        <p:spPr>
+          <a:xfrm>
+            <a:off x="3926840" y="4294505"/>
+            <a:ext cx="962660" cy="357505"/>
+          </a:xfrm>
+          <a:prstGeom prst="roundRect">
+            <a:avLst/>
+          </a:prstGeom>
+        </p:spPr>
+        <p:style>
+          <a:lnRef idx="2">
+            <a:schemeClr val="accent1">
+              <a:lumMod val="75000"/>
+            </a:schemeClr>
+          </a:lnRef>
+          <a:fillRef idx="1">
+            <a:schemeClr val="accent1"/>
+          </a:fillRef>
+          <a:effectRef idx="0">
+            <a:srgbClr val="FFFFFF"/>
+          </a:effectRef>
+          <a:fontRef idx="minor">
+            <a:schemeClr val="lt1"/>
+          </a:fontRef>
+        </p:style>
+        <p:txBody>
+          <a:bodyPr rtlCol="0" anchor="ctr"/>
+          <a:lstStyle/>
+          <a:p>
+            <a:pPr algn="ctr"/>
+            <a:r>
+              <a:rPr lang="zh-CN" altLang="zh-HK" sz="1200"/>
+              <a:t>预处理</a:t>
+            </a:r>
+          </a:p>
+        </p:txBody>
+      </p:sp>
+      <p:sp>
+        <p:nvSpPr>
+          <p:cNvPr id="36" name="圓角矩形 35"/>
+          <p:cNvSpPr/>
+          <p:nvPr/>
+        </p:nvSpPr>
+        <p:spPr>
+          <a:xfrm>
+            <a:off x="5029835" y="3822065"/>
+            <a:ext cx="1143000" cy="357505"/>
+          </a:xfrm>
+          <a:prstGeom prst="roundRect">
+            <a:avLst/>
+          </a:prstGeom>
+        </p:spPr>
+        <p:style>
+          <a:lnRef idx="2">
+            <a:schemeClr val="accent1">
+              <a:lumMod val="75000"/>
+            </a:schemeClr>
+          </a:lnRef>
+          <a:fillRef idx="1">
+            <a:schemeClr val="accent1"/>
+          </a:fillRef>
+          <a:effectRef idx="0">
+            <a:srgbClr val="FFFFFF"/>
+          </a:effectRef>
+          <a:fontRef idx="minor">
+            <a:schemeClr val="lt1"/>
+          </a:fontRef>
+        </p:style>
+        <p:txBody>
+          <a:bodyPr rtlCol="0" anchor="ctr"/>
+          <a:lstStyle/>
+          <a:p>
+            <a:pPr algn="ctr"/>
+            <a:r>
+              <a:rPr lang="zh-CN" altLang="zh-HK" sz="1200"/>
+              <a:t>音视频同步</a:t>
+            </a:r>
+          </a:p>
+        </p:txBody>
+      </p:sp>
+      <p:sp>
+        <p:nvSpPr>
+          <p:cNvPr id="37" name="圓角矩形 36"/>
+          <p:cNvSpPr/>
+          <p:nvPr/>
+        </p:nvSpPr>
+        <p:spPr>
+          <a:xfrm>
+            <a:off x="3926840" y="4765675"/>
+            <a:ext cx="1009650" cy="357505"/>
+          </a:xfrm>
+          <a:prstGeom prst="roundRect">
+            <a:avLst/>
+          </a:prstGeom>
+        </p:spPr>
+        <p:style>
+          <a:lnRef idx="2">
+            <a:schemeClr val="accent1">
+              <a:lumMod val="75000"/>
+            </a:schemeClr>
+          </a:lnRef>
+          <a:fillRef idx="1">
+            <a:schemeClr val="accent1"/>
+          </a:fillRef>
+          <a:effectRef idx="0">
+            <a:srgbClr val="FFFFFF"/>
+          </a:effectRef>
+          <a:fontRef idx="minor">
+            <a:schemeClr val="lt1"/>
+          </a:fontRef>
+        </p:style>
+        <p:txBody>
+          <a:bodyPr rtlCol="0" anchor="ctr"/>
+          <a:lstStyle/>
+          <a:p>
+            <a:pPr algn="ctr"/>
+            <a:r>
+              <a:rPr lang="zh-CN" altLang="zh-HK" sz="1200"/>
+              <a:t>音视频采集</a:t>
+            </a:r>
+          </a:p>
+        </p:txBody>
+      </p:sp>
+      <p:sp>
+        <p:nvSpPr>
+          <p:cNvPr id="38" name="圓角矩形 37"/>
+          <p:cNvSpPr/>
+          <p:nvPr/>
+        </p:nvSpPr>
+        <p:spPr>
+          <a:xfrm>
+            <a:off x="5070475" y="4765675"/>
+            <a:ext cx="1009650" cy="357505"/>
+          </a:xfrm>
+          <a:prstGeom prst="roundRect">
+            <a:avLst/>
+          </a:prstGeom>
+        </p:spPr>
+        <p:style>
+          <a:lnRef idx="2">
+            <a:schemeClr val="accent1">
+              <a:lumMod val="75000"/>
+            </a:schemeClr>
+          </a:lnRef>
+          <a:fillRef idx="1">
+            <a:schemeClr val="accent1"/>
+          </a:fillRef>
+          <a:effectRef idx="0">
+            <a:srgbClr val="FFFFFF"/>
+          </a:effectRef>
+          <a:fontRef idx="minor">
+            <a:schemeClr val="lt1"/>
+          </a:fontRef>
+        </p:style>
+        <p:txBody>
+          <a:bodyPr rtlCol="0" anchor="ctr"/>
+          <a:lstStyle/>
+          <a:p>
+            <a:pPr algn="ctr"/>
+            <a:r>
+              <a:rPr lang="zh-CN" altLang="zh-HK" sz="1200"/>
+              <a:t>渲染</a:t>
+            </a:r>
+          </a:p>
+        </p:txBody>
+      </p:sp>
+      <p:sp>
+        <p:nvSpPr>
+          <p:cNvPr id="39" name="文字框 38"/>
+          <p:cNvSpPr txBox="1"/>
+          <p:nvPr/>
+        </p:nvSpPr>
+        <p:spPr>
+          <a:xfrm>
+            <a:off x="6464300" y="3043555"/>
+            <a:ext cx="1169670" cy="275590"/>
+          </a:xfrm>
+          <a:prstGeom prst="rect">
+            <a:avLst/>
+          </a:prstGeom>
+          <a:noFill/>
+        </p:spPr>
+        <p:txBody>
+          <a:bodyPr wrap="square" rtlCol="0">
+            <a:spAutoFit/>
+          </a:bodyPr>
+          <a:lstStyle/>
+          <a:p>
+            <a:r>
+              <a:rPr lang="zh-CN" altLang="zh-HK" sz="1200"/>
+              <a:t>网络传输</a:t>
+            </a:r>
+          </a:p>
+        </p:txBody>
+      </p:sp>
+      <p:sp>
+        <p:nvSpPr>
+          <p:cNvPr id="40" name="圓角矩形 39"/>
+          <p:cNvSpPr/>
+          <p:nvPr/>
+        </p:nvSpPr>
+        <p:spPr>
+          <a:xfrm>
+            <a:off x="6372225" y="3362325"/>
+            <a:ext cx="1009650" cy="357505"/>
+          </a:xfrm>
+          <a:prstGeom prst="roundRect">
+            <a:avLst/>
+          </a:prstGeom>
+        </p:spPr>
+        <p:style>
+          <a:lnRef idx="2">
+            <a:schemeClr val="accent1">
+              <a:lumMod val="75000"/>
+            </a:schemeClr>
+          </a:lnRef>
+          <a:fillRef idx="1">
+            <a:schemeClr val="accent1"/>
+          </a:fillRef>
+          <a:effectRef idx="0">
+            <a:srgbClr val="FFFFFF"/>
+          </a:effectRef>
+          <a:fontRef idx="minor">
+            <a:schemeClr val="lt1"/>
+          </a:fontRef>
+        </p:style>
+        <p:txBody>
+          <a:bodyPr rtlCol="0" anchor="ctr"/>
+          <a:lstStyle/>
+          <a:p>
+            <a:pPr algn="ctr"/>
+            <a:r>
+              <a:rPr lang="en-US" altLang="zh-CN" sz="1200"/>
+              <a:t>UDP/TCP</a:t>
+            </a:r>
+            <a:endParaRPr lang="zh-CN" altLang="en-US" sz="1200"/>
+          </a:p>
+        </p:txBody>
+      </p:sp>
+      <p:sp>
+        <p:nvSpPr>
+          <p:cNvPr id="41" name="圓角矩形 40"/>
+          <p:cNvSpPr/>
+          <p:nvPr/>
+        </p:nvSpPr>
+        <p:spPr>
+          <a:xfrm>
+            <a:off x="6372225" y="3822065"/>
+            <a:ext cx="1009650" cy="357505"/>
+          </a:xfrm>
+          <a:prstGeom prst="roundRect">
+            <a:avLst/>
+          </a:prstGeom>
+        </p:spPr>
+        <p:style>
+          <a:lnRef idx="2">
+            <a:schemeClr val="accent1">
+              <a:lumMod val="75000"/>
+            </a:schemeClr>
+          </a:lnRef>
+          <a:fillRef idx="1">
+            <a:schemeClr val="accent1"/>
+          </a:fillRef>
+          <a:effectRef idx="0">
+            <a:srgbClr val="FFFFFF"/>
+          </a:effectRef>
+          <a:fontRef idx="minor">
+            <a:schemeClr val="lt1"/>
+          </a:fontRef>
+        </p:style>
+        <p:txBody>
+          <a:bodyPr rtlCol="0" anchor="ctr"/>
+          <a:lstStyle/>
+          <a:p>
+            <a:pPr algn="ctr"/>
+            <a:r>
+              <a:rPr lang="zh-CN" altLang="en-US" sz="1200"/>
+              <a:t>带宽评估</a:t>
+            </a:r>
+          </a:p>
+        </p:txBody>
+      </p:sp>
+      <p:sp>
+        <p:nvSpPr>
+          <p:cNvPr id="42" name="圓角矩形 41"/>
+          <p:cNvSpPr/>
+          <p:nvPr/>
+        </p:nvSpPr>
+        <p:spPr>
+          <a:xfrm>
+            <a:off x="6372225" y="4344035"/>
+            <a:ext cx="1009650" cy="357505"/>
+          </a:xfrm>
+          <a:prstGeom prst="roundRect">
+            <a:avLst/>
+          </a:prstGeom>
+        </p:spPr>
+        <p:style>
+          <a:lnRef idx="2">
+            <a:schemeClr val="accent1">
+              <a:lumMod val="75000"/>
+            </a:schemeClr>
+          </a:lnRef>
+          <a:fillRef idx="1">
+            <a:schemeClr val="accent1"/>
+          </a:fillRef>
+          <a:effectRef idx="0">
+            <a:srgbClr val="FFFFFF"/>
+          </a:effectRef>
+          <a:fontRef idx="minor">
+            <a:schemeClr val="lt1"/>
+          </a:fontRef>
+        </p:style>
+        <p:txBody>
+          <a:bodyPr rtlCol="0" anchor="ctr"/>
+          <a:lstStyle/>
+          <a:p>
+            <a:pPr algn="ctr"/>
+            <a:r>
+              <a:rPr lang="en-US" altLang="zh-CN" sz="1200"/>
+              <a:t>STUN/TURN</a:t>
+            </a:r>
+            <a:endParaRPr lang="zh-CN" altLang="en-US" sz="1200"/>
+          </a:p>
+        </p:txBody>
+      </p:sp>
+      <p:sp>
+        <p:nvSpPr>
+          <p:cNvPr id="43" name="圓角矩形 42"/>
+          <p:cNvSpPr/>
+          <p:nvPr/>
+        </p:nvSpPr>
+        <p:spPr>
+          <a:xfrm>
+            <a:off x="6372225" y="4765675"/>
+            <a:ext cx="1009650" cy="357505"/>
+          </a:xfrm>
+          <a:prstGeom prst="roundRect">
+            <a:avLst/>
+          </a:prstGeom>
+        </p:spPr>
+        <p:style>
+          <a:lnRef idx="2">
+            <a:schemeClr val="accent1">
+              <a:lumMod val="75000"/>
+            </a:schemeClr>
+          </a:lnRef>
+          <a:fillRef idx="1">
+            <a:schemeClr val="accent1"/>
+          </a:fillRef>
+          <a:effectRef idx="0">
+            <a:srgbClr val="FFFFFF"/>
+          </a:effectRef>
+          <a:fontRef idx="minor">
+            <a:schemeClr val="lt1"/>
+          </a:fontRef>
+        </p:style>
+        <p:txBody>
+          <a:bodyPr rtlCol="0" anchor="ctr"/>
+          <a:lstStyle/>
+          <a:p>
+            <a:pPr algn="ctr"/>
+            <a:r>
+              <a:rPr lang="zh-CN" altLang="en-US" sz="1200"/>
+              <a:t>网络</a:t>
+            </a:r>
+            <a:r>
+              <a:rPr lang="en-US" altLang="zh-CN" sz="1200"/>
+              <a:t>IO</a:t>
+            </a:r>
+          </a:p>
+        </p:txBody>
+      </p:sp>
+      <p:sp>
+        <p:nvSpPr>
+          <p:cNvPr id="44" name="矩形 43"/>
+          <p:cNvSpPr/>
+          <p:nvPr/>
+        </p:nvSpPr>
+        <p:spPr>
+          <a:xfrm>
+            <a:off x="1242060" y="2647950"/>
+            <a:ext cx="2346325" cy="2552065"/>
+          </a:xfrm>
+          <a:prstGeom prst="rect">
+            <a:avLst/>
+          </a:prstGeom>
+          <a:solidFill>
+            <a:schemeClr val="accent4"/>
+          </a:solidFill>
+        </p:spPr>
+        <p:style>
+          <a:lnRef idx="2">
+            <a:schemeClr val="accent1">
+              <a:lumMod val="75000"/>
+            </a:schemeClr>
+          </a:lnRef>
+          <a:fillRef idx="1">
+            <a:schemeClr val="accent1"/>
+          </a:fillRef>
+          <a:effectRef idx="0">
+            <a:srgbClr val="FFFFFF"/>
+          </a:effectRef>
+          <a:fontRef idx="minor">
+            <a:schemeClr val="lt1"/>
+          </a:fontRef>
+        </p:style>
+        <p:txBody>
+          <a:bodyPr rtlCol="0" anchor="ctr"/>
+          <a:lstStyle/>
+          <a:p>
+            <a:pPr algn="ctr"/>
+            <a:endParaRPr lang="zh-HK" altLang="en-US"/>
+          </a:p>
+        </p:txBody>
+      </p:sp>
+      <p:sp>
+        <p:nvSpPr>
+          <p:cNvPr id="45" name="文字框 44"/>
+          <p:cNvSpPr txBox="1"/>
+          <p:nvPr/>
+        </p:nvSpPr>
+        <p:spPr>
+          <a:xfrm>
+            <a:off x="1494155" y="2813685"/>
+            <a:ext cx="1860550" cy="368300"/>
+          </a:xfrm>
+          <a:prstGeom prst="rect">
+            <a:avLst/>
+          </a:prstGeom>
+          <a:noFill/>
+        </p:spPr>
+        <p:txBody>
+          <a:bodyPr wrap="square" rtlCol="0">
+            <a:spAutoFit/>
+          </a:bodyPr>
+          <a:lstStyle/>
+          <a:p>
+            <a:pPr algn="ctr"/>
+            <a:r>
+              <a:rPr lang="zh-CN" altLang="zh-HK">
+                <a:solidFill>
+                  <a:schemeClr val="bg1"/>
+                </a:solidFill>
+              </a:rPr>
+              <a:t>跨平台文件系统</a:t>
+            </a:r>
+          </a:p>
+        </p:txBody>
+      </p:sp>
+      <p:sp>
+        <p:nvSpPr>
+          <p:cNvPr id="46" name="矩形 45"/>
+          <p:cNvSpPr/>
+          <p:nvPr/>
+        </p:nvSpPr>
+        <p:spPr>
+          <a:xfrm>
+            <a:off x="7549515" y="2647950"/>
+            <a:ext cx="2370455" cy="2591435"/>
+          </a:xfrm>
+          <a:prstGeom prst="rect">
+            <a:avLst/>
+          </a:prstGeom>
+          <a:solidFill>
+            <a:srgbClr val="FFFF00"/>
+          </a:solidFill>
+        </p:spPr>
+        <p:style>
+          <a:lnRef idx="2">
+            <a:schemeClr val="accent1">
+              <a:lumMod val="75000"/>
+            </a:schemeClr>
+          </a:lnRef>
+          <a:fillRef idx="1">
+            <a:schemeClr val="accent1"/>
+          </a:fillRef>
+          <a:effectRef idx="0">
+            <a:srgbClr val="FFFFFF"/>
+          </a:effectRef>
+          <a:fontRef idx="minor">
+            <a:schemeClr val="lt1"/>
+          </a:fontRef>
+        </p:style>
+        <p:txBody>
+          <a:bodyPr rtlCol="0" anchor="ctr"/>
+          <a:lstStyle/>
+          <a:p>
+            <a:pPr algn="ctr"/>
+            <a:endParaRPr lang="zh-HK" altLang="en-US"/>
+          </a:p>
+        </p:txBody>
+      </p:sp>
+      <p:sp>
+        <p:nvSpPr>
+          <p:cNvPr id="47" name="文字框 46"/>
+          <p:cNvSpPr txBox="1"/>
+          <p:nvPr/>
+        </p:nvSpPr>
+        <p:spPr>
+          <a:xfrm>
+            <a:off x="7767955" y="2757170"/>
+            <a:ext cx="2031365" cy="368300"/>
+          </a:xfrm>
+          <a:prstGeom prst="rect">
+            <a:avLst/>
+          </a:prstGeom>
+          <a:noFill/>
+        </p:spPr>
+        <p:txBody>
+          <a:bodyPr wrap="square" rtlCol="0">
+            <a:spAutoFit/>
+          </a:bodyPr>
+          <a:lstStyle/>
+          <a:p>
+            <a:r>
+              <a:rPr lang="zh-CN" altLang="zh-HK"/>
+              <a:t>高效文件传输系统</a:t>
+            </a:r>
+          </a:p>
+        </p:txBody>
+      </p:sp>
+      <p:sp>
+        <p:nvSpPr>
+          <p:cNvPr id="48" name="矩形 47"/>
+          <p:cNvSpPr/>
+          <p:nvPr>
+            <p:custDataLst>
+              <p:tags r:id="rId17"/>
+            </p:custDataLst>
+          </p:nvPr>
+        </p:nvSpPr>
+        <p:spPr>
+          <a:xfrm>
+            <a:off x="9240520" y="847090"/>
+            <a:ext cx="1097280" cy="454660"/>
+          </a:xfrm>
+          <a:prstGeom prst="rect">
+            <a:avLst/>
+          </a:prstGeom>
+          <a:solidFill>
+            <a:schemeClr val="accent1"/>
+          </a:solidFill>
+        </p:spPr>
+        <p:style>
+          <a:lnRef idx="2">
+            <a:schemeClr val="accent1">
+              <a:shade val="50000"/>
+            </a:schemeClr>
+          </a:lnRef>
+          <a:fillRef idx="1">
+            <a:schemeClr val="accent1"/>
+          </a:fillRef>
+          <a:effectRef idx="0">
+            <a:schemeClr val="accent1"/>
+          </a:effectRef>
+          <a:fontRef idx="minor">
+            <a:schemeClr val="lt1"/>
+          </a:fontRef>
+        </p:style>
+        <p:txBody>
+          <a:bodyPr rtlCol="0" anchor="ctr"/>
+          <a:lstStyle/>
+          <a:p>
+            <a:pPr algn="ctr"/>
+            <a:r>
+              <a:rPr lang="zh-CN" altLang="en-US" sz="1200" dirty="0"/>
+              <a:t>鉴权管理</a:t>
+            </a:r>
+          </a:p>
+        </p:txBody>
+      </p:sp>
+      <p:sp>
+        <p:nvSpPr>
+          <p:cNvPr id="50" name="圓角矩形 49"/>
+          <p:cNvSpPr/>
+          <p:nvPr/>
+        </p:nvSpPr>
+        <p:spPr>
+          <a:xfrm>
+            <a:off x="181610" y="5405755"/>
+            <a:ext cx="10527665" cy="1521460"/>
+          </a:xfrm>
+          <a:prstGeom prst="roundRect">
+            <a:avLst/>
+          </a:prstGeom>
+          <a:solidFill>
+            <a:schemeClr val="accent1">
+              <a:lumMod val="75000"/>
+            </a:schemeClr>
+          </a:solidFill>
+        </p:spPr>
+        <p:style>
+          <a:lnRef idx="2">
+            <a:schemeClr val="accent1">
+              <a:lumMod val="75000"/>
+            </a:schemeClr>
+          </a:lnRef>
+          <a:fillRef idx="1">
+            <a:schemeClr val="accent1"/>
+          </a:fillRef>
+          <a:effectRef idx="0">
+            <a:srgbClr val="FFFFFF"/>
+          </a:effectRef>
+          <a:fontRef idx="minor">
+            <a:schemeClr val="lt1"/>
+          </a:fontRef>
+        </p:style>
+        <p:txBody>
+          <a:bodyPr rtlCol="0" anchor="ctr"/>
+          <a:lstStyle/>
+          <a:p>
+            <a:pPr algn="l"/>
+            <a:r>
+              <a:rPr lang="zh-CN" altLang="zh-HK"/>
+              <a:t>内核层</a:t>
+            </a:r>
+          </a:p>
+        </p:txBody>
+      </p:sp>
+      <p:sp>
+        <p:nvSpPr>
+          <p:cNvPr id="51" name="矩形 50"/>
+          <p:cNvSpPr/>
+          <p:nvPr/>
+        </p:nvSpPr>
+        <p:spPr>
+          <a:xfrm>
+            <a:off x="2172970" y="5467350"/>
+            <a:ext cx="1687830" cy="1390650"/>
+          </a:xfrm>
+          <a:prstGeom prst="rect">
+            <a:avLst/>
+          </a:prstGeom>
+          <a:solidFill>
+            <a:schemeClr val="accent1">
+              <a:lumMod val="60000"/>
+              <a:lumOff val="40000"/>
+            </a:schemeClr>
+          </a:solidFill>
+        </p:spPr>
+        <p:style>
+          <a:lnRef idx="2">
+            <a:schemeClr val="accent1">
+              <a:lumMod val="75000"/>
+            </a:schemeClr>
+          </a:lnRef>
+          <a:fillRef idx="1">
+            <a:schemeClr val="accent1"/>
+          </a:fillRef>
+          <a:effectRef idx="0">
+            <a:srgbClr val="FFFFFF"/>
+          </a:effectRef>
+          <a:fontRef idx="minor">
+            <a:schemeClr val="lt1"/>
+          </a:fontRef>
+        </p:style>
+        <p:txBody>
+          <a:bodyPr rtlCol="0" anchor="ctr"/>
+          <a:lstStyle/>
+          <a:p>
+            <a:pPr algn="ctr"/>
+            <a:endParaRPr lang="zh-HK" altLang="en-US"/>
+          </a:p>
+        </p:txBody>
+      </p:sp>
+      <p:sp>
+        <p:nvSpPr>
+          <p:cNvPr id="52" name="圓角矩形 51"/>
+          <p:cNvSpPr/>
+          <p:nvPr/>
+        </p:nvSpPr>
+        <p:spPr>
+          <a:xfrm>
+            <a:off x="2626995" y="3699510"/>
+            <a:ext cx="727710" cy="374650"/>
+          </a:xfrm>
+          <a:prstGeom prst="roundRect">
+            <a:avLst/>
+          </a:prstGeom>
+        </p:spPr>
+        <p:style>
+          <a:lnRef idx="2">
+            <a:schemeClr val="accent1">
+              <a:lumMod val="75000"/>
+            </a:schemeClr>
+          </a:lnRef>
+          <a:fillRef idx="1">
+            <a:schemeClr val="accent1"/>
+          </a:fillRef>
+          <a:effectRef idx="0">
+            <a:srgbClr val="FFFFFF"/>
+          </a:effectRef>
+          <a:fontRef idx="minor">
+            <a:schemeClr val="lt1"/>
+          </a:fontRef>
+        </p:style>
+        <p:txBody>
+          <a:bodyPr rtlCol="0" anchor="ctr"/>
+          <a:lstStyle/>
+          <a:p>
+            <a:pPr algn="ctr"/>
+            <a:r>
+              <a:rPr lang="en-US" altLang="zh-HK" sz="1200"/>
+              <a:t>TCP</a:t>
+            </a:r>
+          </a:p>
+        </p:txBody>
+      </p:sp>
+      <p:sp>
+        <p:nvSpPr>
+          <p:cNvPr id="53" name="文字框 52"/>
+          <p:cNvSpPr txBox="1"/>
+          <p:nvPr/>
+        </p:nvSpPr>
+        <p:spPr>
+          <a:xfrm>
+            <a:off x="2516505" y="3275330"/>
+            <a:ext cx="1071880" cy="306705"/>
+          </a:xfrm>
+          <a:prstGeom prst="rect">
+            <a:avLst/>
+          </a:prstGeom>
+          <a:noFill/>
+        </p:spPr>
+        <p:txBody>
+          <a:bodyPr wrap="square" rtlCol="0">
+            <a:spAutoFit/>
+          </a:bodyPr>
+          <a:lstStyle/>
+          <a:p>
+            <a:r>
+              <a:rPr lang="zh-CN" altLang="zh-HK" sz="1400"/>
+              <a:t>网络传输</a:t>
+            </a:r>
+          </a:p>
+        </p:txBody>
+      </p:sp>
+      <p:sp>
+        <p:nvSpPr>
+          <p:cNvPr id="54" name="圓角矩形 53"/>
+          <p:cNvSpPr/>
+          <p:nvPr/>
+        </p:nvSpPr>
+        <p:spPr>
+          <a:xfrm>
+            <a:off x="2572385" y="4505325"/>
+            <a:ext cx="782320" cy="370205"/>
+          </a:xfrm>
+          <a:prstGeom prst="roundRect">
+            <a:avLst/>
+          </a:prstGeom>
+        </p:spPr>
+        <p:style>
+          <a:lnRef idx="2">
+            <a:schemeClr val="accent1">
+              <a:lumMod val="75000"/>
+            </a:schemeClr>
+          </a:lnRef>
+          <a:fillRef idx="1">
+            <a:schemeClr val="accent1"/>
+          </a:fillRef>
+          <a:effectRef idx="0">
+            <a:srgbClr val="FFFFFF"/>
+          </a:effectRef>
+          <a:fontRef idx="minor">
+            <a:schemeClr val="lt1"/>
+          </a:fontRef>
+        </p:style>
+        <p:txBody>
+          <a:bodyPr rtlCol="0" anchor="ctr"/>
+          <a:lstStyle/>
+          <a:p>
+            <a:pPr algn="ctr"/>
+            <a:r>
+              <a:rPr lang="zh-CN" altLang="zh-HK" sz="1200"/>
+              <a:t>网络</a:t>
+            </a:r>
+            <a:r>
+              <a:rPr lang="en-US" altLang="zh-CN" sz="1200"/>
+              <a:t>IO</a:t>
+            </a:r>
+          </a:p>
+        </p:txBody>
+      </p:sp>
+      <p:sp>
+        <p:nvSpPr>
+          <p:cNvPr id="55" name="文字框 54"/>
+          <p:cNvSpPr txBox="1"/>
+          <p:nvPr/>
+        </p:nvSpPr>
+        <p:spPr>
+          <a:xfrm>
+            <a:off x="1536700" y="3275330"/>
+            <a:ext cx="765175" cy="306705"/>
+          </a:xfrm>
+          <a:prstGeom prst="rect">
+            <a:avLst/>
+          </a:prstGeom>
+          <a:noFill/>
+        </p:spPr>
+        <p:txBody>
+          <a:bodyPr wrap="square" rtlCol="0">
+            <a:spAutoFit/>
+          </a:bodyPr>
+          <a:lstStyle/>
+          <a:p>
+            <a:r>
+              <a:rPr lang="zh-CN" altLang="zh-HK" sz="1400"/>
+              <a:t>协议层</a:t>
+            </a:r>
+          </a:p>
+        </p:txBody>
+      </p:sp>
+      <p:sp>
+        <p:nvSpPr>
+          <p:cNvPr id="57" name="矩形 56"/>
+          <p:cNvSpPr/>
+          <p:nvPr/>
+        </p:nvSpPr>
+        <p:spPr>
+          <a:xfrm>
+            <a:off x="10004425" y="2648585"/>
+            <a:ext cx="628650" cy="2551430"/>
           </a:xfrm>
           <a:prstGeom prst="rect">
             <a:avLst/>
@@ -8391,27 +7846,35 @@
         <p:style>
           <a:lnRef idx="2">
             <a:schemeClr val="accent1">
-              <a:shade val="50000"/>
-            </a:schemeClr>
-          </a:lnRef>
-          <a:fillRef idx="1">
-            <a:schemeClr val="accent1"/>
-          </a:fillRef>
-          <a:effectRef idx="0">
-            <a:schemeClr val="accent1"/>
-          </a:effectRef>
-          <a:fontRef idx="minor">
-            <a:schemeClr val="lt1"/>
-          </a:fontRef>
-        </p:style>
-        <p:txBody>
-          <a:bodyPr rtlCol="0" anchor="ctr"/>
-          <a:lstStyle/>
-          <a:p>
-            <a:pPr algn="ctr"/>
+              <a:lumMod val="75000"/>
+            </a:schemeClr>
+          </a:lnRef>
+          <a:fillRef idx="1">
+            <a:schemeClr val="accent1"/>
+          </a:fillRef>
+          <a:effectRef idx="0">
+            <a:srgbClr val="FFFFFF"/>
+          </a:effectRef>
+          <a:fontRef idx="minor">
+            <a:schemeClr val="lt1"/>
+          </a:fontRef>
+        </p:style>
+        <p:txBody>
+          <a:bodyPr rtlCol="0" anchor="ctr"/>
+          <a:lstStyle/>
+          <a:p>
+            <a:pPr algn="ctr"/>
+            <a:r>
+              <a:rPr lang="zh-CN" altLang="en-US" dirty="0"/>
+              <a:t>后期增加</a:t>
+            </a:r>
+            <a:r>
+              <a:rPr lang="en-US" altLang="zh-HK" dirty="0" smtClean="0"/>
+              <a:t>GPU</a:t>
+            </a:r>
             <a:r>
               <a:rPr lang="zh-CN" altLang="en-US" dirty="0" smtClean="0"/>
-              <a:t>京东</a:t>
+              <a:t>模块</a:t>
             </a:r>
             <a:endParaRPr lang="zh-CN" altLang="en-US" dirty="0"/>
           </a:p>
@@ -8419,531 +7882,504 @@
       </p:sp>
       <p:sp>
         <p:nvSpPr>
-          <p:cNvPr id="16" name="矩形 15"/>
-          <p:cNvSpPr/>
-          <p:nvPr/>
-        </p:nvSpPr>
-        <p:spPr>
-          <a:xfrm>
-            <a:off x="7310544" y="1332374"/>
-            <a:ext cx="1044054" cy="286603"/>
-          </a:xfrm>
-          <a:prstGeom prst="rect">
-            <a:avLst/>
-          </a:prstGeom>
-          <a:solidFill>
-            <a:srgbClr val="92D050"/>
-          </a:solidFill>
-        </p:spPr>
-        <p:style>
-          <a:lnRef idx="2">
-            <a:schemeClr val="accent1">
-              <a:shade val="50000"/>
-            </a:schemeClr>
-          </a:lnRef>
-          <a:fillRef idx="1">
-            <a:schemeClr val="accent1"/>
-          </a:fillRef>
-          <a:effectRef idx="0">
-            <a:schemeClr val="accent1"/>
-          </a:effectRef>
-          <a:fontRef idx="minor">
-            <a:schemeClr val="lt1"/>
-          </a:fontRef>
-        </p:style>
-        <p:txBody>
-          <a:bodyPr rtlCol="0" anchor="ctr"/>
-          <a:lstStyle/>
-          <a:p>
-            <a:pPr algn="ctr"/>
-            <a:r>
-              <a:rPr lang="en-US" altLang="zh-CN" dirty="0" err="1" smtClean="0"/>
-              <a:t>bilibili</a:t>
-            </a:r>
-            <a:endParaRPr lang="zh-CN" altLang="en-US" dirty="0"/>
-          </a:p>
-        </p:txBody>
-      </p:sp>
-      <p:sp>
-        <p:nvSpPr>
-          <p:cNvPr id="17" name="矩形 16"/>
-          <p:cNvSpPr/>
-          <p:nvPr/>
-        </p:nvSpPr>
-        <p:spPr>
-          <a:xfrm>
-            <a:off x="8811077" y="1298034"/>
-            <a:ext cx="1044054" cy="286603"/>
-          </a:xfrm>
-          <a:prstGeom prst="rect">
-            <a:avLst/>
-          </a:prstGeom>
-          <a:solidFill>
-            <a:srgbClr val="92D050"/>
-          </a:solidFill>
-        </p:spPr>
-        <p:style>
-          <a:lnRef idx="2">
-            <a:schemeClr val="accent1">
-              <a:shade val="50000"/>
-            </a:schemeClr>
-          </a:lnRef>
-          <a:fillRef idx="1">
-            <a:schemeClr val="accent1"/>
-          </a:fillRef>
-          <a:effectRef idx="0">
-            <a:schemeClr val="accent1"/>
-          </a:effectRef>
-          <a:fontRef idx="minor">
-            <a:schemeClr val="lt1"/>
-          </a:fontRef>
-        </p:style>
-        <p:txBody>
-          <a:bodyPr rtlCol="0" anchor="ctr"/>
-          <a:lstStyle/>
-          <a:p>
-            <a:pPr algn="ctr"/>
-            <a:r>
-              <a:rPr lang="zh-CN" altLang="en-US" dirty="0" smtClean="0"/>
-              <a:t>抖音</a:t>
-            </a:r>
-            <a:endParaRPr lang="zh-CN" altLang="en-US" dirty="0"/>
-          </a:p>
-        </p:txBody>
-      </p:sp>
-      <p:sp>
-        <p:nvSpPr>
-          <p:cNvPr id="18" name="矩形 17"/>
-          <p:cNvSpPr/>
-          <p:nvPr/>
-        </p:nvSpPr>
-        <p:spPr>
-          <a:xfrm>
-            <a:off x="675564" y="3193576"/>
-            <a:ext cx="10645254" cy="1862919"/>
-          </a:xfrm>
-          <a:prstGeom prst="rect">
-            <a:avLst/>
-          </a:prstGeom>
-        </p:spPr>
-        <p:style>
-          <a:lnRef idx="2">
-            <a:schemeClr val="accent1">
-              <a:shade val="50000"/>
-            </a:schemeClr>
-          </a:lnRef>
-          <a:fillRef idx="1">
-            <a:schemeClr val="accent1"/>
-          </a:fillRef>
-          <a:effectRef idx="0">
-            <a:schemeClr val="accent1"/>
-          </a:effectRef>
-          <a:fontRef idx="minor">
-            <a:schemeClr val="lt1"/>
-          </a:fontRef>
-        </p:style>
-        <p:txBody>
-          <a:bodyPr rtlCol="0" anchor="ctr"/>
-          <a:lstStyle/>
-          <a:p>
-            <a:pPr algn="ctr"/>
-            <a:endParaRPr lang="zh-CN" altLang="en-US"/>
-          </a:p>
-        </p:txBody>
-      </p:sp>
-      <p:sp>
-        <p:nvSpPr>
-          <p:cNvPr id="19" name="矩形 18"/>
-          <p:cNvSpPr/>
-          <p:nvPr/>
-        </p:nvSpPr>
-        <p:spPr>
-          <a:xfrm>
-            <a:off x="4490113" y="3323230"/>
-            <a:ext cx="3036627" cy="232012"/>
-          </a:xfrm>
-          <a:prstGeom prst="rect">
-            <a:avLst/>
-          </a:prstGeom>
-        </p:spPr>
-        <p:style>
-          <a:lnRef idx="2">
-            <a:schemeClr val="accent1">
-              <a:shade val="50000"/>
-            </a:schemeClr>
-          </a:lnRef>
-          <a:fillRef idx="1">
-            <a:schemeClr val="accent1"/>
-          </a:fillRef>
-          <a:effectRef idx="0">
-            <a:schemeClr val="accent1"/>
-          </a:effectRef>
-          <a:fontRef idx="minor">
-            <a:schemeClr val="lt1"/>
-          </a:fontRef>
-        </p:style>
-        <p:txBody>
-          <a:bodyPr rtlCol="0" anchor="ctr"/>
-          <a:lstStyle/>
-          <a:p>
-            <a:pPr algn="ctr"/>
-            <a:r>
-              <a:rPr lang="zh-CN" altLang="en-US" dirty="0" smtClean="0"/>
-              <a:t>统一调度平台</a:t>
-            </a:r>
-            <a:endParaRPr lang="zh-CN" altLang="en-US" dirty="0"/>
-          </a:p>
-        </p:txBody>
-      </p:sp>
-      <p:sp>
-        <p:nvSpPr>
-          <p:cNvPr id="20" name="圆角矩形 19"/>
-          <p:cNvSpPr/>
-          <p:nvPr/>
-        </p:nvSpPr>
-        <p:spPr>
-          <a:xfrm>
-            <a:off x="3770193" y="3766785"/>
-            <a:ext cx="4258101" cy="327543"/>
+          <p:cNvPr id="58" name="圓角矩形 57"/>
+          <p:cNvSpPr/>
+          <p:nvPr/>
+        </p:nvSpPr>
+        <p:spPr>
+          <a:xfrm>
+            <a:off x="1568450" y="3648710"/>
+            <a:ext cx="733425" cy="763270"/>
           </a:xfrm>
           <a:prstGeom prst="roundRect">
             <a:avLst/>
           </a:prstGeom>
-          <a:solidFill>
-            <a:schemeClr val="accent6"/>
-          </a:solidFill>
-        </p:spPr>
-        <p:style>
-          <a:lnRef idx="2">
-            <a:schemeClr val="accent1">
-              <a:shade val="50000"/>
-            </a:schemeClr>
-          </a:lnRef>
-          <a:fillRef idx="1">
-            <a:schemeClr val="accent1"/>
-          </a:fillRef>
-          <a:effectRef idx="0">
-            <a:schemeClr val="accent1"/>
-          </a:effectRef>
-          <a:fontRef idx="minor">
-            <a:schemeClr val="lt1"/>
-          </a:fontRef>
-        </p:style>
-        <p:txBody>
-          <a:bodyPr rtlCol="0" anchor="ctr"/>
-          <a:lstStyle/>
-          <a:p>
-            <a:pPr algn="ctr"/>
-            <a:r>
-              <a:rPr lang="zh-CN" altLang="en-US" dirty="0" smtClean="0"/>
-              <a:t>平台</a:t>
-            </a:r>
-            <a:r>
-              <a:rPr lang="en-US" altLang="zh-CN" dirty="0" err="1" smtClean="0"/>
-              <a:t>Api</a:t>
-            </a:r>
-            <a:r>
-              <a:rPr lang="en-US" altLang="zh-CN" dirty="0" smtClean="0"/>
-              <a:t>/SDK</a:t>
-            </a:r>
-            <a:endParaRPr lang="zh-CN" altLang="en-US" dirty="0"/>
-          </a:p>
-        </p:txBody>
-      </p:sp>
-      <p:sp>
-        <p:nvSpPr>
-          <p:cNvPr id="21" name="矩形 20"/>
-          <p:cNvSpPr/>
-          <p:nvPr/>
-        </p:nvSpPr>
-        <p:spPr>
-          <a:xfrm>
-            <a:off x="1125940" y="4176215"/>
-            <a:ext cx="1330657" cy="252484"/>
-          </a:xfrm>
-          <a:prstGeom prst="rect">
-            <a:avLst/>
-          </a:prstGeom>
-          <a:solidFill>
-            <a:schemeClr val="accent6"/>
-          </a:solidFill>
-        </p:spPr>
-        <p:style>
-          <a:lnRef idx="2">
-            <a:schemeClr val="accent1">
-              <a:shade val="50000"/>
-            </a:schemeClr>
-          </a:lnRef>
-          <a:fillRef idx="1">
-            <a:schemeClr val="accent1"/>
-          </a:fillRef>
-          <a:effectRef idx="0">
-            <a:schemeClr val="accent1"/>
-          </a:effectRef>
-          <a:fontRef idx="minor">
-            <a:schemeClr val="lt1"/>
-          </a:fontRef>
-        </p:style>
-        <p:txBody>
-          <a:bodyPr rtlCol="0" anchor="ctr"/>
-          <a:lstStyle/>
-          <a:p>
-            <a:pPr algn="ctr"/>
-            <a:r>
-              <a:rPr lang="zh-CN" altLang="en-US" dirty="0" smtClean="0"/>
-              <a:t>资源管理</a:t>
-            </a:r>
-            <a:endParaRPr lang="zh-CN" altLang="en-US" dirty="0"/>
-          </a:p>
-        </p:txBody>
-      </p:sp>
-      <p:sp>
-        <p:nvSpPr>
-          <p:cNvPr id="22" name="矩形 21"/>
-          <p:cNvSpPr/>
-          <p:nvPr/>
-        </p:nvSpPr>
-        <p:spPr>
-          <a:xfrm>
-            <a:off x="5343097" y="4237631"/>
-            <a:ext cx="1330657" cy="252484"/>
-          </a:xfrm>
-          <a:prstGeom prst="rect">
-            <a:avLst/>
-          </a:prstGeom>
-          <a:solidFill>
-            <a:schemeClr val="accent6"/>
-          </a:solidFill>
-        </p:spPr>
-        <p:style>
-          <a:lnRef idx="2">
-            <a:schemeClr val="accent1">
-              <a:shade val="50000"/>
-            </a:schemeClr>
-          </a:lnRef>
-          <a:fillRef idx="1">
-            <a:schemeClr val="accent1"/>
-          </a:fillRef>
-          <a:effectRef idx="0">
-            <a:schemeClr val="accent1"/>
-          </a:effectRef>
-          <a:fontRef idx="minor">
-            <a:schemeClr val="lt1"/>
-          </a:fontRef>
-        </p:style>
-        <p:txBody>
-          <a:bodyPr rtlCol="0" anchor="ctr"/>
-          <a:lstStyle/>
-          <a:p>
-            <a:pPr algn="ctr"/>
-            <a:r>
-              <a:rPr lang="zh-CN" altLang="en-US" dirty="0" smtClean="0"/>
-              <a:t>安全鉴权</a:t>
-            </a:r>
-            <a:endParaRPr lang="zh-CN" altLang="en-US" dirty="0"/>
-          </a:p>
-        </p:txBody>
-      </p:sp>
-      <p:sp>
-        <p:nvSpPr>
-          <p:cNvPr id="23" name="矩形 22"/>
-          <p:cNvSpPr/>
-          <p:nvPr/>
-        </p:nvSpPr>
-        <p:spPr>
-          <a:xfrm>
-            <a:off x="9248633" y="4254692"/>
-            <a:ext cx="1330657" cy="252484"/>
-          </a:xfrm>
-          <a:prstGeom prst="rect">
-            <a:avLst/>
-          </a:prstGeom>
-          <a:solidFill>
-            <a:schemeClr val="accent6"/>
-          </a:solidFill>
-        </p:spPr>
-        <p:style>
-          <a:lnRef idx="2">
-            <a:schemeClr val="accent1">
-              <a:shade val="50000"/>
-            </a:schemeClr>
-          </a:lnRef>
-          <a:fillRef idx="1">
-            <a:schemeClr val="accent1"/>
-          </a:fillRef>
-          <a:effectRef idx="0">
-            <a:schemeClr val="accent1"/>
-          </a:effectRef>
-          <a:fontRef idx="minor">
-            <a:schemeClr val="lt1"/>
-          </a:fontRef>
-        </p:style>
-        <p:txBody>
-          <a:bodyPr rtlCol="0" anchor="ctr"/>
-          <a:lstStyle/>
-          <a:p>
-            <a:pPr algn="ctr"/>
-            <a:r>
-              <a:rPr lang="zh-CN" altLang="en-US" dirty="0" smtClean="0"/>
-              <a:t>订单管理</a:t>
-            </a:r>
-            <a:endParaRPr lang="zh-CN" altLang="en-US" dirty="0"/>
-          </a:p>
-        </p:txBody>
-      </p:sp>
-      <p:sp>
-        <p:nvSpPr>
-          <p:cNvPr id="24" name="矩形 23"/>
-          <p:cNvSpPr/>
-          <p:nvPr/>
-        </p:nvSpPr>
-        <p:spPr>
-          <a:xfrm>
-            <a:off x="1125940" y="4697105"/>
-            <a:ext cx="1330657" cy="252484"/>
-          </a:xfrm>
-          <a:prstGeom prst="rect">
-            <a:avLst/>
-          </a:prstGeom>
-          <a:solidFill>
-            <a:schemeClr val="accent6"/>
-          </a:solidFill>
-        </p:spPr>
-        <p:style>
-          <a:lnRef idx="2">
-            <a:schemeClr val="accent1">
-              <a:shade val="50000"/>
-            </a:schemeClr>
-          </a:lnRef>
-          <a:fillRef idx="1">
-            <a:schemeClr val="accent1"/>
-          </a:fillRef>
-          <a:effectRef idx="0">
-            <a:schemeClr val="accent1"/>
-          </a:effectRef>
-          <a:fontRef idx="minor">
-            <a:schemeClr val="lt1"/>
-          </a:fontRef>
-        </p:style>
-        <p:txBody>
-          <a:bodyPr rtlCol="0" anchor="ctr"/>
-          <a:lstStyle/>
-          <a:p>
-            <a:pPr algn="ctr"/>
-            <a:r>
-              <a:rPr lang="zh-CN" altLang="en-US" dirty="0" smtClean="0"/>
-              <a:t>调度方管理</a:t>
-            </a:r>
-            <a:endParaRPr lang="zh-CN" altLang="en-US" dirty="0"/>
-          </a:p>
-        </p:txBody>
-      </p:sp>
-      <p:sp>
-        <p:nvSpPr>
-          <p:cNvPr id="25" name="矩形 24"/>
-          <p:cNvSpPr/>
-          <p:nvPr/>
-        </p:nvSpPr>
-        <p:spPr>
-          <a:xfrm>
-            <a:off x="5406788" y="4694829"/>
-            <a:ext cx="1330657" cy="252484"/>
-          </a:xfrm>
-          <a:prstGeom prst="rect">
-            <a:avLst/>
-          </a:prstGeom>
-          <a:solidFill>
-            <a:schemeClr val="accent6"/>
-          </a:solidFill>
-        </p:spPr>
-        <p:style>
-          <a:lnRef idx="2">
-            <a:schemeClr val="accent1">
-              <a:shade val="50000"/>
-            </a:schemeClr>
-          </a:lnRef>
-          <a:fillRef idx="1">
-            <a:schemeClr val="accent1"/>
-          </a:fillRef>
-          <a:effectRef idx="0">
-            <a:schemeClr val="accent1"/>
-          </a:effectRef>
-          <a:fontRef idx="minor">
-            <a:schemeClr val="lt1"/>
-          </a:fontRef>
-        </p:style>
-        <p:txBody>
-          <a:bodyPr rtlCol="0" anchor="ctr"/>
-          <a:lstStyle/>
-          <a:p>
-            <a:pPr algn="ctr"/>
-            <a:r>
-              <a:rPr lang="zh-CN" altLang="en-US" dirty="0" smtClean="0"/>
-              <a:t>资源方管理</a:t>
-            </a:r>
-            <a:endParaRPr lang="zh-CN" altLang="en-US" dirty="0"/>
-          </a:p>
-        </p:txBody>
-      </p:sp>
-      <p:sp>
-        <p:nvSpPr>
-          <p:cNvPr id="26" name="矩形 25"/>
-          <p:cNvSpPr/>
-          <p:nvPr/>
-        </p:nvSpPr>
-        <p:spPr>
-          <a:xfrm>
-            <a:off x="9248633" y="4713026"/>
-            <a:ext cx="1330657" cy="252484"/>
-          </a:xfrm>
-          <a:prstGeom prst="rect">
-            <a:avLst/>
-          </a:prstGeom>
-          <a:solidFill>
-            <a:schemeClr val="accent6"/>
-          </a:solidFill>
-        </p:spPr>
-        <p:style>
-          <a:lnRef idx="2">
-            <a:schemeClr val="accent1">
-              <a:shade val="50000"/>
-            </a:schemeClr>
-          </a:lnRef>
-          <a:fillRef idx="1">
-            <a:schemeClr val="accent1"/>
-          </a:fillRef>
-          <a:effectRef idx="0">
-            <a:schemeClr val="accent1"/>
-          </a:effectRef>
-          <a:fontRef idx="minor">
-            <a:schemeClr val="lt1"/>
-          </a:fontRef>
-        </p:style>
-        <p:txBody>
-          <a:bodyPr rtlCol="0" anchor="ctr"/>
-          <a:lstStyle/>
-          <a:p>
-            <a:pPr algn="ctr"/>
-            <a:r>
-              <a:rPr lang="zh-CN" altLang="en-US" dirty="0" smtClean="0"/>
-              <a:t>收益管理</a:t>
-            </a:r>
-            <a:endParaRPr lang="zh-CN" altLang="en-US" dirty="0"/>
-          </a:p>
-        </p:txBody>
-      </p:sp>
-      <p:sp>
-        <p:nvSpPr>
-          <p:cNvPr id="2" name="上箭头 1"/>
-          <p:cNvSpPr/>
-          <p:nvPr/>
-        </p:nvSpPr>
-        <p:spPr>
-          <a:xfrm>
-            <a:off x="4589058" y="2616959"/>
-            <a:ext cx="2620370" cy="532263"/>
-          </a:xfrm>
-          <a:prstGeom prst="upArrow">
+        </p:spPr>
+        <p:style>
+          <a:lnRef idx="2">
+            <a:schemeClr val="accent1">
+              <a:lumMod val="75000"/>
+            </a:schemeClr>
+          </a:lnRef>
+          <a:fillRef idx="1">
+            <a:schemeClr val="accent1"/>
+          </a:fillRef>
+          <a:effectRef idx="0">
+            <a:srgbClr val="FFFFFF"/>
+          </a:effectRef>
+          <a:fontRef idx="minor">
+            <a:schemeClr val="lt1"/>
+          </a:fontRef>
+        </p:style>
+        <p:txBody>
+          <a:bodyPr rtlCol="0" anchor="ctr"/>
+          <a:lstStyle/>
+          <a:p>
+            <a:pPr algn="ctr"/>
+            <a:r>
+              <a:rPr lang="zh-CN" altLang="zh-HK" sz="1200"/>
+              <a:t>高效压缩数据格式</a:t>
+            </a:r>
+          </a:p>
+        </p:txBody>
+      </p:sp>
+      <p:sp>
+        <p:nvSpPr>
+          <p:cNvPr id="59" name="文字框 58"/>
+          <p:cNvSpPr txBox="1"/>
+          <p:nvPr/>
+        </p:nvSpPr>
+        <p:spPr>
+          <a:xfrm>
+            <a:off x="8842375" y="3213100"/>
+            <a:ext cx="1006475" cy="275590"/>
+          </a:xfrm>
+          <a:prstGeom prst="rect">
+            <a:avLst/>
+          </a:prstGeom>
+          <a:noFill/>
+        </p:spPr>
+        <p:txBody>
+          <a:bodyPr wrap="square" rtlCol="0">
+            <a:spAutoFit/>
+          </a:bodyPr>
+          <a:lstStyle/>
+          <a:p>
+            <a:pPr algn="ctr"/>
+            <a:r>
+              <a:rPr lang="zh-CN" altLang="zh-HK" sz="1200"/>
+              <a:t>网络传输</a:t>
+            </a:r>
+          </a:p>
+        </p:txBody>
+      </p:sp>
+      <p:sp>
+        <p:nvSpPr>
+          <p:cNvPr id="60" name="圓角矩形 59"/>
+          <p:cNvSpPr/>
+          <p:nvPr/>
+        </p:nvSpPr>
+        <p:spPr>
+          <a:xfrm>
+            <a:off x="8975090" y="3582035"/>
+            <a:ext cx="741680" cy="357505"/>
+          </a:xfrm>
+          <a:prstGeom prst="roundRect">
+            <a:avLst/>
+          </a:prstGeom>
+        </p:spPr>
+        <p:style>
+          <a:lnRef idx="2">
+            <a:schemeClr val="accent1">
+              <a:lumMod val="75000"/>
+            </a:schemeClr>
+          </a:lnRef>
+          <a:fillRef idx="1">
+            <a:schemeClr val="accent1"/>
+          </a:fillRef>
+          <a:effectRef idx="0">
+            <a:srgbClr val="FFFFFF"/>
+          </a:effectRef>
+          <a:fontRef idx="minor">
+            <a:schemeClr val="lt1"/>
+          </a:fontRef>
+        </p:style>
+        <p:txBody>
+          <a:bodyPr rtlCol="0" anchor="ctr"/>
+          <a:lstStyle/>
+          <a:p>
+            <a:pPr algn="ctr"/>
+            <a:r>
+              <a:rPr lang="en-US" altLang="zh-CN" sz="1200"/>
+              <a:t>UDP</a:t>
+            </a:r>
+            <a:endParaRPr lang="zh-CN" altLang="en-US" sz="1200"/>
+          </a:p>
+        </p:txBody>
+      </p:sp>
+      <p:sp>
+        <p:nvSpPr>
+          <p:cNvPr id="61" name="圓角矩形 60"/>
+          <p:cNvSpPr/>
+          <p:nvPr/>
+        </p:nvSpPr>
+        <p:spPr>
+          <a:xfrm>
+            <a:off x="8921115" y="4518025"/>
+            <a:ext cx="741680" cy="357505"/>
+          </a:xfrm>
+          <a:prstGeom prst="roundRect">
+            <a:avLst/>
+          </a:prstGeom>
+        </p:spPr>
+        <p:style>
+          <a:lnRef idx="2">
+            <a:schemeClr val="accent1">
+              <a:lumMod val="75000"/>
+            </a:schemeClr>
+          </a:lnRef>
+          <a:fillRef idx="1">
+            <a:schemeClr val="accent1"/>
+          </a:fillRef>
+          <a:effectRef idx="0">
+            <a:srgbClr val="FFFFFF"/>
+          </a:effectRef>
+          <a:fontRef idx="minor">
+            <a:schemeClr val="lt1"/>
+          </a:fontRef>
+        </p:style>
+        <p:txBody>
+          <a:bodyPr rtlCol="0" anchor="ctr"/>
+          <a:lstStyle/>
+          <a:p>
+            <a:pPr algn="ctr"/>
+            <a:r>
+              <a:rPr lang="zh-CN" altLang="en-US" sz="1200"/>
+              <a:t>网络</a:t>
+            </a:r>
+            <a:r>
+              <a:rPr lang="en-US" altLang="zh-CN" sz="1200"/>
+              <a:t>IO</a:t>
+            </a:r>
+          </a:p>
+        </p:txBody>
+      </p:sp>
+      <p:sp>
+        <p:nvSpPr>
+          <p:cNvPr id="62" name="文字框 61"/>
+          <p:cNvSpPr txBox="1"/>
+          <p:nvPr/>
+        </p:nvSpPr>
+        <p:spPr>
+          <a:xfrm>
+            <a:off x="7839075" y="3181985"/>
+            <a:ext cx="720725" cy="306705"/>
+          </a:xfrm>
+          <a:prstGeom prst="rect">
+            <a:avLst/>
+          </a:prstGeom>
+          <a:noFill/>
+        </p:spPr>
+        <p:txBody>
+          <a:bodyPr wrap="square" rtlCol="0">
+            <a:spAutoFit/>
+          </a:bodyPr>
+          <a:lstStyle/>
+          <a:p>
+            <a:r>
+              <a:rPr lang="zh-CN" altLang="zh-HK" sz="1400"/>
+              <a:t>协议层</a:t>
+            </a:r>
+          </a:p>
+        </p:txBody>
+      </p:sp>
+      <p:sp>
+        <p:nvSpPr>
+          <p:cNvPr id="63" name="圓角矩形 62"/>
+          <p:cNvSpPr/>
+          <p:nvPr/>
+        </p:nvSpPr>
+        <p:spPr>
+          <a:xfrm>
+            <a:off x="7814945" y="3582035"/>
+            <a:ext cx="684530" cy="323215"/>
+          </a:xfrm>
+          <a:prstGeom prst="roundRect">
+            <a:avLst/>
+          </a:prstGeom>
+        </p:spPr>
+        <p:style>
+          <a:lnRef idx="2">
+            <a:schemeClr val="accent1">
+              <a:lumMod val="75000"/>
+            </a:schemeClr>
+          </a:lnRef>
+          <a:fillRef idx="1">
+            <a:schemeClr val="accent1"/>
+          </a:fillRef>
+          <a:effectRef idx="0">
+            <a:srgbClr val="FFFFFF"/>
+          </a:effectRef>
+          <a:fontRef idx="minor">
+            <a:schemeClr val="lt1"/>
+          </a:fontRef>
+        </p:style>
+        <p:txBody>
+          <a:bodyPr rtlCol="0" anchor="ctr"/>
+          <a:lstStyle/>
+          <a:p>
+            <a:pPr algn="ctr"/>
+            <a:r>
+              <a:rPr lang="en-US" altLang="zh-HK" sz="1200"/>
+              <a:t>P2P</a:t>
+            </a:r>
+          </a:p>
+        </p:txBody>
+      </p:sp>
+      <p:sp>
+        <p:nvSpPr>
+          <p:cNvPr id="64" name="圓角矩形 63"/>
+          <p:cNvSpPr/>
+          <p:nvPr/>
+        </p:nvSpPr>
+        <p:spPr>
+          <a:xfrm>
+            <a:off x="7767955" y="4552315"/>
+            <a:ext cx="899160" cy="323215"/>
+          </a:xfrm>
+          <a:prstGeom prst="roundRect">
+            <a:avLst/>
+          </a:prstGeom>
+        </p:spPr>
+        <p:style>
+          <a:lnRef idx="2">
+            <a:schemeClr val="accent1">
+              <a:lumMod val="75000"/>
+            </a:schemeClr>
+          </a:lnRef>
+          <a:fillRef idx="1">
+            <a:schemeClr val="accent1"/>
+          </a:fillRef>
+          <a:effectRef idx="0">
+            <a:srgbClr val="FFFFFF"/>
+          </a:effectRef>
+          <a:fontRef idx="minor">
+            <a:schemeClr val="lt1"/>
+          </a:fontRef>
+        </p:style>
+        <p:txBody>
+          <a:bodyPr rtlCol="0" anchor="ctr"/>
+          <a:lstStyle/>
+          <a:p>
+            <a:pPr algn="ctr"/>
+            <a:r>
+              <a:rPr lang="zh-CN" altLang="en-US" sz="1200"/>
+              <a:t>丢包处理</a:t>
+            </a:r>
+          </a:p>
+        </p:txBody>
+      </p:sp>
+      <p:sp>
+        <p:nvSpPr>
+          <p:cNvPr id="65" name="文字框 64"/>
+          <p:cNvSpPr txBox="1"/>
+          <p:nvPr/>
+        </p:nvSpPr>
+        <p:spPr>
+          <a:xfrm>
+            <a:off x="2731770" y="5542915"/>
+            <a:ext cx="518160" cy="275590"/>
+          </a:xfrm>
+          <a:prstGeom prst="rect">
+            <a:avLst/>
+          </a:prstGeom>
+          <a:noFill/>
+        </p:spPr>
+        <p:txBody>
+          <a:bodyPr wrap="square" rtlCol="0">
+            <a:spAutoFit/>
+          </a:bodyPr>
+          <a:lstStyle/>
+          <a:p>
+            <a:r>
+              <a:rPr lang="zh-CN" altLang="zh-HK" sz="1200"/>
+              <a:t>容器</a:t>
+            </a:r>
+          </a:p>
+        </p:txBody>
+      </p:sp>
+      <p:sp>
+        <p:nvSpPr>
+          <p:cNvPr id="66" name="圓角矩形 65"/>
+          <p:cNvSpPr/>
+          <p:nvPr/>
+        </p:nvSpPr>
+        <p:spPr>
+          <a:xfrm>
+            <a:off x="2218055" y="5818505"/>
+            <a:ext cx="749300" cy="335280"/>
+          </a:xfrm>
+          <a:prstGeom prst="roundRect">
+            <a:avLst/>
+          </a:prstGeom>
+        </p:spPr>
+        <p:style>
+          <a:lnRef idx="2">
+            <a:schemeClr val="accent1">
+              <a:lumMod val="75000"/>
+            </a:schemeClr>
+          </a:lnRef>
+          <a:fillRef idx="1">
+            <a:schemeClr val="accent1"/>
+          </a:fillRef>
+          <a:effectRef idx="0">
+            <a:srgbClr val="FFFFFF"/>
+          </a:effectRef>
+          <a:fontRef idx="minor">
+            <a:schemeClr val="lt1"/>
+          </a:fontRef>
+        </p:style>
+        <p:txBody>
+          <a:bodyPr rtlCol="0" anchor="ctr"/>
+          <a:lstStyle/>
+          <a:p>
+            <a:pPr algn="ctr"/>
+            <a:r>
+              <a:rPr lang="en-US" altLang="zh-HK" sz="1200"/>
+              <a:t>win</a:t>
+            </a:r>
+            <a:r>
+              <a:rPr lang="zh-CN" altLang="en-US" sz="1200"/>
+              <a:t>沙盒</a:t>
+            </a:r>
+          </a:p>
+        </p:txBody>
+      </p:sp>
+      <p:sp>
+        <p:nvSpPr>
+          <p:cNvPr id="67" name="圓角矩形 66"/>
+          <p:cNvSpPr/>
+          <p:nvPr/>
+        </p:nvSpPr>
+        <p:spPr>
+          <a:xfrm>
+            <a:off x="3030220" y="5818505"/>
+            <a:ext cx="806450" cy="335280"/>
+          </a:xfrm>
+          <a:prstGeom prst="roundRect">
+            <a:avLst/>
+          </a:prstGeom>
+        </p:spPr>
+        <p:style>
+          <a:lnRef idx="2">
+            <a:schemeClr val="accent1">
+              <a:lumMod val="75000"/>
+            </a:schemeClr>
+          </a:lnRef>
+          <a:fillRef idx="1">
+            <a:schemeClr val="accent1"/>
+          </a:fillRef>
+          <a:effectRef idx="0">
+            <a:srgbClr val="FFFFFF"/>
+          </a:effectRef>
+          <a:fontRef idx="minor">
+            <a:schemeClr val="lt1"/>
+          </a:fontRef>
+        </p:style>
+        <p:txBody>
+          <a:bodyPr rtlCol="0" anchor="ctr"/>
+          <a:lstStyle/>
+          <a:p>
+            <a:pPr algn="ctr"/>
+            <a:r>
+              <a:rPr lang="en-US" altLang="zh-CN" sz="1200"/>
+              <a:t>android</a:t>
+            </a:r>
+            <a:r>
+              <a:rPr lang="zh-CN" altLang="en-US" sz="1200"/>
+              <a:t>容器</a:t>
+            </a:r>
+          </a:p>
+        </p:txBody>
+      </p:sp>
+      <p:sp>
+        <p:nvSpPr>
+          <p:cNvPr id="68" name="圓角矩形 67"/>
+          <p:cNvSpPr/>
+          <p:nvPr/>
+        </p:nvSpPr>
+        <p:spPr>
+          <a:xfrm>
+            <a:off x="2247900" y="6376670"/>
+            <a:ext cx="718820" cy="335280"/>
+          </a:xfrm>
+          <a:prstGeom prst="roundRect">
+            <a:avLst/>
+          </a:prstGeom>
+        </p:spPr>
+        <p:style>
+          <a:lnRef idx="2">
+            <a:schemeClr val="accent1">
+              <a:lumMod val="75000"/>
+            </a:schemeClr>
+          </a:lnRef>
+          <a:fillRef idx="1">
+            <a:schemeClr val="accent1"/>
+          </a:fillRef>
+          <a:effectRef idx="0">
+            <a:srgbClr val="FFFFFF"/>
+          </a:effectRef>
+          <a:fontRef idx="minor">
+            <a:schemeClr val="lt1"/>
+          </a:fontRef>
+        </p:style>
+        <p:txBody>
+          <a:bodyPr rtlCol="0" anchor="ctr"/>
+          <a:lstStyle/>
+          <a:p>
+            <a:pPr algn="ctr"/>
+            <a:r>
+              <a:rPr lang="zh-CN" sz="1200"/>
+              <a:t>设备多实例化</a:t>
+            </a:r>
+          </a:p>
+        </p:txBody>
+      </p:sp>
+      <p:sp>
+        <p:nvSpPr>
+          <p:cNvPr id="69" name="圓角矩形 68"/>
+          <p:cNvSpPr/>
+          <p:nvPr/>
+        </p:nvSpPr>
+        <p:spPr>
+          <a:xfrm>
+            <a:off x="3030220" y="6376670"/>
+            <a:ext cx="830580" cy="335280"/>
+          </a:xfrm>
+          <a:prstGeom prst="roundRect">
+            <a:avLst/>
+          </a:prstGeom>
+        </p:spPr>
+        <p:style>
+          <a:lnRef idx="2">
+            <a:schemeClr val="accent1">
+              <a:lumMod val="75000"/>
+            </a:schemeClr>
+          </a:lnRef>
+          <a:fillRef idx="1">
+            <a:schemeClr val="accent1"/>
+          </a:fillRef>
+          <a:effectRef idx="0">
+            <a:srgbClr val="FFFFFF"/>
+          </a:effectRef>
+          <a:fontRef idx="minor">
+            <a:schemeClr val="lt1"/>
+          </a:fontRef>
+        </p:style>
+        <p:txBody>
+          <a:bodyPr rtlCol="0" anchor="ctr"/>
+          <a:lstStyle/>
+          <a:p>
+            <a:pPr algn="ctr"/>
+            <a:r>
+              <a:rPr lang="zh-CN" sz="1200"/>
+              <a:t>资源隔离</a:t>
+            </a:r>
+          </a:p>
+        </p:txBody>
+      </p:sp>
+      <p:sp>
+        <p:nvSpPr>
+          <p:cNvPr id="70" name="矩形 69"/>
+          <p:cNvSpPr/>
+          <p:nvPr/>
+        </p:nvSpPr>
+        <p:spPr>
+          <a:xfrm>
+            <a:off x="6178550" y="5467350"/>
+            <a:ext cx="3185160" cy="1469390"/>
+          </a:xfrm>
+          <a:prstGeom prst="rect">
             <a:avLst/>
           </a:prstGeom>
           <a:solidFill>
@@ -8956,205 +8392,769 @@
         <p:style>
           <a:lnRef idx="2">
             <a:schemeClr val="accent1">
-              <a:shade val="50000"/>
-            </a:schemeClr>
-          </a:lnRef>
-          <a:fillRef idx="1">
-            <a:schemeClr val="accent1"/>
-          </a:fillRef>
-          <a:effectRef idx="0">
-            <a:schemeClr val="accent1"/>
-          </a:effectRef>
-          <a:fontRef idx="minor">
-            <a:schemeClr val="lt1"/>
-          </a:fontRef>
-        </p:style>
-        <p:txBody>
-          <a:bodyPr rtlCol="0" anchor="ctr"/>
-          <a:lstStyle/>
-          <a:p>
-            <a:pPr algn="ctr"/>
-            <a:r>
-              <a:rPr lang="zh-CN" altLang="en-US" dirty="0" smtClean="0"/>
-              <a:t>整合输出</a:t>
-            </a:r>
-            <a:endParaRPr lang="zh-CN" altLang="en-US" dirty="0"/>
-          </a:p>
-        </p:txBody>
-      </p:sp>
-      <p:sp>
-        <p:nvSpPr>
-          <p:cNvPr id="3" name="矩形 2"/>
-          <p:cNvSpPr/>
-          <p:nvPr/>
-        </p:nvSpPr>
-        <p:spPr>
-          <a:xfrm>
-            <a:off x="893928" y="6039135"/>
-            <a:ext cx="2013044" cy="818865"/>
-          </a:xfrm>
-          <a:prstGeom prst="rect">
-            <a:avLst/>
-          </a:prstGeom>
-        </p:spPr>
-        <p:style>
-          <a:lnRef idx="2">
-            <a:schemeClr val="accent1">
-              <a:shade val="50000"/>
-            </a:schemeClr>
-          </a:lnRef>
-          <a:fillRef idx="1">
-            <a:schemeClr val="accent1"/>
-          </a:fillRef>
-          <a:effectRef idx="0">
-            <a:schemeClr val="accent1"/>
-          </a:effectRef>
-          <a:fontRef idx="minor">
-            <a:schemeClr val="lt1"/>
-          </a:fontRef>
-        </p:style>
-        <p:txBody>
-          <a:bodyPr rtlCol="0" anchor="ctr"/>
-          <a:lstStyle/>
-          <a:p>
-            <a:pPr algn="ctr"/>
-            <a:r>
-              <a:rPr lang="zh-CN" altLang="en-US" dirty="0" smtClean="0"/>
-              <a:t>自营机房</a:t>
-            </a:r>
-            <a:endParaRPr lang="zh-CN" altLang="en-US" dirty="0"/>
-          </a:p>
-        </p:txBody>
-      </p:sp>
-      <p:sp>
-        <p:nvSpPr>
-          <p:cNvPr id="27" name="矩形 26"/>
-          <p:cNvSpPr/>
-          <p:nvPr/>
-        </p:nvSpPr>
-        <p:spPr>
-          <a:xfrm>
-            <a:off x="4892721" y="6039133"/>
-            <a:ext cx="2013044" cy="818865"/>
-          </a:xfrm>
-          <a:prstGeom prst="rect">
-            <a:avLst/>
-          </a:prstGeom>
-        </p:spPr>
-        <p:style>
-          <a:lnRef idx="2">
-            <a:schemeClr val="accent1">
-              <a:shade val="50000"/>
-            </a:schemeClr>
-          </a:lnRef>
-          <a:fillRef idx="1">
-            <a:schemeClr val="accent1"/>
-          </a:fillRef>
-          <a:effectRef idx="0">
-            <a:schemeClr val="accent1"/>
-          </a:effectRef>
-          <a:fontRef idx="minor">
-            <a:schemeClr val="lt1"/>
-          </a:fontRef>
-        </p:style>
-        <p:txBody>
-          <a:bodyPr rtlCol="0" anchor="ctr"/>
-          <a:lstStyle/>
-          <a:p>
-            <a:pPr algn="ctr"/>
-            <a:r>
-              <a:rPr lang="zh-CN" altLang="en-US" dirty="0" smtClean="0"/>
-              <a:t>网吧</a:t>
-            </a:r>
-            <a:endParaRPr lang="zh-CN" altLang="en-US" dirty="0"/>
-          </a:p>
-        </p:txBody>
-      </p:sp>
-      <p:sp>
-        <p:nvSpPr>
-          <p:cNvPr id="28" name="矩形 27"/>
-          <p:cNvSpPr/>
-          <p:nvPr/>
-        </p:nvSpPr>
-        <p:spPr>
-          <a:xfrm>
-            <a:off x="8027726" y="6039134"/>
-            <a:ext cx="2013044" cy="818865"/>
-          </a:xfrm>
-          <a:prstGeom prst="rect">
-            <a:avLst/>
-          </a:prstGeom>
-        </p:spPr>
-        <p:style>
-          <a:lnRef idx="2">
-            <a:schemeClr val="accent1">
-              <a:shade val="50000"/>
-            </a:schemeClr>
-          </a:lnRef>
-          <a:fillRef idx="1">
-            <a:schemeClr val="accent1"/>
-          </a:fillRef>
-          <a:effectRef idx="0">
-            <a:schemeClr val="accent1"/>
-          </a:effectRef>
-          <a:fontRef idx="minor">
-            <a:schemeClr val="lt1"/>
-          </a:fontRef>
-        </p:style>
-        <p:txBody>
-          <a:bodyPr rtlCol="0" anchor="ctr"/>
-          <a:lstStyle/>
-          <a:p>
-            <a:pPr algn="ctr"/>
-            <a:r>
-              <a:rPr lang="zh-CN" altLang="en-US" dirty="0" smtClean="0"/>
-              <a:t>阿里云</a:t>
-            </a:r>
-            <a:endParaRPr lang="zh-CN" altLang="en-US" dirty="0"/>
-          </a:p>
-        </p:txBody>
-      </p:sp>
-      <p:sp>
-        <p:nvSpPr>
-          <p:cNvPr id="29" name="上箭头 28"/>
-          <p:cNvSpPr/>
-          <p:nvPr/>
-        </p:nvSpPr>
-        <p:spPr>
-          <a:xfrm>
-            <a:off x="4234218" y="5295333"/>
-            <a:ext cx="3527946" cy="416256"/>
-          </a:xfrm>
-          <a:prstGeom prst="upArrow">
-            <a:avLst/>
-          </a:prstGeom>
-        </p:spPr>
-        <p:style>
-          <a:lnRef idx="2">
-            <a:schemeClr val="accent1">
-              <a:shade val="50000"/>
-            </a:schemeClr>
-          </a:lnRef>
-          <a:fillRef idx="1">
-            <a:schemeClr val="accent1"/>
-          </a:fillRef>
-          <a:effectRef idx="0">
-            <a:schemeClr val="accent1"/>
-          </a:effectRef>
-          <a:fontRef idx="minor">
-            <a:schemeClr val="lt1"/>
-          </a:fontRef>
-        </p:style>
-        <p:txBody>
-          <a:bodyPr rtlCol="0" anchor="ctr"/>
-          <a:lstStyle/>
-          <a:p>
-            <a:pPr algn="ctr"/>
-            <a:r>
-              <a:rPr lang="zh-CN" altLang="en-US" dirty="0" smtClean="0"/>
-              <a:t>资源接入</a:t>
-            </a:r>
-            <a:endParaRPr lang="zh-CN" altLang="en-US" dirty="0"/>
+              <a:lumMod val="75000"/>
+            </a:schemeClr>
+          </a:lnRef>
+          <a:fillRef idx="1">
+            <a:schemeClr val="accent1"/>
+          </a:fillRef>
+          <a:effectRef idx="0">
+            <a:srgbClr val="FFFFFF"/>
+          </a:effectRef>
+          <a:fontRef idx="minor">
+            <a:schemeClr val="lt1"/>
+          </a:fontRef>
+        </p:style>
+        <p:txBody>
+          <a:bodyPr rtlCol="0" anchor="ctr"/>
+          <a:lstStyle/>
+          <a:p>
+            <a:pPr algn="ctr"/>
+            <a:endParaRPr lang="zh-HK" altLang="en-US"/>
+          </a:p>
+        </p:txBody>
+      </p:sp>
+      <p:sp>
+        <p:nvSpPr>
+          <p:cNvPr id="71" name="文字框 70"/>
+          <p:cNvSpPr txBox="1"/>
+          <p:nvPr/>
+        </p:nvSpPr>
+        <p:spPr>
+          <a:xfrm>
+            <a:off x="6797675" y="5467350"/>
+            <a:ext cx="2044700" cy="306705"/>
+          </a:xfrm>
+          <a:prstGeom prst="rect">
+            <a:avLst/>
+          </a:prstGeom>
+          <a:noFill/>
+        </p:spPr>
+        <p:txBody>
+          <a:bodyPr wrap="square" rtlCol="0">
+            <a:spAutoFit/>
+          </a:bodyPr>
+          <a:lstStyle/>
+          <a:p>
+            <a:r>
+              <a:rPr lang="zh-CN" altLang="zh-HK" sz="1400"/>
+              <a:t>云端虚拟设备映射</a:t>
+            </a:r>
+          </a:p>
+        </p:txBody>
+      </p:sp>
+      <p:sp>
+        <p:nvSpPr>
+          <p:cNvPr id="72" name="圓角矩形 71"/>
+          <p:cNvSpPr/>
+          <p:nvPr/>
+        </p:nvSpPr>
+        <p:spPr>
+          <a:xfrm>
+            <a:off x="6283960" y="5835650"/>
+            <a:ext cx="1426845" cy="353060"/>
+          </a:xfrm>
+          <a:prstGeom prst="roundRect">
+            <a:avLst/>
+          </a:prstGeom>
+        </p:spPr>
+        <p:style>
+          <a:lnRef idx="2">
+            <a:schemeClr val="accent1">
+              <a:lumMod val="75000"/>
+            </a:schemeClr>
+          </a:lnRef>
+          <a:fillRef idx="1">
+            <a:schemeClr val="accent1"/>
+          </a:fillRef>
+          <a:effectRef idx="0">
+            <a:srgbClr val="FFFFFF"/>
+          </a:effectRef>
+          <a:fontRef idx="minor">
+            <a:schemeClr val="lt1"/>
+          </a:fontRef>
+        </p:style>
+        <p:txBody>
+          <a:bodyPr rtlCol="0" anchor="ctr"/>
+          <a:lstStyle/>
+          <a:p>
+            <a:pPr algn="ctr"/>
+            <a:r>
+              <a:rPr lang="zh-CN" altLang="zh-HK" sz="1200"/>
+              <a:t>虚拟设备通信协议接口</a:t>
+            </a:r>
+          </a:p>
+        </p:txBody>
+      </p:sp>
+      <p:sp>
+        <p:nvSpPr>
+          <p:cNvPr id="73" name="圓角矩形 72"/>
+          <p:cNvSpPr/>
+          <p:nvPr/>
+        </p:nvSpPr>
+        <p:spPr>
+          <a:xfrm>
+            <a:off x="7983220" y="5835650"/>
+            <a:ext cx="1257300" cy="353060"/>
+          </a:xfrm>
+          <a:prstGeom prst="roundRect">
+            <a:avLst/>
+          </a:prstGeom>
+        </p:spPr>
+        <p:style>
+          <a:lnRef idx="2">
+            <a:schemeClr val="accent1">
+              <a:lumMod val="75000"/>
+            </a:schemeClr>
+          </a:lnRef>
+          <a:fillRef idx="1">
+            <a:schemeClr val="accent1"/>
+          </a:fillRef>
+          <a:effectRef idx="0">
+            <a:srgbClr val="FFFFFF"/>
+          </a:effectRef>
+          <a:fontRef idx="minor">
+            <a:schemeClr val="lt1"/>
+          </a:fontRef>
+        </p:style>
+        <p:txBody>
+          <a:bodyPr rtlCol="0" anchor="ctr"/>
+          <a:lstStyle/>
+          <a:p>
+            <a:pPr algn="ctr"/>
+            <a:r>
+              <a:rPr lang="zh-CN" altLang="zh-HK" sz="1200"/>
+              <a:t>设备虚拟化</a:t>
+            </a:r>
+          </a:p>
+        </p:txBody>
+      </p:sp>
+      <p:sp>
+        <p:nvSpPr>
+          <p:cNvPr id="74" name="圓角矩形 73"/>
+          <p:cNvSpPr/>
+          <p:nvPr/>
+        </p:nvSpPr>
+        <p:spPr>
+          <a:xfrm>
+            <a:off x="6283960" y="6421755"/>
+            <a:ext cx="1426845" cy="353060"/>
+          </a:xfrm>
+          <a:prstGeom prst="roundRect">
+            <a:avLst/>
+          </a:prstGeom>
+        </p:spPr>
+        <p:style>
+          <a:lnRef idx="2">
+            <a:schemeClr val="accent1">
+              <a:lumMod val="75000"/>
+            </a:schemeClr>
+          </a:lnRef>
+          <a:fillRef idx="1">
+            <a:schemeClr val="accent1"/>
+          </a:fillRef>
+          <a:effectRef idx="0">
+            <a:srgbClr val="FFFFFF"/>
+          </a:effectRef>
+          <a:fontRef idx="minor">
+            <a:schemeClr val="lt1"/>
+          </a:fontRef>
+        </p:style>
+        <p:txBody>
+          <a:bodyPr rtlCol="0" anchor="ctr"/>
+          <a:lstStyle/>
+          <a:p>
+            <a:pPr algn="ctr"/>
+            <a:r>
+              <a:rPr lang="zh-CN" altLang="zh-HK" sz="1200"/>
+              <a:t>外设设备数据注入</a:t>
+            </a:r>
+          </a:p>
+        </p:txBody>
+      </p:sp>
+      <p:sp>
+        <p:nvSpPr>
+          <p:cNvPr id="75" name="圓角矩形 74"/>
+          <p:cNvSpPr/>
+          <p:nvPr/>
+        </p:nvSpPr>
+        <p:spPr>
+          <a:xfrm>
+            <a:off x="7839075" y="6421755"/>
+            <a:ext cx="1426845" cy="353060"/>
+          </a:xfrm>
+          <a:prstGeom prst="roundRect">
+            <a:avLst/>
+          </a:prstGeom>
+        </p:spPr>
+        <p:style>
+          <a:lnRef idx="2">
+            <a:schemeClr val="accent1">
+              <a:lumMod val="75000"/>
+            </a:schemeClr>
+          </a:lnRef>
+          <a:fillRef idx="1">
+            <a:schemeClr val="accent1"/>
+          </a:fillRef>
+          <a:effectRef idx="0">
+            <a:srgbClr val="FFFFFF"/>
+          </a:effectRef>
+          <a:fontRef idx="minor">
+            <a:schemeClr val="lt1"/>
+          </a:fontRef>
+        </p:style>
+        <p:txBody>
+          <a:bodyPr rtlCol="0" anchor="ctr"/>
+          <a:lstStyle/>
+          <a:p>
+            <a:pPr algn="ctr"/>
+            <a:r>
+              <a:rPr lang="zh-CN" altLang="zh-HK" sz="1200"/>
+              <a:t>设备地址空间转换</a:t>
+            </a:r>
+          </a:p>
+        </p:txBody>
+      </p:sp>
+      <p:sp>
+        <p:nvSpPr>
+          <p:cNvPr id="76" name="圓角矩形 75"/>
+          <p:cNvSpPr/>
+          <p:nvPr/>
+        </p:nvSpPr>
+        <p:spPr>
+          <a:xfrm>
+            <a:off x="10633710" y="415925"/>
+            <a:ext cx="1501140" cy="1962150"/>
+          </a:xfrm>
+          <a:prstGeom prst="roundRect">
+            <a:avLst/>
+          </a:prstGeom>
+          <a:solidFill>
+            <a:schemeClr val="accent1">
+              <a:lumMod val="75000"/>
+            </a:schemeClr>
+          </a:solidFill>
+        </p:spPr>
+        <p:style>
+          <a:lnRef idx="2">
+            <a:schemeClr val="accent1">
+              <a:lumMod val="75000"/>
+            </a:schemeClr>
+          </a:lnRef>
+          <a:fillRef idx="1">
+            <a:schemeClr val="accent1"/>
+          </a:fillRef>
+          <a:effectRef idx="0">
+            <a:srgbClr val="FFFFFF"/>
+          </a:effectRef>
+          <a:fontRef idx="minor">
+            <a:schemeClr val="lt1"/>
+          </a:fontRef>
+        </p:style>
+        <p:txBody>
+          <a:bodyPr rtlCol="0" anchor="ctr"/>
+          <a:lstStyle/>
+          <a:p>
+            <a:pPr algn="ctr"/>
+            <a:endParaRPr lang="zh-HK" altLang="en-US"/>
+          </a:p>
+        </p:txBody>
+      </p:sp>
+      <p:sp>
+        <p:nvSpPr>
+          <p:cNvPr id="77" name="文字框 76"/>
+          <p:cNvSpPr txBox="1"/>
+          <p:nvPr/>
+        </p:nvSpPr>
+        <p:spPr>
+          <a:xfrm>
+            <a:off x="10807065" y="581660"/>
+            <a:ext cx="4064000" cy="306705"/>
+          </a:xfrm>
+          <a:prstGeom prst="rect">
+            <a:avLst/>
+          </a:prstGeom>
+          <a:noFill/>
+        </p:spPr>
+        <p:txBody>
+          <a:bodyPr wrap="square" rtlCol="0">
+            <a:spAutoFit/>
+          </a:bodyPr>
+          <a:lstStyle/>
+          <a:p>
+            <a:r>
+              <a:rPr lang="zh-CN" altLang="zh-HK" sz="1400">
+                <a:solidFill>
+                  <a:schemeClr val="bg1"/>
+                </a:solidFill>
+              </a:rPr>
+              <a:t>大数据平台</a:t>
+            </a:r>
+          </a:p>
+        </p:txBody>
+      </p:sp>
+      <p:sp>
+        <p:nvSpPr>
+          <p:cNvPr id="79" name="圓角矩形 78"/>
+          <p:cNvSpPr/>
+          <p:nvPr/>
+        </p:nvSpPr>
+        <p:spPr>
+          <a:xfrm>
+            <a:off x="10793095" y="982980"/>
+            <a:ext cx="1182370" cy="240665"/>
+          </a:xfrm>
+          <a:prstGeom prst="roundRect">
+            <a:avLst/>
+          </a:prstGeom>
+        </p:spPr>
+        <p:style>
+          <a:lnRef idx="2">
+            <a:schemeClr val="accent1">
+              <a:lumMod val="75000"/>
+            </a:schemeClr>
+          </a:lnRef>
+          <a:fillRef idx="1">
+            <a:schemeClr val="accent1"/>
+          </a:fillRef>
+          <a:effectRef idx="0">
+            <a:srgbClr val="FFFFFF"/>
+          </a:effectRef>
+          <a:fontRef idx="minor">
+            <a:schemeClr val="lt1"/>
+          </a:fontRef>
+        </p:style>
+        <p:txBody>
+          <a:bodyPr rtlCol="0" anchor="ctr"/>
+          <a:lstStyle/>
+          <a:p>
+            <a:pPr algn="ctr"/>
+            <a:r>
+              <a:rPr lang="zh-CN" altLang="zh-HK" sz="1200"/>
+              <a:t>大数据接口层</a:t>
+            </a:r>
+          </a:p>
+        </p:txBody>
+      </p:sp>
+      <p:sp>
+        <p:nvSpPr>
+          <p:cNvPr id="80" name="圓角矩形 79"/>
+          <p:cNvSpPr/>
+          <p:nvPr/>
+        </p:nvSpPr>
+        <p:spPr>
+          <a:xfrm>
+            <a:off x="10793095" y="1842135"/>
+            <a:ext cx="1182370" cy="429260"/>
+          </a:xfrm>
+          <a:prstGeom prst="roundRect">
+            <a:avLst/>
+          </a:prstGeom>
+        </p:spPr>
+        <p:style>
+          <a:lnRef idx="2">
+            <a:schemeClr val="accent1">
+              <a:lumMod val="75000"/>
+            </a:schemeClr>
+          </a:lnRef>
+          <a:fillRef idx="1">
+            <a:schemeClr val="accent1"/>
+          </a:fillRef>
+          <a:effectRef idx="0">
+            <a:srgbClr val="FFFFFF"/>
+          </a:effectRef>
+          <a:fontRef idx="minor">
+            <a:schemeClr val="lt1"/>
+          </a:fontRef>
+        </p:style>
+        <p:txBody>
+          <a:bodyPr rtlCol="0" anchor="ctr"/>
+          <a:lstStyle/>
+          <a:p>
+            <a:pPr algn="ctr"/>
+            <a:r>
+              <a:rPr lang="zh-CN" altLang="zh-HK" sz="1200"/>
+              <a:t>大数据存储</a:t>
+            </a:r>
+          </a:p>
+        </p:txBody>
+      </p:sp>
+      <p:sp>
+        <p:nvSpPr>
+          <p:cNvPr id="81" name="圓角矩形 80"/>
+          <p:cNvSpPr/>
+          <p:nvPr/>
+        </p:nvSpPr>
+        <p:spPr>
+          <a:xfrm>
+            <a:off x="10709275" y="1452245"/>
+            <a:ext cx="1398270" cy="240665"/>
+          </a:xfrm>
+          <a:prstGeom prst="roundRect">
+            <a:avLst/>
+          </a:prstGeom>
+        </p:spPr>
+        <p:style>
+          <a:lnRef idx="2">
+            <a:schemeClr val="accent1">
+              <a:lumMod val="75000"/>
+            </a:schemeClr>
+          </a:lnRef>
+          <a:fillRef idx="1">
+            <a:schemeClr val="accent1"/>
+          </a:fillRef>
+          <a:effectRef idx="0">
+            <a:srgbClr val="FFFFFF"/>
+          </a:effectRef>
+          <a:fontRef idx="minor">
+            <a:schemeClr val="lt1"/>
+          </a:fontRef>
+        </p:style>
+        <p:txBody>
+          <a:bodyPr rtlCol="0" anchor="ctr"/>
+          <a:lstStyle/>
+          <a:p>
+            <a:pPr algn="ctr"/>
+            <a:r>
+              <a:rPr lang="zh-CN" altLang="zh-HK" sz="1200"/>
+              <a:t>数据处理与分析</a:t>
+            </a:r>
+          </a:p>
+        </p:txBody>
+      </p:sp>
+      <p:sp>
+        <p:nvSpPr>
+          <p:cNvPr id="82" name="圓角矩形 81"/>
+          <p:cNvSpPr/>
+          <p:nvPr/>
+        </p:nvSpPr>
+        <p:spPr>
+          <a:xfrm>
+            <a:off x="10739755" y="2537460"/>
+            <a:ext cx="1440180" cy="4307205"/>
+          </a:xfrm>
+          <a:prstGeom prst="roundRect">
+            <a:avLst/>
+          </a:prstGeom>
+          <a:solidFill>
+            <a:schemeClr val="accent1">
+              <a:lumMod val="75000"/>
+            </a:schemeClr>
+          </a:solidFill>
+        </p:spPr>
+        <p:style>
+          <a:lnRef idx="2">
+            <a:schemeClr val="accent1">
+              <a:lumMod val="75000"/>
+            </a:schemeClr>
+          </a:lnRef>
+          <a:fillRef idx="1">
+            <a:schemeClr val="accent1"/>
+          </a:fillRef>
+          <a:effectRef idx="0">
+            <a:srgbClr val="FFFFFF"/>
+          </a:effectRef>
+          <a:fontRef idx="minor">
+            <a:schemeClr val="lt1"/>
+          </a:fontRef>
+        </p:style>
+        <p:txBody>
+          <a:bodyPr rtlCol="0" anchor="ctr"/>
+          <a:lstStyle/>
+          <a:p>
+            <a:pPr algn="ctr"/>
+            <a:endParaRPr lang="zh-HK" altLang="en-US"/>
+          </a:p>
+        </p:txBody>
+      </p:sp>
+      <p:sp>
+        <p:nvSpPr>
+          <p:cNvPr id="83" name="文字框 82"/>
+          <p:cNvSpPr txBox="1"/>
+          <p:nvPr/>
+        </p:nvSpPr>
+        <p:spPr>
+          <a:xfrm>
+            <a:off x="10891520" y="2849880"/>
+            <a:ext cx="1215390" cy="275590"/>
+          </a:xfrm>
+          <a:prstGeom prst="rect">
+            <a:avLst/>
+          </a:prstGeom>
+          <a:noFill/>
+        </p:spPr>
+        <p:txBody>
+          <a:bodyPr wrap="square" rtlCol="0">
+            <a:spAutoFit/>
+          </a:bodyPr>
+          <a:lstStyle/>
+          <a:p>
+            <a:r>
+              <a:rPr lang="zh-CN" altLang="zh-HK" sz="1200">
+                <a:solidFill>
+                  <a:schemeClr val="bg1"/>
+                </a:solidFill>
+              </a:rPr>
+              <a:t>智能运营平台</a:t>
+            </a:r>
+          </a:p>
+        </p:txBody>
+      </p:sp>
+      <p:sp>
+        <p:nvSpPr>
+          <p:cNvPr id="84" name="圓角矩形 83"/>
+          <p:cNvSpPr/>
+          <p:nvPr/>
+        </p:nvSpPr>
+        <p:spPr>
+          <a:xfrm>
+            <a:off x="10891520" y="3275330"/>
+            <a:ext cx="1091565" cy="297815"/>
+          </a:xfrm>
+          <a:prstGeom prst="roundRect">
+            <a:avLst/>
+          </a:prstGeom>
+        </p:spPr>
+        <p:style>
+          <a:lnRef idx="2">
+            <a:schemeClr val="accent1">
+              <a:lumMod val="75000"/>
+            </a:schemeClr>
+          </a:lnRef>
+          <a:fillRef idx="1">
+            <a:schemeClr val="accent1"/>
+          </a:fillRef>
+          <a:effectRef idx="0">
+            <a:srgbClr val="FFFFFF"/>
+          </a:effectRef>
+          <a:fontRef idx="minor">
+            <a:schemeClr val="lt1"/>
+          </a:fontRef>
+        </p:style>
+        <p:txBody>
+          <a:bodyPr rtlCol="0" anchor="ctr"/>
+          <a:lstStyle/>
+          <a:p>
+            <a:pPr algn="ctr"/>
+            <a:r>
+              <a:rPr lang="zh-CN" altLang="zh-HK" sz="1000"/>
+              <a:t>统一门户入口</a:t>
+            </a:r>
+          </a:p>
+        </p:txBody>
+      </p:sp>
+      <p:sp>
+        <p:nvSpPr>
+          <p:cNvPr id="85" name="圓角矩形 84"/>
+          <p:cNvSpPr/>
+          <p:nvPr/>
+        </p:nvSpPr>
+        <p:spPr>
+          <a:xfrm>
+            <a:off x="10891520" y="3700145"/>
+            <a:ext cx="1091565" cy="297815"/>
+          </a:xfrm>
+          <a:prstGeom prst="roundRect">
+            <a:avLst/>
+          </a:prstGeom>
+        </p:spPr>
+        <p:style>
+          <a:lnRef idx="2">
+            <a:schemeClr val="accent1">
+              <a:lumMod val="75000"/>
+            </a:schemeClr>
+          </a:lnRef>
+          <a:fillRef idx="1">
+            <a:schemeClr val="accent1"/>
+          </a:fillRef>
+          <a:effectRef idx="0">
+            <a:srgbClr val="FFFFFF"/>
+          </a:effectRef>
+          <a:fontRef idx="minor">
+            <a:schemeClr val="lt1"/>
+          </a:fontRef>
+        </p:style>
+        <p:txBody>
+          <a:bodyPr rtlCol="0" anchor="ctr"/>
+          <a:lstStyle/>
+          <a:p>
+            <a:pPr algn="ctr"/>
+            <a:r>
+              <a:rPr lang="zh-CN" altLang="zh-HK" sz="1000"/>
+              <a:t>集中报警平台</a:t>
+            </a:r>
+          </a:p>
+        </p:txBody>
+      </p:sp>
+      <p:sp>
+        <p:nvSpPr>
+          <p:cNvPr id="86" name="圓角矩形 85"/>
+          <p:cNvSpPr/>
+          <p:nvPr/>
+        </p:nvSpPr>
+        <p:spPr>
+          <a:xfrm>
+            <a:off x="10891520" y="4207510"/>
+            <a:ext cx="1091565" cy="297815"/>
+          </a:xfrm>
+          <a:prstGeom prst="roundRect">
+            <a:avLst/>
+          </a:prstGeom>
+        </p:spPr>
+        <p:style>
+          <a:lnRef idx="2">
+            <a:schemeClr val="accent1">
+              <a:lumMod val="75000"/>
+            </a:schemeClr>
+          </a:lnRef>
+          <a:fillRef idx="1">
+            <a:schemeClr val="accent1"/>
+          </a:fillRef>
+          <a:effectRef idx="0">
+            <a:srgbClr val="FFFFFF"/>
+          </a:effectRef>
+          <a:fontRef idx="minor">
+            <a:schemeClr val="lt1"/>
+          </a:fontRef>
+        </p:style>
+        <p:txBody>
+          <a:bodyPr rtlCol="0" anchor="ctr"/>
+          <a:lstStyle/>
+          <a:p>
+            <a:pPr algn="ctr"/>
+            <a:r>
+              <a:rPr lang="zh-CN" altLang="zh-HK" sz="1000"/>
+              <a:t>服务流程管理</a:t>
+            </a:r>
+          </a:p>
+        </p:txBody>
+      </p:sp>
+      <p:sp>
+        <p:nvSpPr>
+          <p:cNvPr id="87" name="圓角矩形 86"/>
+          <p:cNvSpPr/>
+          <p:nvPr/>
+        </p:nvSpPr>
+        <p:spPr>
+          <a:xfrm>
+            <a:off x="10891520" y="4652010"/>
+            <a:ext cx="1091565" cy="297815"/>
+          </a:xfrm>
+          <a:prstGeom prst="roundRect">
+            <a:avLst/>
+          </a:prstGeom>
+        </p:spPr>
+        <p:style>
+          <a:lnRef idx="2">
+            <a:schemeClr val="accent1">
+              <a:lumMod val="75000"/>
+            </a:schemeClr>
+          </a:lnRef>
+          <a:fillRef idx="1">
+            <a:schemeClr val="accent1"/>
+          </a:fillRef>
+          <a:effectRef idx="0">
+            <a:srgbClr val="FFFFFF"/>
+          </a:effectRef>
+          <a:fontRef idx="minor">
+            <a:schemeClr val="lt1"/>
+          </a:fontRef>
+        </p:style>
+        <p:txBody>
+          <a:bodyPr rtlCol="0" anchor="ctr"/>
+          <a:lstStyle/>
+          <a:p>
+            <a:pPr algn="ctr"/>
+            <a:r>
+              <a:rPr lang="zh-CN" altLang="zh-HK" sz="1000"/>
+              <a:t>配置中心</a:t>
+            </a:r>
+          </a:p>
+        </p:txBody>
+      </p:sp>
+      <p:sp>
+        <p:nvSpPr>
+          <p:cNvPr id="88" name="圓角矩形 87"/>
+          <p:cNvSpPr/>
+          <p:nvPr/>
+        </p:nvSpPr>
+        <p:spPr>
+          <a:xfrm>
+            <a:off x="10914380" y="5169535"/>
+            <a:ext cx="1091565" cy="297815"/>
+          </a:xfrm>
+          <a:prstGeom prst="roundRect">
+            <a:avLst/>
+          </a:prstGeom>
+        </p:spPr>
+        <p:style>
+          <a:lnRef idx="2">
+            <a:schemeClr val="accent1">
+              <a:lumMod val="75000"/>
+            </a:schemeClr>
+          </a:lnRef>
+          <a:fillRef idx="1">
+            <a:schemeClr val="accent1"/>
+          </a:fillRef>
+          <a:effectRef idx="0">
+            <a:srgbClr val="FFFFFF"/>
+          </a:effectRef>
+          <a:fontRef idx="minor">
+            <a:schemeClr val="lt1"/>
+          </a:fontRef>
+        </p:style>
+        <p:txBody>
+          <a:bodyPr rtlCol="0" anchor="ctr"/>
+          <a:lstStyle/>
+          <a:p>
+            <a:pPr algn="ctr"/>
+            <a:r>
+              <a:rPr lang="zh-CN" altLang="zh-HK" sz="1000"/>
+              <a:t>资产管理</a:t>
+            </a:r>
+          </a:p>
+        </p:txBody>
+      </p:sp>
+      <p:sp>
+        <p:nvSpPr>
+          <p:cNvPr id="89" name="圓角矩形 88"/>
+          <p:cNvSpPr/>
+          <p:nvPr/>
+        </p:nvSpPr>
+        <p:spPr>
+          <a:xfrm>
+            <a:off x="10914380" y="5685790"/>
+            <a:ext cx="1091565" cy="297815"/>
+          </a:xfrm>
+          <a:prstGeom prst="roundRect">
+            <a:avLst/>
+          </a:prstGeom>
+        </p:spPr>
+        <p:style>
+          <a:lnRef idx="2">
+            <a:schemeClr val="accent1">
+              <a:lumMod val="75000"/>
+            </a:schemeClr>
+          </a:lnRef>
+          <a:fillRef idx="1">
+            <a:schemeClr val="accent1"/>
+          </a:fillRef>
+          <a:effectRef idx="0">
+            <a:srgbClr val="FFFFFF"/>
+          </a:effectRef>
+          <a:fontRef idx="minor">
+            <a:schemeClr val="lt1"/>
+          </a:fontRef>
+        </p:style>
+        <p:txBody>
+          <a:bodyPr rtlCol="0" anchor="ctr"/>
+          <a:lstStyle/>
+          <a:p>
+            <a:pPr algn="ctr"/>
+            <a:r>
+              <a:rPr lang="zh-CN" altLang="zh-HK" sz="800"/>
+              <a:t>数据及消息中间件</a:t>
+            </a:r>
           </a:p>
         </p:txBody>
       </p:sp>

--- a/云电脑平台架构.pptx
+++ b/云电脑平台架构.pptx
@@ -289,7 +289,7 @@
           <a:p>
             <a:fld id="{63A1C593-65D0-4073-BCC9-577B9352EA97}" type="datetimeFigureOut">
               <a:rPr lang="en-US" smtClean="0"/>
-              <a:t>2025-11-16</a:t>
+              <a:t>2025-11-19</a:t>
             </a:fld>
             <a:endParaRPr lang="en-US"/>
           </a:p>
@@ -454,7 +454,7 @@
           <a:p>
             <a:fld id="{63A1C593-65D0-4073-BCC9-577B9352EA97}" type="datetimeFigureOut">
               <a:rPr lang="en-US" smtClean="0"/>
-              <a:t>2025-11-16</a:t>
+              <a:t>2025-11-19</a:t>
             </a:fld>
             <a:endParaRPr lang="en-US"/>
           </a:p>
@@ -629,7 +629,7 @@
           <a:p>
             <a:fld id="{63A1C593-65D0-4073-BCC9-577B9352EA97}" type="datetimeFigureOut">
               <a:rPr lang="en-US" smtClean="0"/>
-              <a:t>2025-11-16</a:t>
+              <a:t>2025-11-19</a:t>
             </a:fld>
             <a:endParaRPr lang="en-US"/>
           </a:p>
@@ -794,7 +794,7 @@
           <a:p>
             <a:fld id="{63A1C593-65D0-4073-BCC9-577B9352EA97}" type="datetimeFigureOut">
               <a:rPr lang="en-US" smtClean="0"/>
-              <a:t>2025-11-16</a:t>
+              <a:t>2025-11-19</a:t>
             </a:fld>
             <a:endParaRPr lang="en-US"/>
           </a:p>
@@ -1035,7 +1035,7 @@
           <a:p>
             <a:fld id="{63A1C593-65D0-4073-BCC9-577B9352EA97}" type="datetimeFigureOut">
               <a:rPr lang="en-US" smtClean="0"/>
-              <a:t>2025-11-16</a:t>
+              <a:t>2025-11-19</a:t>
             </a:fld>
             <a:endParaRPr lang="en-US"/>
           </a:p>
@@ -1262,7 +1262,7 @@
           <a:p>
             <a:fld id="{63A1C593-65D0-4073-BCC9-577B9352EA97}" type="datetimeFigureOut">
               <a:rPr lang="en-US" smtClean="0"/>
-              <a:t>2025-11-16</a:t>
+              <a:t>2025-11-19</a:t>
             </a:fld>
             <a:endParaRPr lang="en-US"/>
           </a:p>
@@ -1624,7 +1624,7 @@
           <a:p>
             <a:fld id="{63A1C593-65D0-4073-BCC9-577B9352EA97}" type="datetimeFigureOut">
               <a:rPr lang="en-US" smtClean="0"/>
-              <a:t>2025-11-16</a:t>
+              <a:t>2025-11-19</a:t>
             </a:fld>
             <a:endParaRPr lang="en-US"/>
           </a:p>
@@ -1737,7 +1737,7 @@
           <a:p>
             <a:fld id="{63A1C593-65D0-4073-BCC9-577B9352EA97}" type="datetimeFigureOut">
               <a:rPr lang="en-US" smtClean="0"/>
-              <a:t>2025-11-16</a:t>
+              <a:t>2025-11-19</a:t>
             </a:fld>
             <a:endParaRPr lang="en-US"/>
           </a:p>
@@ -1827,7 +1827,7 @@
           <a:p>
             <a:fld id="{63A1C593-65D0-4073-BCC9-577B9352EA97}" type="datetimeFigureOut">
               <a:rPr lang="en-US" smtClean="0"/>
-              <a:t>2025-11-16</a:t>
+              <a:t>2025-11-19</a:t>
             </a:fld>
             <a:endParaRPr lang="en-US"/>
           </a:p>
@@ -2099,7 +2099,7 @@
           <a:p>
             <a:fld id="{63A1C593-65D0-4073-BCC9-577B9352EA97}" type="datetimeFigureOut">
               <a:rPr lang="en-US" smtClean="0"/>
-              <a:t>2025-11-16</a:t>
+              <a:t>2025-11-19</a:t>
             </a:fld>
             <a:endParaRPr lang="en-US"/>
           </a:p>
@@ -2347,7 +2347,7 @@
           <a:p>
             <a:fld id="{63A1C593-65D0-4073-BCC9-577B9352EA97}" type="datetimeFigureOut">
               <a:rPr lang="en-US" smtClean="0"/>
-              <a:t>2025-11-16</a:t>
+              <a:t>2025-11-19</a:t>
             </a:fld>
             <a:endParaRPr lang="en-US"/>
           </a:p>
@@ -2555,7 +2555,7 @@
           <a:p>
             <a:fld id="{63A1C593-65D0-4073-BCC9-577B9352EA97}" type="datetimeFigureOut">
               <a:rPr lang="en-US" smtClean="0"/>
-              <a:t>2025-11-16</a:t>
+              <a:t>2025-11-19</a:t>
             </a:fld>
             <a:endParaRPr lang="en-US"/>
           </a:p>
@@ -8124,7 +8124,7 @@
         </p:nvSpPr>
         <p:spPr>
           <a:xfrm>
-            <a:off x="7767955" y="4552315"/>
+            <a:off x="7758112" y="4166436"/>
             <a:ext cx="899160" cy="323215"/>
           </a:xfrm>
           <a:prstGeom prst="roundRect">
@@ -9155,6 +9155,50 @@
               <a:rPr lang="zh-CN" altLang="zh-HK" sz="800"/>
               <a:t>数据及消息中间件</a:t>
             </a:r>
+          </a:p>
+        </p:txBody>
+      </p:sp>
+      <p:sp>
+        <p:nvSpPr>
+          <p:cNvPr id="90" name="圓角矩形 63"/>
+          <p:cNvSpPr/>
+          <p:nvPr/>
+        </p:nvSpPr>
+        <p:spPr>
+          <a:xfrm>
+            <a:off x="7770325" y="4649214"/>
+            <a:ext cx="899160" cy="323215"/>
+          </a:xfrm>
+          <a:prstGeom prst="roundRect">
+            <a:avLst/>
+          </a:prstGeom>
+        </p:spPr>
+        <p:style>
+          <a:lnRef idx="2">
+            <a:schemeClr val="accent1">
+              <a:lumMod val="75000"/>
+            </a:schemeClr>
+          </a:lnRef>
+          <a:fillRef idx="1">
+            <a:schemeClr val="accent1"/>
+          </a:fillRef>
+          <a:effectRef idx="0">
+            <a:srgbClr val="FFFFFF"/>
+          </a:effectRef>
+          <a:fontRef idx="minor">
+            <a:schemeClr val="lt1"/>
+          </a:fontRef>
+        </p:style>
+        <p:txBody>
+          <a:bodyPr rtlCol="0" anchor="ctr"/>
+          <a:lstStyle/>
+          <a:p>
+            <a:pPr algn="ctr"/>
+            <a:r>
+              <a:rPr lang="en-US" altLang="zh-CN" sz="1200" dirty="0"/>
+              <a:t>KCP</a:t>
+            </a:r>
+            <a:endParaRPr lang="zh-CN" altLang="en-US" sz="1200" dirty="0"/>
           </a:p>
         </p:txBody>
       </p:sp>
